--- a/recursion/Recursion.pptx
+++ b/recursion/Recursion.pptx
@@ -146,7 +146,7 @@
               <a:rPr b="0" lang="en-US" sz="1400" spc="-1" strike="noStrike">
                 <a:latin typeface="Times New Roman"/>
               </a:rPr>
-              <a:t> </a:t>
+              <a:t>&lt;header&gt;</a:t>
             </a:r>
             <a:endParaRPr b="0" lang="en-US" sz="1400" spc="-1" strike="noStrike">
               <a:latin typeface="Times New Roman"/>
@@ -181,7 +181,7 @@
               <a:rPr b="0" lang="en-US" sz="1400" spc="-1" strike="noStrike">
                 <a:latin typeface="Times New Roman"/>
               </a:rPr>
-              <a:t> </a:t>
+              <a:t>&lt;date/time&gt;</a:t>
             </a:r>
             <a:endParaRPr b="0" lang="en-US" sz="1400" spc="-1" strike="noStrike">
               <a:latin typeface="Times New Roman"/>
@@ -215,7 +215,7 @@
               <a:rPr b="0" lang="en-US" sz="1400" spc="-1" strike="noStrike">
                 <a:latin typeface="Times New Roman"/>
               </a:rPr>
-              <a:t> </a:t>
+              <a:t>&lt;footer&gt;</a:t>
             </a:r>
             <a:endParaRPr b="0" lang="en-US" sz="1400" spc="-1" strike="noStrike">
               <a:latin typeface="Times New Roman"/>
@@ -246,11 +246,11 @@
           <a:bodyPr lIns="0" rIns="0" tIns="0" bIns="0" anchor="b"/>
           <a:p>
             <a:pPr algn="r"/>
-            <a:fld id="{1AD682A4-D574-4533-8024-9827C4CFB348}" type="slidenum">
+            <a:fld id="{746C5C5D-91A7-459E-8052-6D35436C5D80}" type="slidenum">
               <a:rPr b="0" lang="en-US" sz="1400" spc="-1" strike="noStrike">
                 <a:latin typeface="Times New Roman"/>
               </a:rPr>
-              <a:t>1</a:t>
+              <a:t>&lt;number&gt;</a:t>
             </a:fld>
             <a:endParaRPr b="0" lang="en-US" sz="1400" spc="-1" strike="noStrike">
               <a:latin typeface="Times New Roman"/>
@@ -283,7 +283,7 @@
       </p:grpSpPr>
       <p:sp>
         <p:nvSpPr>
-          <p:cNvPr id="185" name="PlaceHolder 1"/>
+          <p:cNvPr id="177" name="PlaceHolder 1"/>
           <p:cNvSpPr>
             <a:spLocks noGrp="1"/>
           </p:cNvSpPr>
@@ -294,7 +294,7 @@
         <p:spPr>
           <a:xfrm>
             <a:off x="2143080" y="695160"/>
-            <a:ext cx="2571480" cy="3428640"/>
+            <a:ext cx="2570760" cy="3427920"/>
           </a:xfrm>
           <a:prstGeom prst="rect">
             <a:avLst/>
@@ -303,14 +303,14 @@
       </p:sp>
       <p:sp>
         <p:nvSpPr>
-          <p:cNvPr id="186" name="CustomShape 2"/>
+          <p:cNvPr id="178" name="CustomShape 2"/>
           <p:cNvSpPr/>
           <p:nvPr/>
         </p:nvSpPr>
         <p:spPr>
           <a:xfrm>
             <a:off x="685800" y="4343400"/>
-            <a:ext cx="5486040" cy="4114440"/>
+            <a:ext cx="5485320" cy="4113720"/>
           </a:xfrm>
           <a:custGeom>
             <a:avLst/>
@@ -374,7 +374,7 @@
       </p:grpSpPr>
       <p:sp>
         <p:nvSpPr>
-          <p:cNvPr id="203" name="PlaceHolder 1"/>
+          <p:cNvPr id="195" name="PlaceHolder 1"/>
           <p:cNvSpPr>
             <a:spLocks noGrp="1"/>
           </p:cNvSpPr>
@@ -385,7 +385,7 @@
         <p:spPr>
           <a:xfrm>
             <a:off x="2143080" y="695160"/>
-            <a:ext cx="2571480" cy="3428640"/>
+            <a:ext cx="2570760" cy="3427920"/>
           </a:xfrm>
           <a:prstGeom prst="rect">
             <a:avLst/>
@@ -394,14 +394,14 @@
       </p:sp>
       <p:sp>
         <p:nvSpPr>
-          <p:cNvPr id="204" name="CustomShape 2"/>
+          <p:cNvPr id="196" name="CustomShape 2"/>
           <p:cNvSpPr/>
           <p:nvPr/>
         </p:nvSpPr>
         <p:spPr>
           <a:xfrm>
             <a:off x="685800" y="4343400"/>
-            <a:ext cx="5486040" cy="4114440"/>
+            <a:ext cx="5485320" cy="4113720"/>
           </a:xfrm>
           <a:custGeom>
             <a:avLst/>
@@ -465,7 +465,7 @@
       </p:grpSpPr>
       <p:sp>
         <p:nvSpPr>
-          <p:cNvPr id="205" name="PlaceHolder 1"/>
+          <p:cNvPr id="197" name="PlaceHolder 1"/>
           <p:cNvSpPr>
             <a:spLocks noGrp="1"/>
           </p:cNvSpPr>
@@ -476,7 +476,7 @@
         <p:spPr>
           <a:xfrm>
             <a:off x="2143080" y="695160"/>
-            <a:ext cx="2571480" cy="3428640"/>
+            <a:ext cx="2570760" cy="3427920"/>
           </a:xfrm>
           <a:prstGeom prst="rect">
             <a:avLst/>
@@ -485,14 +485,14 @@
       </p:sp>
       <p:sp>
         <p:nvSpPr>
-          <p:cNvPr id="206" name="CustomShape 2"/>
+          <p:cNvPr id="198" name="CustomShape 2"/>
           <p:cNvSpPr/>
           <p:nvPr/>
         </p:nvSpPr>
         <p:spPr>
           <a:xfrm>
             <a:off x="685800" y="4343400"/>
-            <a:ext cx="5486040" cy="4114440"/>
+            <a:ext cx="5485320" cy="4113720"/>
           </a:xfrm>
           <a:custGeom>
             <a:avLst/>
@@ -556,7 +556,7 @@
       </p:grpSpPr>
       <p:sp>
         <p:nvSpPr>
-          <p:cNvPr id="207" name="PlaceHolder 1"/>
+          <p:cNvPr id="199" name="PlaceHolder 1"/>
           <p:cNvSpPr>
             <a:spLocks noGrp="1"/>
           </p:cNvSpPr>
@@ -567,7 +567,7 @@
         <p:spPr>
           <a:xfrm>
             <a:off x="2143080" y="695160"/>
-            <a:ext cx="2571480" cy="3428640"/>
+            <a:ext cx="2570760" cy="3427920"/>
           </a:xfrm>
           <a:prstGeom prst="rect">
             <a:avLst/>
@@ -576,14 +576,14 @@
       </p:sp>
       <p:sp>
         <p:nvSpPr>
-          <p:cNvPr id="208" name="CustomShape 2"/>
+          <p:cNvPr id="200" name="CustomShape 2"/>
           <p:cNvSpPr/>
           <p:nvPr/>
         </p:nvSpPr>
         <p:spPr>
           <a:xfrm>
             <a:off x="685800" y="4343400"/>
-            <a:ext cx="5486040" cy="4114440"/>
+            <a:ext cx="5485320" cy="4113720"/>
           </a:xfrm>
           <a:custGeom>
             <a:avLst/>
@@ -647,7 +647,7 @@
       </p:grpSpPr>
       <p:sp>
         <p:nvSpPr>
-          <p:cNvPr id="209" name="PlaceHolder 1"/>
+          <p:cNvPr id="201" name="PlaceHolder 1"/>
           <p:cNvSpPr>
             <a:spLocks noGrp="1"/>
           </p:cNvSpPr>
@@ -658,7 +658,7 @@
         <p:spPr>
           <a:xfrm>
             <a:off x="2143080" y="695160"/>
-            <a:ext cx="2571480" cy="3428640"/>
+            <a:ext cx="2570760" cy="3427920"/>
           </a:xfrm>
           <a:prstGeom prst="rect">
             <a:avLst/>
@@ -667,14 +667,14 @@
       </p:sp>
       <p:sp>
         <p:nvSpPr>
-          <p:cNvPr id="210" name="CustomShape 2"/>
+          <p:cNvPr id="202" name="CustomShape 2"/>
           <p:cNvSpPr/>
           <p:nvPr/>
         </p:nvSpPr>
         <p:spPr>
           <a:xfrm>
             <a:off x="685800" y="4343400"/>
-            <a:ext cx="5486040" cy="4114440"/>
+            <a:ext cx="5485320" cy="4113720"/>
           </a:xfrm>
           <a:custGeom>
             <a:avLst/>
@@ -738,7 +738,7 @@
       </p:grpSpPr>
       <p:sp>
         <p:nvSpPr>
-          <p:cNvPr id="211" name="PlaceHolder 1"/>
+          <p:cNvPr id="203" name="PlaceHolder 1"/>
           <p:cNvSpPr>
             <a:spLocks noGrp="1"/>
           </p:cNvSpPr>
@@ -749,7 +749,7 @@
         <p:spPr>
           <a:xfrm>
             <a:off x="1440" y="0"/>
-            <a:ext cx="1440" cy="1080"/>
+            <a:ext cx="720" cy="360"/>
           </a:xfrm>
           <a:prstGeom prst="rect">
             <a:avLst/>
@@ -758,14 +758,14 @@
       </p:sp>
       <p:sp>
         <p:nvSpPr>
-          <p:cNvPr id="212" name="CustomShape 2"/>
+          <p:cNvPr id="204" name="CustomShape 2"/>
           <p:cNvSpPr/>
           <p:nvPr/>
         </p:nvSpPr>
         <p:spPr>
           <a:xfrm>
             <a:off x="685800" y="4343400"/>
-            <a:ext cx="5486040" cy="4114440"/>
+            <a:ext cx="5485320" cy="4113720"/>
           </a:xfrm>
           <a:custGeom>
             <a:avLst/>
@@ -829,7 +829,7 @@
       </p:grpSpPr>
       <p:sp>
         <p:nvSpPr>
-          <p:cNvPr id="213" name="PlaceHolder 1"/>
+          <p:cNvPr id="205" name="PlaceHolder 1"/>
           <p:cNvSpPr>
             <a:spLocks noGrp="1"/>
           </p:cNvSpPr>
@@ -840,7 +840,7 @@
         <p:spPr>
           <a:xfrm>
             <a:off x="1440" y="0"/>
-            <a:ext cx="1440" cy="1080"/>
+            <a:ext cx="720" cy="360"/>
           </a:xfrm>
           <a:prstGeom prst="rect">
             <a:avLst/>
@@ -849,14 +849,14 @@
       </p:sp>
       <p:sp>
         <p:nvSpPr>
-          <p:cNvPr id="214" name="CustomShape 2"/>
+          <p:cNvPr id="206" name="CustomShape 2"/>
           <p:cNvSpPr/>
           <p:nvPr/>
         </p:nvSpPr>
         <p:spPr>
           <a:xfrm>
             <a:off x="685800" y="4343400"/>
-            <a:ext cx="5486040" cy="4114440"/>
+            <a:ext cx="5485320" cy="4113720"/>
           </a:xfrm>
           <a:custGeom>
             <a:avLst/>
@@ -920,7 +920,7 @@
       </p:grpSpPr>
       <p:sp>
         <p:nvSpPr>
-          <p:cNvPr id="215" name="PlaceHolder 1"/>
+          <p:cNvPr id="207" name="PlaceHolder 1"/>
           <p:cNvSpPr>
             <a:spLocks noGrp="1"/>
           </p:cNvSpPr>
@@ -931,7 +931,7 @@
         <p:spPr>
           <a:xfrm>
             <a:off x="1440" y="0"/>
-            <a:ext cx="1440" cy="1080"/>
+            <a:ext cx="720" cy="360"/>
           </a:xfrm>
           <a:prstGeom prst="rect">
             <a:avLst/>
@@ -940,14 +940,14 @@
       </p:sp>
       <p:sp>
         <p:nvSpPr>
-          <p:cNvPr id="216" name="CustomShape 2"/>
+          <p:cNvPr id="208" name="CustomShape 2"/>
           <p:cNvSpPr/>
           <p:nvPr/>
         </p:nvSpPr>
         <p:spPr>
           <a:xfrm>
             <a:off x="685800" y="4343400"/>
-            <a:ext cx="5486040" cy="4114440"/>
+            <a:ext cx="5485320" cy="4113720"/>
           </a:xfrm>
           <a:custGeom>
             <a:avLst/>
@@ -1011,7 +1011,7 @@
       </p:grpSpPr>
       <p:sp>
         <p:nvSpPr>
-          <p:cNvPr id="217" name="PlaceHolder 1"/>
+          <p:cNvPr id="209" name="PlaceHolder 1"/>
           <p:cNvSpPr>
             <a:spLocks noGrp="1"/>
           </p:cNvSpPr>
@@ -1022,7 +1022,7 @@
         <p:spPr>
           <a:xfrm>
             <a:off x="1440" y="0"/>
-            <a:ext cx="1440" cy="1080"/>
+            <a:ext cx="720" cy="360"/>
           </a:xfrm>
           <a:prstGeom prst="rect">
             <a:avLst/>
@@ -1031,14 +1031,14 @@
       </p:sp>
       <p:sp>
         <p:nvSpPr>
-          <p:cNvPr id="218" name="CustomShape 2"/>
+          <p:cNvPr id="210" name="CustomShape 2"/>
           <p:cNvSpPr/>
           <p:nvPr/>
         </p:nvSpPr>
         <p:spPr>
           <a:xfrm>
             <a:off x="685800" y="4343400"/>
-            <a:ext cx="5486040" cy="4114440"/>
+            <a:ext cx="5485320" cy="4113720"/>
           </a:xfrm>
           <a:custGeom>
             <a:avLst/>
@@ -1102,7 +1102,7 @@
       </p:grpSpPr>
       <p:sp>
         <p:nvSpPr>
-          <p:cNvPr id="219" name="PlaceHolder 1"/>
+          <p:cNvPr id="211" name="PlaceHolder 1"/>
           <p:cNvSpPr>
             <a:spLocks noGrp="1"/>
           </p:cNvSpPr>
@@ -1113,7 +1113,7 @@
         <p:spPr>
           <a:xfrm>
             <a:off x="1440" y="0"/>
-            <a:ext cx="1440" cy="1080"/>
+            <a:ext cx="720" cy="360"/>
           </a:xfrm>
           <a:prstGeom prst="rect">
             <a:avLst/>
@@ -1122,14 +1122,14 @@
       </p:sp>
       <p:sp>
         <p:nvSpPr>
-          <p:cNvPr id="220" name="CustomShape 2"/>
+          <p:cNvPr id="212" name="CustomShape 2"/>
           <p:cNvSpPr/>
           <p:nvPr/>
         </p:nvSpPr>
         <p:spPr>
           <a:xfrm>
             <a:off x="685800" y="4343400"/>
-            <a:ext cx="5486040" cy="4114440"/>
+            <a:ext cx="5485320" cy="4113720"/>
           </a:xfrm>
           <a:custGeom>
             <a:avLst/>
@@ -1193,7 +1193,7 @@
       </p:grpSpPr>
       <p:sp>
         <p:nvSpPr>
-          <p:cNvPr id="221" name="PlaceHolder 1"/>
+          <p:cNvPr id="213" name="PlaceHolder 1"/>
           <p:cNvSpPr>
             <a:spLocks noGrp="1"/>
           </p:cNvSpPr>
@@ -1204,7 +1204,7 @@
         <p:spPr>
           <a:xfrm>
             <a:off x="1440" y="0"/>
-            <a:ext cx="1440" cy="1080"/>
+            <a:ext cx="720" cy="360"/>
           </a:xfrm>
           <a:prstGeom prst="rect">
             <a:avLst/>
@@ -1213,14 +1213,14 @@
       </p:sp>
       <p:sp>
         <p:nvSpPr>
-          <p:cNvPr id="222" name="CustomShape 2"/>
+          <p:cNvPr id="214" name="CustomShape 2"/>
           <p:cNvSpPr/>
           <p:nvPr/>
         </p:nvSpPr>
         <p:spPr>
           <a:xfrm>
             <a:off x="685800" y="4343400"/>
-            <a:ext cx="5486040" cy="4114440"/>
+            <a:ext cx="5485320" cy="4113720"/>
           </a:xfrm>
           <a:custGeom>
             <a:avLst/>
@@ -1284,7 +1284,7 @@
       </p:grpSpPr>
       <p:sp>
         <p:nvSpPr>
-          <p:cNvPr id="187" name="PlaceHolder 1"/>
+          <p:cNvPr id="179" name="PlaceHolder 1"/>
           <p:cNvSpPr>
             <a:spLocks noGrp="1"/>
           </p:cNvSpPr>
@@ -1295,7 +1295,7 @@
         <p:spPr>
           <a:xfrm>
             <a:off x="2143080" y="695160"/>
-            <a:ext cx="2571480" cy="3428640"/>
+            <a:ext cx="2570760" cy="3427920"/>
           </a:xfrm>
           <a:prstGeom prst="rect">
             <a:avLst/>
@@ -1304,14 +1304,14 @@
       </p:sp>
       <p:sp>
         <p:nvSpPr>
-          <p:cNvPr id="188" name="CustomShape 2"/>
+          <p:cNvPr id="180" name="CustomShape 2"/>
           <p:cNvSpPr/>
           <p:nvPr/>
         </p:nvSpPr>
         <p:spPr>
           <a:xfrm>
             <a:off x="685800" y="4343400"/>
-            <a:ext cx="5486040" cy="4114440"/>
+            <a:ext cx="5485320" cy="4113720"/>
           </a:xfrm>
           <a:custGeom>
             <a:avLst/>
@@ -1375,7 +1375,7 @@
       </p:grpSpPr>
       <p:sp>
         <p:nvSpPr>
-          <p:cNvPr id="189" name="PlaceHolder 1"/>
+          <p:cNvPr id="181" name="PlaceHolder 1"/>
           <p:cNvSpPr>
             <a:spLocks noGrp="1"/>
           </p:cNvSpPr>
@@ -1386,7 +1386,7 @@
         <p:spPr>
           <a:xfrm>
             <a:off x="2143080" y="695160"/>
-            <a:ext cx="2571480" cy="3428640"/>
+            <a:ext cx="2570760" cy="3427920"/>
           </a:xfrm>
           <a:prstGeom prst="rect">
             <a:avLst/>
@@ -1395,14 +1395,14 @@
       </p:sp>
       <p:sp>
         <p:nvSpPr>
-          <p:cNvPr id="190" name="CustomShape 2"/>
+          <p:cNvPr id="182" name="CustomShape 2"/>
           <p:cNvSpPr/>
           <p:nvPr/>
         </p:nvSpPr>
         <p:spPr>
           <a:xfrm>
             <a:off x="685800" y="4343400"/>
-            <a:ext cx="5486040" cy="4114440"/>
+            <a:ext cx="5485320" cy="4113720"/>
           </a:xfrm>
           <a:custGeom>
             <a:avLst/>
@@ -1466,7 +1466,7 @@
       </p:grpSpPr>
       <p:sp>
         <p:nvSpPr>
-          <p:cNvPr id="191" name="PlaceHolder 1"/>
+          <p:cNvPr id="183" name="PlaceHolder 1"/>
           <p:cNvSpPr>
             <a:spLocks noGrp="1"/>
           </p:cNvSpPr>
@@ -1477,7 +1477,7 @@
         <p:spPr>
           <a:xfrm>
             <a:off x="2143080" y="695160"/>
-            <a:ext cx="2571480" cy="3428640"/>
+            <a:ext cx="2570760" cy="3427920"/>
           </a:xfrm>
           <a:prstGeom prst="rect">
             <a:avLst/>
@@ -1486,14 +1486,14 @@
       </p:sp>
       <p:sp>
         <p:nvSpPr>
-          <p:cNvPr id="192" name="CustomShape 2"/>
+          <p:cNvPr id="184" name="CustomShape 2"/>
           <p:cNvSpPr/>
           <p:nvPr/>
         </p:nvSpPr>
         <p:spPr>
           <a:xfrm>
             <a:off x="685800" y="4343400"/>
-            <a:ext cx="5486040" cy="4114440"/>
+            <a:ext cx="5485320" cy="4113720"/>
           </a:xfrm>
           <a:custGeom>
             <a:avLst/>
@@ -1557,7 +1557,7 @@
       </p:grpSpPr>
       <p:sp>
         <p:nvSpPr>
-          <p:cNvPr id="193" name="PlaceHolder 1"/>
+          <p:cNvPr id="185" name="PlaceHolder 1"/>
           <p:cNvSpPr>
             <a:spLocks noGrp="1"/>
           </p:cNvSpPr>
@@ -1568,7 +1568,7 @@
         <p:spPr>
           <a:xfrm>
             <a:off x="2143080" y="695160"/>
-            <a:ext cx="2571480" cy="3428640"/>
+            <a:ext cx="2570760" cy="3427920"/>
           </a:xfrm>
           <a:prstGeom prst="rect">
             <a:avLst/>
@@ -1577,14 +1577,14 @@
       </p:sp>
       <p:sp>
         <p:nvSpPr>
-          <p:cNvPr id="194" name="CustomShape 2"/>
+          <p:cNvPr id="186" name="CustomShape 2"/>
           <p:cNvSpPr/>
           <p:nvPr/>
         </p:nvSpPr>
         <p:spPr>
           <a:xfrm>
             <a:off x="685800" y="4343400"/>
-            <a:ext cx="5486040" cy="4114440"/>
+            <a:ext cx="5485320" cy="4113720"/>
           </a:xfrm>
           <a:custGeom>
             <a:avLst/>
@@ -1648,7 +1648,7 @@
       </p:grpSpPr>
       <p:sp>
         <p:nvSpPr>
-          <p:cNvPr id="195" name="PlaceHolder 1"/>
+          <p:cNvPr id="187" name="PlaceHolder 1"/>
           <p:cNvSpPr>
             <a:spLocks noGrp="1"/>
           </p:cNvSpPr>
@@ -1659,7 +1659,7 @@
         <p:spPr>
           <a:xfrm>
             <a:off x="2143080" y="695160"/>
-            <a:ext cx="2571480" cy="3428640"/>
+            <a:ext cx="2570760" cy="3427920"/>
           </a:xfrm>
           <a:prstGeom prst="rect">
             <a:avLst/>
@@ -1668,14 +1668,14 @@
       </p:sp>
       <p:sp>
         <p:nvSpPr>
-          <p:cNvPr id="196" name="CustomShape 2"/>
+          <p:cNvPr id="188" name="CustomShape 2"/>
           <p:cNvSpPr/>
           <p:nvPr/>
         </p:nvSpPr>
         <p:spPr>
           <a:xfrm>
             <a:off x="685800" y="4343400"/>
-            <a:ext cx="5486040" cy="4114440"/>
+            <a:ext cx="5485320" cy="4113720"/>
           </a:xfrm>
           <a:custGeom>
             <a:avLst/>
@@ -1739,7 +1739,7 @@
       </p:grpSpPr>
       <p:sp>
         <p:nvSpPr>
-          <p:cNvPr id="197" name="PlaceHolder 1"/>
+          <p:cNvPr id="189" name="PlaceHolder 1"/>
           <p:cNvSpPr>
             <a:spLocks noGrp="1"/>
           </p:cNvSpPr>
@@ -1750,7 +1750,7 @@
         <p:spPr>
           <a:xfrm>
             <a:off x="2143080" y="695160"/>
-            <a:ext cx="2571480" cy="3428640"/>
+            <a:ext cx="2570760" cy="3427920"/>
           </a:xfrm>
           <a:prstGeom prst="rect">
             <a:avLst/>
@@ -1759,14 +1759,14 @@
       </p:sp>
       <p:sp>
         <p:nvSpPr>
-          <p:cNvPr id="198" name="CustomShape 2"/>
+          <p:cNvPr id="190" name="CustomShape 2"/>
           <p:cNvSpPr/>
           <p:nvPr/>
         </p:nvSpPr>
         <p:spPr>
           <a:xfrm>
             <a:off x="685800" y="4343400"/>
-            <a:ext cx="5486040" cy="4114440"/>
+            <a:ext cx="5485320" cy="4113720"/>
           </a:xfrm>
           <a:custGeom>
             <a:avLst/>
@@ -1830,7 +1830,7 @@
       </p:grpSpPr>
       <p:sp>
         <p:nvSpPr>
-          <p:cNvPr id="199" name="PlaceHolder 1"/>
+          <p:cNvPr id="191" name="PlaceHolder 1"/>
           <p:cNvSpPr>
             <a:spLocks noGrp="1"/>
           </p:cNvSpPr>
@@ -1841,7 +1841,7 @@
         <p:spPr>
           <a:xfrm>
             <a:off x="1440" y="0"/>
-            <a:ext cx="1440" cy="1080"/>
+            <a:ext cx="720" cy="360"/>
           </a:xfrm>
           <a:prstGeom prst="rect">
             <a:avLst/>
@@ -1850,14 +1850,14 @@
       </p:sp>
       <p:sp>
         <p:nvSpPr>
-          <p:cNvPr id="200" name="CustomShape 2"/>
+          <p:cNvPr id="192" name="CustomShape 2"/>
           <p:cNvSpPr/>
           <p:nvPr/>
         </p:nvSpPr>
         <p:spPr>
           <a:xfrm>
             <a:off x="685800" y="4343400"/>
-            <a:ext cx="5486040" cy="4114440"/>
+            <a:ext cx="5485320" cy="4113720"/>
           </a:xfrm>
           <a:custGeom>
             <a:avLst/>
@@ -1921,7 +1921,7 @@
       </p:grpSpPr>
       <p:sp>
         <p:nvSpPr>
-          <p:cNvPr id="201" name="PlaceHolder 1"/>
+          <p:cNvPr id="193" name="PlaceHolder 1"/>
           <p:cNvSpPr>
             <a:spLocks noGrp="1"/>
           </p:cNvSpPr>
@@ -1932,7 +1932,7 @@
         <p:spPr>
           <a:xfrm>
             <a:off x="1440" y="0"/>
-            <a:ext cx="1440" cy="1080"/>
+            <a:ext cx="720" cy="360"/>
           </a:xfrm>
           <a:prstGeom prst="rect">
             <a:avLst/>
@@ -1941,14 +1941,14 @@
       </p:sp>
       <p:sp>
         <p:nvSpPr>
-          <p:cNvPr id="202" name="CustomShape 2"/>
+          <p:cNvPr id="194" name="CustomShape 2"/>
           <p:cNvSpPr/>
           <p:nvPr/>
         </p:nvSpPr>
         <p:spPr>
           <a:xfrm>
             <a:off x="685800" y="4343400"/>
-            <a:ext cx="5486040" cy="4114440"/>
+            <a:ext cx="5485320" cy="4113720"/>
           </a:xfrm>
           <a:custGeom>
             <a:avLst/>
@@ -2044,8 +2044,8 @@
         </p:nvSpPr>
         <p:spPr>
           <a:xfrm>
-            <a:off x="611280" y="259920"/>
-            <a:ext cx="7911720" cy="855360"/>
+            <a:off x="457200" y="273600"/>
+            <a:ext cx="8229240" cy="1144800"/>
           </a:xfrm>
           <a:prstGeom prst="rect">
             <a:avLst/>
@@ -2073,8 +2073,8 @@
         </p:nvSpPr>
         <p:spPr>
           <a:xfrm>
-            <a:off x="674640" y="1400040"/>
-            <a:ext cx="7911720" cy="2124360"/>
+            <a:off x="457200" y="1604520"/>
+            <a:ext cx="8229240" cy="1896840"/>
           </a:xfrm>
           <a:prstGeom prst="rect">
             <a:avLst/>
@@ -2103,8 +2103,8 @@
         </p:nvSpPr>
         <p:spPr>
           <a:xfrm>
-            <a:off x="674640" y="3726720"/>
-            <a:ext cx="7911720" cy="2124360"/>
+            <a:off x="457200" y="3682080"/>
+            <a:ext cx="8229240" cy="1896840"/>
           </a:xfrm>
           <a:prstGeom prst="rect">
             <a:avLst/>
@@ -2155,8 +2155,8 @@
         </p:nvSpPr>
         <p:spPr>
           <a:xfrm>
-            <a:off x="611280" y="259920"/>
-            <a:ext cx="7911720" cy="855360"/>
+            <a:off x="457200" y="273600"/>
+            <a:ext cx="8229240" cy="1144800"/>
           </a:xfrm>
           <a:prstGeom prst="rect">
             <a:avLst/>
@@ -2184,8 +2184,8 @@
         </p:nvSpPr>
         <p:spPr>
           <a:xfrm>
-            <a:off x="674640" y="1400040"/>
-            <a:ext cx="3860640" cy="2124360"/>
+            <a:off x="457200" y="1604520"/>
+            <a:ext cx="4015800" cy="1896840"/>
           </a:xfrm>
           <a:prstGeom prst="rect">
             <a:avLst/>
@@ -2214,8 +2214,8 @@
         </p:nvSpPr>
         <p:spPr>
           <a:xfrm>
-            <a:off x="4728600" y="1400040"/>
-            <a:ext cx="3860640" cy="2124360"/>
+            <a:off x="4674240" y="1604520"/>
+            <a:ext cx="4015800" cy="1896840"/>
           </a:xfrm>
           <a:prstGeom prst="rect">
             <a:avLst/>
@@ -2244,8 +2244,8 @@
         </p:nvSpPr>
         <p:spPr>
           <a:xfrm>
-            <a:off x="674640" y="3726720"/>
-            <a:ext cx="3860640" cy="2124360"/>
+            <a:off x="457200" y="3682080"/>
+            <a:ext cx="4015800" cy="1896840"/>
           </a:xfrm>
           <a:prstGeom prst="rect">
             <a:avLst/>
@@ -2274,8 +2274,8 @@
         </p:nvSpPr>
         <p:spPr>
           <a:xfrm>
-            <a:off x="4728600" y="3726720"/>
-            <a:ext cx="3860640" cy="2124360"/>
+            <a:off x="4674240" y="3682080"/>
+            <a:ext cx="4015800" cy="1896840"/>
           </a:xfrm>
           <a:prstGeom prst="rect">
             <a:avLst/>
@@ -2326,8 +2326,8 @@
         </p:nvSpPr>
         <p:spPr>
           <a:xfrm>
-            <a:off x="611280" y="259920"/>
-            <a:ext cx="7911720" cy="855360"/>
+            <a:off x="457200" y="273600"/>
+            <a:ext cx="8229240" cy="1144800"/>
           </a:xfrm>
           <a:prstGeom prst="rect">
             <a:avLst/>
@@ -2355,8 +2355,8 @@
         </p:nvSpPr>
         <p:spPr>
           <a:xfrm>
-            <a:off x="674640" y="1400040"/>
-            <a:ext cx="2547360" cy="2124360"/>
+            <a:off x="457200" y="1604520"/>
+            <a:ext cx="2649600" cy="1896840"/>
           </a:xfrm>
           <a:prstGeom prst="rect">
             <a:avLst/>
@@ -2385,8 +2385,8 @@
         </p:nvSpPr>
         <p:spPr>
           <a:xfrm>
-            <a:off x="3349800" y="1400040"/>
-            <a:ext cx="2547360" cy="2124360"/>
+            <a:off x="3239640" y="1604520"/>
+            <a:ext cx="2649600" cy="1896840"/>
           </a:xfrm>
           <a:prstGeom prst="rect">
             <a:avLst/>
@@ -2415,8 +2415,8 @@
         </p:nvSpPr>
         <p:spPr>
           <a:xfrm>
-            <a:off x="6024960" y="1400040"/>
-            <a:ext cx="2547360" cy="2124360"/>
+            <a:off x="6022080" y="1604520"/>
+            <a:ext cx="2649600" cy="1896840"/>
           </a:xfrm>
           <a:prstGeom prst="rect">
             <a:avLst/>
@@ -2445,8 +2445,8 @@
         </p:nvSpPr>
         <p:spPr>
           <a:xfrm>
-            <a:off x="674640" y="3726720"/>
-            <a:ext cx="2547360" cy="2124360"/>
+            <a:off x="457200" y="3682080"/>
+            <a:ext cx="2649600" cy="1896840"/>
           </a:xfrm>
           <a:prstGeom prst="rect">
             <a:avLst/>
@@ -2475,8 +2475,8 @@
         </p:nvSpPr>
         <p:spPr>
           <a:xfrm>
-            <a:off x="3349800" y="3726720"/>
-            <a:ext cx="2547360" cy="2124360"/>
+            <a:off x="3239640" y="3682080"/>
+            <a:ext cx="2649600" cy="1896840"/>
           </a:xfrm>
           <a:prstGeom prst="rect">
             <a:avLst/>
@@ -2505,8 +2505,8 @@
         </p:nvSpPr>
         <p:spPr>
           <a:xfrm>
-            <a:off x="6024960" y="3726720"/>
-            <a:ext cx="2547360" cy="2124360"/>
+            <a:off x="6022080" y="3682080"/>
+            <a:ext cx="2649600" cy="1896840"/>
           </a:xfrm>
           <a:prstGeom prst="rect">
             <a:avLst/>
@@ -2579,8 +2579,8 @@
         </p:nvSpPr>
         <p:spPr>
           <a:xfrm>
-            <a:off x="611280" y="259920"/>
-            <a:ext cx="7911720" cy="855360"/>
+            <a:off x="457200" y="273600"/>
+            <a:ext cx="8229240" cy="1144800"/>
           </a:xfrm>
           <a:prstGeom prst="rect">
             <a:avLst/>
@@ -2608,8 +2608,8 @@
         </p:nvSpPr>
         <p:spPr>
           <a:xfrm>
-            <a:off x="674640" y="1400040"/>
-            <a:ext cx="7911720" cy="4454280"/>
+            <a:off x="457200" y="1604520"/>
+            <a:ext cx="8229240" cy="3977280"/>
           </a:xfrm>
           <a:prstGeom prst="rect">
             <a:avLst/>
@@ -2659,8 +2659,8 @@
         </p:nvSpPr>
         <p:spPr>
           <a:xfrm>
-            <a:off x="611280" y="259920"/>
-            <a:ext cx="7911720" cy="855360"/>
+            <a:off x="457200" y="273600"/>
+            <a:ext cx="8229240" cy="1144800"/>
           </a:xfrm>
           <a:prstGeom prst="rect">
             <a:avLst/>
@@ -2688,8 +2688,8 @@
         </p:nvSpPr>
         <p:spPr>
           <a:xfrm>
-            <a:off x="674640" y="1400040"/>
-            <a:ext cx="7911720" cy="4454280"/>
+            <a:off x="457200" y="1604520"/>
+            <a:ext cx="8229240" cy="3977280"/>
           </a:xfrm>
           <a:prstGeom prst="rect">
             <a:avLst/>
@@ -2740,8 +2740,8 @@
         </p:nvSpPr>
         <p:spPr>
           <a:xfrm>
-            <a:off x="611280" y="259920"/>
-            <a:ext cx="7911720" cy="855360"/>
+            <a:off x="457200" y="273600"/>
+            <a:ext cx="8229240" cy="1144800"/>
           </a:xfrm>
           <a:prstGeom prst="rect">
             <a:avLst/>
@@ -2769,8 +2769,8 @@
         </p:nvSpPr>
         <p:spPr>
           <a:xfrm>
-            <a:off x="674640" y="1400040"/>
-            <a:ext cx="3860640" cy="4454280"/>
+            <a:off x="457200" y="1604520"/>
+            <a:ext cx="4015800" cy="3977280"/>
           </a:xfrm>
           <a:prstGeom prst="rect">
             <a:avLst/>
@@ -2799,8 +2799,8 @@
         </p:nvSpPr>
         <p:spPr>
           <a:xfrm>
-            <a:off x="4728600" y="1400040"/>
-            <a:ext cx="3860640" cy="4454280"/>
+            <a:off x="4674240" y="1604520"/>
+            <a:ext cx="4015800" cy="3977280"/>
           </a:xfrm>
           <a:prstGeom prst="rect">
             <a:avLst/>
@@ -2851,8 +2851,8 @@
         </p:nvSpPr>
         <p:spPr>
           <a:xfrm>
-            <a:off x="611280" y="259920"/>
-            <a:ext cx="7911720" cy="855360"/>
+            <a:off x="457200" y="273600"/>
+            <a:ext cx="8229240" cy="1144800"/>
           </a:xfrm>
           <a:prstGeom prst="rect">
             <a:avLst/>
@@ -2902,8 +2902,8 @@
         </p:nvSpPr>
         <p:spPr>
           <a:xfrm>
-            <a:off x="611280" y="259920"/>
-            <a:ext cx="7911720" cy="3966120"/>
+            <a:off x="457200" y="273600"/>
+            <a:ext cx="8229240" cy="5307840"/>
           </a:xfrm>
           <a:prstGeom prst="rect">
             <a:avLst/>
@@ -2953,8 +2953,8 @@
         </p:nvSpPr>
         <p:spPr>
           <a:xfrm>
-            <a:off x="611280" y="259920"/>
-            <a:ext cx="7911720" cy="855360"/>
+            <a:off x="457200" y="273600"/>
+            <a:ext cx="8229240" cy="1144800"/>
           </a:xfrm>
           <a:prstGeom prst="rect">
             <a:avLst/>
@@ -2982,8 +2982,8 @@
         </p:nvSpPr>
         <p:spPr>
           <a:xfrm>
-            <a:off x="674640" y="1400040"/>
-            <a:ext cx="3860640" cy="2124360"/>
+            <a:off x="457200" y="1604520"/>
+            <a:ext cx="4015800" cy="1896840"/>
           </a:xfrm>
           <a:prstGeom prst="rect">
             <a:avLst/>
@@ -3012,8 +3012,8 @@
         </p:nvSpPr>
         <p:spPr>
           <a:xfrm>
-            <a:off x="4728600" y="1400040"/>
-            <a:ext cx="3860640" cy="4454280"/>
+            <a:off x="4674240" y="1604520"/>
+            <a:ext cx="4015800" cy="3977280"/>
           </a:xfrm>
           <a:prstGeom prst="rect">
             <a:avLst/>
@@ -3042,8 +3042,8 @@
         </p:nvSpPr>
         <p:spPr>
           <a:xfrm>
-            <a:off x="674640" y="3726720"/>
-            <a:ext cx="3860640" cy="2124360"/>
+            <a:off x="457200" y="3682080"/>
+            <a:ext cx="4015800" cy="1896840"/>
           </a:xfrm>
           <a:prstGeom prst="rect">
             <a:avLst/>
@@ -3094,8 +3094,8 @@
         </p:nvSpPr>
         <p:spPr>
           <a:xfrm>
-            <a:off x="611280" y="259920"/>
-            <a:ext cx="7911720" cy="855360"/>
+            <a:off x="457200" y="273600"/>
+            <a:ext cx="8229240" cy="1144800"/>
           </a:xfrm>
           <a:prstGeom prst="rect">
             <a:avLst/>
@@ -3123,8 +3123,8 @@
         </p:nvSpPr>
         <p:spPr>
           <a:xfrm>
-            <a:off x="674640" y="1400040"/>
-            <a:ext cx="7911720" cy="4454280"/>
+            <a:off x="457200" y="1604520"/>
+            <a:ext cx="8229240" cy="3977280"/>
           </a:xfrm>
           <a:prstGeom prst="rect">
             <a:avLst/>
@@ -3174,8 +3174,8 @@
         </p:nvSpPr>
         <p:spPr>
           <a:xfrm>
-            <a:off x="611280" y="259920"/>
-            <a:ext cx="7911720" cy="855360"/>
+            <a:off x="457200" y="273600"/>
+            <a:ext cx="8229240" cy="1144800"/>
           </a:xfrm>
           <a:prstGeom prst="rect">
             <a:avLst/>
@@ -3203,8 +3203,8 @@
         </p:nvSpPr>
         <p:spPr>
           <a:xfrm>
-            <a:off x="674640" y="1400040"/>
-            <a:ext cx="3860640" cy="4454280"/>
+            <a:off x="457200" y="1604520"/>
+            <a:ext cx="4015800" cy="3977280"/>
           </a:xfrm>
           <a:prstGeom prst="rect">
             <a:avLst/>
@@ -3233,8 +3233,8 @@
         </p:nvSpPr>
         <p:spPr>
           <a:xfrm>
-            <a:off x="4728600" y="1400040"/>
-            <a:ext cx="3860640" cy="2124360"/>
+            <a:off x="4674240" y="1604520"/>
+            <a:ext cx="4015800" cy="1896840"/>
           </a:xfrm>
           <a:prstGeom prst="rect">
             <a:avLst/>
@@ -3263,8 +3263,8 @@
         </p:nvSpPr>
         <p:spPr>
           <a:xfrm>
-            <a:off x="4728600" y="3726720"/>
-            <a:ext cx="3860640" cy="2124360"/>
+            <a:off x="4674240" y="3682080"/>
+            <a:ext cx="4015800" cy="1896840"/>
           </a:xfrm>
           <a:prstGeom prst="rect">
             <a:avLst/>
@@ -3315,8 +3315,8 @@
         </p:nvSpPr>
         <p:spPr>
           <a:xfrm>
-            <a:off x="611280" y="259920"/>
-            <a:ext cx="7911720" cy="855360"/>
+            <a:off x="457200" y="273600"/>
+            <a:ext cx="8229240" cy="1144800"/>
           </a:xfrm>
           <a:prstGeom prst="rect">
             <a:avLst/>
@@ -3344,8 +3344,8 @@
         </p:nvSpPr>
         <p:spPr>
           <a:xfrm>
-            <a:off x="674640" y="1400040"/>
-            <a:ext cx="3860640" cy="2124360"/>
+            <a:off x="457200" y="1604520"/>
+            <a:ext cx="4015800" cy="1896840"/>
           </a:xfrm>
           <a:prstGeom prst="rect">
             <a:avLst/>
@@ -3374,8 +3374,8 @@
         </p:nvSpPr>
         <p:spPr>
           <a:xfrm>
-            <a:off x="4728600" y="1400040"/>
-            <a:ext cx="3860640" cy="2124360"/>
+            <a:off x="4674240" y="1604520"/>
+            <a:ext cx="4015800" cy="1896840"/>
           </a:xfrm>
           <a:prstGeom prst="rect">
             <a:avLst/>
@@ -3404,8 +3404,8 @@
         </p:nvSpPr>
         <p:spPr>
           <a:xfrm>
-            <a:off x="674640" y="3726720"/>
-            <a:ext cx="7911720" cy="2124360"/>
+            <a:off x="457200" y="3682080"/>
+            <a:ext cx="8229240" cy="1896840"/>
           </a:xfrm>
           <a:prstGeom prst="rect">
             <a:avLst/>
@@ -3456,8 +3456,8 @@
         </p:nvSpPr>
         <p:spPr>
           <a:xfrm>
-            <a:off x="611280" y="259920"/>
-            <a:ext cx="7911720" cy="855360"/>
+            <a:off x="457200" y="273600"/>
+            <a:ext cx="8229240" cy="1144800"/>
           </a:xfrm>
           <a:prstGeom prst="rect">
             <a:avLst/>
@@ -3485,8 +3485,8 @@
         </p:nvSpPr>
         <p:spPr>
           <a:xfrm>
-            <a:off x="674640" y="1400040"/>
-            <a:ext cx="7911720" cy="2124360"/>
+            <a:off x="457200" y="1604520"/>
+            <a:ext cx="8229240" cy="1896840"/>
           </a:xfrm>
           <a:prstGeom prst="rect">
             <a:avLst/>
@@ -3515,8 +3515,8 @@
         </p:nvSpPr>
         <p:spPr>
           <a:xfrm>
-            <a:off x="674640" y="3726720"/>
-            <a:ext cx="7911720" cy="2124360"/>
+            <a:off x="457200" y="3682080"/>
+            <a:ext cx="8229240" cy="1896840"/>
           </a:xfrm>
           <a:prstGeom prst="rect">
             <a:avLst/>
@@ -3567,8 +3567,8 @@
         </p:nvSpPr>
         <p:spPr>
           <a:xfrm>
-            <a:off x="611280" y="259920"/>
-            <a:ext cx="7911720" cy="855360"/>
+            <a:off x="457200" y="273600"/>
+            <a:ext cx="8229240" cy="1144800"/>
           </a:xfrm>
           <a:prstGeom prst="rect">
             <a:avLst/>
@@ -3596,8 +3596,8 @@
         </p:nvSpPr>
         <p:spPr>
           <a:xfrm>
-            <a:off x="674640" y="1400040"/>
-            <a:ext cx="3860640" cy="2124360"/>
+            <a:off x="457200" y="1604520"/>
+            <a:ext cx="4015800" cy="1896840"/>
           </a:xfrm>
           <a:prstGeom prst="rect">
             <a:avLst/>
@@ -3626,8 +3626,8 @@
         </p:nvSpPr>
         <p:spPr>
           <a:xfrm>
-            <a:off x="4728600" y="1400040"/>
-            <a:ext cx="3860640" cy="2124360"/>
+            <a:off x="4674240" y="1604520"/>
+            <a:ext cx="4015800" cy="1896840"/>
           </a:xfrm>
           <a:prstGeom prst="rect">
             <a:avLst/>
@@ -3656,8 +3656,8 @@
         </p:nvSpPr>
         <p:spPr>
           <a:xfrm>
-            <a:off x="674640" y="3726720"/>
-            <a:ext cx="3860640" cy="2124360"/>
+            <a:off x="457200" y="3682080"/>
+            <a:ext cx="4015800" cy="1896840"/>
           </a:xfrm>
           <a:prstGeom prst="rect">
             <a:avLst/>
@@ -3686,8 +3686,8 @@
         </p:nvSpPr>
         <p:spPr>
           <a:xfrm>
-            <a:off x="4728600" y="3726720"/>
-            <a:ext cx="3860640" cy="2124360"/>
+            <a:off x="4674240" y="3682080"/>
+            <a:ext cx="4015800" cy="1896840"/>
           </a:xfrm>
           <a:prstGeom prst="rect">
             <a:avLst/>
@@ -3738,8 +3738,8 @@
         </p:nvSpPr>
         <p:spPr>
           <a:xfrm>
-            <a:off x="611280" y="259920"/>
-            <a:ext cx="7911720" cy="855360"/>
+            <a:off x="457200" y="273600"/>
+            <a:ext cx="8229240" cy="1144800"/>
           </a:xfrm>
           <a:prstGeom prst="rect">
             <a:avLst/>
@@ -3767,8 +3767,8 @@
         </p:nvSpPr>
         <p:spPr>
           <a:xfrm>
-            <a:off x="674640" y="1400040"/>
-            <a:ext cx="2547360" cy="2124360"/>
+            <a:off x="457200" y="1604520"/>
+            <a:ext cx="2649600" cy="1896840"/>
           </a:xfrm>
           <a:prstGeom prst="rect">
             <a:avLst/>
@@ -3797,8 +3797,8 @@
         </p:nvSpPr>
         <p:spPr>
           <a:xfrm>
-            <a:off x="3349800" y="1400040"/>
-            <a:ext cx="2547360" cy="2124360"/>
+            <a:off x="3239640" y="1604520"/>
+            <a:ext cx="2649600" cy="1896840"/>
           </a:xfrm>
           <a:prstGeom prst="rect">
             <a:avLst/>
@@ -3827,8 +3827,8 @@
         </p:nvSpPr>
         <p:spPr>
           <a:xfrm>
-            <a:off x="6024960" y="1400040"/>
-            <a:ext cx="2547360" cy="2124360"/>
+            <a:off x="6022080" y="1604520"/>
+            <a:ext cx="2649600" cy="1896840"/>
           </a:xfrm>
           <a:prstGeom prst="rect">
             <a:avLst/>
@@ -3857,8 +3857,8 @@
         </p:nvSpPr>
         <p:spPr>
           <a:xfrm>
-            <a:off x="674640" y="3726720"/>
-            <a:ext cx="2547360" cy="2124360"/>
+            <a:off x="457200" y="3682080"/>
+            <a:ext cx="2649600" cy="1896840"/>
           </a:xfrm>
           <a:prstGeom prst="rect">
             <a:avLst/>
@@ -3887,8 +3887,8 @@
         </p:nvSpPr>
         <p:spPr>
           <a:xfrm>
-            <a:off x="3349800" y="3726720"/>
-            <a:ext cx="2547360" cy="2124360"/>
+            <a:off x="3239640" y="3682080"/>
+            <a:ext cx="2649600" cy="1896840"/>
           </a:xfrm>
           <a:prstGeom prst="rect">
             <a:avLst/>
@@ -3917,8 +3917,8 @@
         </p:nvSpPr>
         <p:spPr>
           <a:xfrm>
-            <a:off x="6024960" y="3726720"/>
-            <a:ext cx="2547360" cy="2124360"/>
+            <a:off x="6022080" y="3682080"/>
+            <a:ext cx="2649600" cy="1896840"/>
           </a:xfrm>
           <a:prstGeom prst="rect">
             <a:avLst/>
@@ -3969,8 +3969,8 @@
         </p:nvSpPr>
         <p:spPr>
           <a:xfrm>
-            <a:off x="611280" y="259920"/>
-            <a:ext cx="7911720" cy="855360"/>
+            <a:off x="457200" y="273600"/>
+            <a:ext cx="8229240" cy="1144800"/>
           </a:xfrm>
           <a:prstGeom prst="rect">
             <a:avLst/>
@@ -3998,8 +3998,8 @@
         </p:nvSpPr>
         <p:spPr>
           <a:xfrm>
-            <a:off x="674640" y="1400040"/>
-            <a:ext cx="7911720" cy="4454280"/>
+            <a:off x="457200" y="1604520"/>
+            <a:ext cx="8229240" cy="3977280"/>
           </a:xfrm>
           <a:prstGeom prst="rect">
             <a:avLst/>
@@ -4050,8 +4050,8 @@
         </p:nvSpPr>
         <p:spPr>
           <a:xfrm>
-            <a:off x="611280" y="259920"/>
-            <a:ext cx="7911720" cy="855360"/>
+            <a:off x="457200" y="273600"/>
+            <a:ext cx="8229240" cy="1144800"/>
           </a:xfrm>
           <a:prstGeom prst="rect">
             <a:avLst/>
@@ -4079,8 +4079,8 @@
         </p:nvSpPr>
         <p:spPr>
           <a:xfrm>
-            <a:off x="674640" y="1400040"/>
-            <a:ext cx="3860640" cy="4454280"/>
+            <a:off x="457200" y="1604520"/>
+            <a:ext cx="4015800" cy="3977280"/>
           </a:xfrm>
           <a:prstGeom prst="rect">
             <a:avLst/>
@@ -4109,8 +4109,8 @@
         </p:nvSpPr>
         <p:spPr>
           <a:xfrm>
-            <a:off x="4728600" y="1400040"/>
-            <a:ext cx="3860640" cy="4454280"/>
+            <a:off x="4674240" y="1604520"/>
+            <a:ext cx="4015800" cy="3977280"/>
           </a:xfrm>
           <a:prstGeom prst="rect">
             <a:avLst/>
@@ -4161,8 +4161,8 @@
         </p:nvSpPr>
         <p:spPr>
           <a:xfrm>
-            <a:off x="611280" y="259920"/>
-            <a:ext cx="7911720" cy="855360"/>
+            <a:off x="457200" y="273600"/>
+            <a:ext cx="8229240" cy="1144800"/>
           </a:xfrm>
           <a:prstGeom prst="rect">
             <a:avLst/>
@@ -4212,8 +4212,8 @@
         </p:nvSpPr>
         <p:spPr>
           <a:xfrm>
-            <a:off x="611280" y="259920"/>
-            <a:ext cx="7911720" cy="3966120"/>
+            <a:off x="457200" y="273600"/>
+            <a:ext cx="8229240" cy="5307840"/>
           </a:xfrm>
           <a:prstGeom prst="rect">
             <a:avLst/>
@@ -4263,8 +4263,8 @@
         </p:nvSpPr>
         <p:spPr>
           <a:xfrm>
-            <a:off x="611280" y="259920"/>
-            <a:ext cx="7911720" cy="855360"/>
+            <a:off x="457200" y="273600"/>
+            <a:ext cx="8229240" cy="1144800"/>
           </a:xfrm>
           <a:prstGeom prst="rect">
             <a:avLst/>
@@ -4292,8 +4292,8 @@
         </p:nvSpPr>
         <p:spPr>
           <a:xfrm>
-            <a:off x="674640" y="1400040"/>
-            <a:ext cx="3860640" cy="2124360"/>
+            <a:off x="457200" y="1604520"/>
+            <a:ext cx="4015800" cy="1896840"/>
           </a:xfrm>
           <a:prstGeom prst="rect">
             <a:avLst/>
@@ -4322,8 +4322,8 @@
         </p:nvSpPr>
         <p:spPr>
           <a:xfrm>
-            <a:off x="4728600" y="1400040"/>
-            <a:ext cx="3860640" cy="4454280"/>
+            <a:off x="4674240" y="1604520"/>
+            <a:ext cx="4015800" cy="3977280"/>
           </a:xfrm>
           <a:prstGeom prst="rect">
             <a:avLst/>
@@ -4352,8 +4352,8 @@
         </p:nvSpPr>
         <p:spPr>
           <a:xfrm>
-            <a:off x="674640" y="3726720"/>
-            <a:ext cx="3860640" cy="2124360"/>
+            <a:off x="457200" y="3682080"/>
+            <a:ext cx="4015800" cy="1896840"/>
           </a:xfrm>
           <a:prstGeom prst="rect">
             <a:avLst/>
@@ -4404,8 +4404,8 @@
         </p:nvSpPr>
         <p:spPr>
           <a:xfrm>
-            <a:off x="611280" y="259920"/>
-            <a:ext cx="7911720" cy="855360"/>
+            <a:off x="457200" y="273600"/>
+            <a:ext cx="8229240" cy="1144800"/>
           </a:xfrm>
           <a:prstGeom prst="rect">
             <a:avLst/>
@@ -4433,8 +4433,8 @@
         </p:nvSpPr>
         <p:spPr>
           <a:xfrm>
-            <a:off x="674640" y="1400040"/>
-            <a:ext cx="3860640" cy="4454280"/>
+            <a:off x="457200" y="1604520"/>
+            <a:ext cx="4015800" cy="3977280"/>
           </a:xfrm>
           <a:prstGeom prst="rect">
             <a:avLst/>
@@ -4463,8 +4463,8 @@
         </p:nvSpPr>
         <p:spPr>
           <a:xfrm>
-            <a:off x="4728600" y="1400040"/>
-            <a:ext cx="3860640" cy="2124360"/>
+            <a:off x="4674240" y="1604520"/>
+            <a:ext cx="4015800" cy="1896840"/>
           </a:xfrm>
           <a:prstGeom prst="rect">
             <a:avLst/>
@@ -4493,8 +4493,8 @@
         </p:nvSpPr>
         <p:spPr>
           <a:xfrm>
-            <a:off x="4728600" y="3726720"/>
-            <a:ext cx="3860640" cy="2124360"/>
+            <a:off x="4674240" y="3682080"/>
+            <a:ext cx="4015800" cy="1896840"/>
           </a:xfrm>
           <a:prstGeom prst="rect">
             <a:avLst/>
@@ -4545,8 +4545,8 @@
         </p:nvSpPr>
         <p:spPr>
           <a:xfrm>
-            <a:off x="611280" y="259920"/>
-            <a:ext cx="7911720" cy="855360"/>
+            <a:off x="457200" y="273600"/>
+            <a:ext cx="8229240" cy="1144800"/>
           </a:xfrm>
           <a:prstGeom prst="rect">
             <a:avLst/>
@@ -4574,8 +4574,8 @@
         </p:nvSpPr>
         <p:spPr>
           <a:xfrm>
-            <a:off x="674640" y="1400040"/>
-            <a:ext cx="3860640" cy="2124360"/>
+            <a:off x="457200" y="1604520"/>
+            <a:ext cx="4015800" cy="1896840"/>
           </a:xfrm>
           <a:prstGeom prst="rect">
             <a:avLst/>
@@ -4604,8 +4604,8 @@
         </p:nvSpPr>
         <p:spPr>
           <a:xfrm>
-            <a:off x="4728600" y="1400040"/>
-            <a:ext cx="3860640" cy="2124360"/>
+            <a:off x="4674240" y="1604520"/>
+            <a:ext cx="4015800" cy="1896840"/>
           </a:xfrm>
           <a:prstGeom prst="rect">
             <a:avLst/>
@@ -4634,8 +4634,8 @@
         </p:nvSpPr>
         <p:spPr>
           <a:xfrm>
-            <a:off x="674640" y="3726720"/>
-            <a:ext cx="7911720" cy="2124360"/>
+            <a:off x="457200" y="3682080"/>
+            <a:ext cx="8229240" cy="1896840"/>
           </a:xfrm>
           <a:prstGeom prst="rect">
             <a:avLst/>
@@ -4690,9 +4690,9 @@
         <p:grpSpPr>
           <a:xfrm>
             <a:off x="0" y="2438280"/>
-            <a:ext cx="8999280" cy="1042920"/>
+            <a:ext cx="8998560" cy="1042200"/>
             <a:chOff x="0" y="2438280"/>
-            <a:chExt cx="8999280" cy="1042920"/>
+            <a:chExt cx="8998560" cy="1042200"/>
           </a:xfrm>
         </p:grpSpPr>
         <p:grpSp>
@@ -4704,9 +4704,9 @@
           <p:grpSpPr>
             <a:xfrm>
               <a:off x="290520" y="2546280"/>
-              <a:ext cx="701280" cy="464760"/>
+              <a:ext cx="700560" cy="464040"/>
               <a:chOff x="290520" y="2546280"/>
-              <a:chExt cx="701280" cy="464760"/>
+              <a:chExt cx="700560" cy="464040"/>
             </a:xfrm>
           </p:grpSpPr>
           <p:sp>
@@ -4718,7 +4718,7 @@
             <p:spPr>
               <a:xfrm>
                 <a:off x="290520" y="2546280"/>
-                <a:ext cx="428400" cy="464760"/>
+                <a:ext cx="427680" cy="464040"/>
               </a:xfrm>
               <a:prstGeom prst="rect">
                 <a:avLst/>
@@ -4746,7 +4746,7 @@
             <p:spPr>
               <a:xfrm>
                 <a:off x="673200" y="2546280"/>
-                <a:ext cx="318600" cy="464760"/>
+                <a:ext cx="317880" cy="464040"/>
               </a:xfrm>
               <a:prstGeom prst="rect">
                 <a:avLst/>
@@ -4783,9 +4783,9 @@
           <p:grpSpPr>
             <a:xfrm>
               <a:off x="414360" y="2968560"/>
-              <a:ext cx="727920" cy="464760"/>
+              <a:ext cx="727200" cy="464040"/>
               <a:chOff x="414360" y="2968560"/>
-              <a:chExt cx="727920" cy="464760"/>
+              <a:chExt cx="727200" cy="464040"/>
             </a:xfrm>
           </p:grpSpPr>
           <p:sp>
@@ -4797,7 +4797,7 @@
             <p:spPr>
               <a:xfrm>
                 <a:off x="414360" y="2968560"/>
-                <a:ext cx="421200" cy="464760"/>
+                <a:ext cx="420480" cy="464040"/>
               </a:xfrm>
               <a:prstGeom prst="rect">
                 <a:avLst/>
@@ -4825,7 +4825,7 @@
             <p:spPr>
               <a:xfrm>
                 <a:off x="783360" y="2968560"/>
-                <a:ext cx="358920" cy="464760"/>
+                <a:ext cx="358200" cy="464040"/>
               </a:xfrm>
               <a:prstGeom prst="rect">
                 <a:avLst/>
@@ -4862,7 +4862,7 @@
           <p:spPr>
             <a:xfrm>
               <a:off x="0" y="2895480"/>
-              <a:ext cx="550440" cy="412560"/>
+              <a:ext cx="549720" cy="411840"/>
             </a:xfrm>
             <a:prstGeom prst="rect">
               <a:avLst/>
@@ -4898,7 +4898,7 @@
           <p:spPr>
             <a:xfrm>
               <a:off x="635040" y="2438280"/>
-              <a:ext cx="21960" cy="1042920"/>
+              <a:ext cx="21240" cy="1042200"/>
             </a:xfrm>
             <a:prstGeom prst="rect">
               <a:avLst/>
@@ -4925,8 +4925,8 @@
           </p:nvSpPr>
           <p:spPr>
             <a:xfrm flipV="1">
-              <a:off x="316080" y="3169080"/>
-              <a:ext cx="8683200" cy="45360"/>
+              <a:off x="316080" y="3078720"/>
+              <a:ext cx="8682480" cy="44640"/>
             </a:xfrm>
             <a:prstGeom prst="rect">
               <a:avLst/>
@@ -4966,23 +4966,36 @@
         </p:nvSpPr>
         <p:spPr>
           <a:xfrm>
-            <a:off x="611280" y="259920"/>
-            <a:ext cx="7911720" cy="855360"/>
+            <a:off x="457200" y="273600"/>
+            <a:ext cx="8229240" cy="1144800"/>
           </a:xfrm>
           <a:prstGeom prst="rect">
             <a:avLst/>
           </a:prstGeom>
         </p:spPr>
         <p:txBody>
-          <a:bodyPr lIns="90000" rIns="90000" tIns="46800" bIns="46800" anchor="ctr"/>
-          <a:p>
-            <a:r>
-              <a:rPr b="0" lang="en-US" sz="1800" spc="-1" strike="noStrike">
-                <a:latin typeface="Arial"/>
-              </a:rPr>
-              <a:t>Click to edit the title text format</a:t>
-            </a:r>
-            <a:endParaRPr b="0" lang="en-US" sz="1800" spc="-1" strike="noStrike">
+          <a:bodyPr lIns="0" rIns="0" tIns="0" bIns="0" anchor="ctr"/>
+          <a:p>
+            <a:pPr algn="ctr"/>
+            <a:r>
+              <a:rPr b="0" lang="en-US" sz="4400" spc="-1" strike="noStrike">
+                <a:latin typeface="Arial"/>
+              </a:rPr>
+              <a:t>Click to edit </a:t>
+            </a:r>
+            <a:r>
+              <a:rPr b="0" lang="en-US" sz="4400" spc="-1" strike="noStrike">
+                <a:latin typeface="Arial"/>
+              </a:rPr>
+              <a:t>the title text </a:t>
+            </a:r>
+            <a:r>
+              <a:rPr b="0" lang="en-US" sz="4400" spc="-1" strike="noStrike">
+                <a:latin typeface="Arial"/>
+              </a:rPr>
+              <a:t>format</a:t>
+            </a:r>
+            <a:endParaRPr b="0" lang="en-US" sz="4400" spc="-1" strike="noStrike">
               <a:latin typeface="Arial"/>
             </a:endParaRPr>
           </a:p>
@@ -5220,9 +5233,9 @@
         <p:grpSpPr>
           <a:xfrm>
             <a:off x="189000" y="368280"/>
-            <a:ext cx="8216280" cy="1042560"/>
+            <a:ext cx="8215560" cy="1041840"/>
             <a:chOff x="189000" y="368280"/>
-            <a:chExt cx="8216280" cy="1042560"/>
+            <a:chExt cx="8215560" cy="1041840"/>
           </a:xfrm>
         </p:grpSpPr>
         <p:sp>
@@ -5234,7 +5247,7 @@
           <p:spPr>
             <a:xfrm>
               <a:off x="507960" y="368280"/>
-              <a:ext cx="21960" cy="1042560"/>
+              <a:ext cx="21240" cy="1041840"/>
             </a:xfrm>
             <a:prstGeom prst="rect">
               <a:avLst/>
@@ -5262,7 +5275,7 @@
           <p:spPr>
             <a:xfrm>
               <a:off x="189000" y="1158840"/>
-              <a:ext cx="8216280" cy="21960"/>
+              <a:ext cx="8215560" cy="21240"/>
             </a:xfrm>
             <a:prstGeom prst="rect">
               <a:avLst/>
@@ -5302,23 +5315,24 @@
         </p:nvSpPr>
         <p:spPr>
           <a:xfrm>
-            <a:off x="611280" y="259920"/>
-            <a:ext cx="7911720" cy="855360"/>
+            <a:off x="457200" y="273600"/>
+            <a:ext cx="8229240" cy="1144800"/>
           </a:xfrm>
           <a:prstGeom prst="rect">
             <a:avLst/>
           </a:prstGeom>
         </p:spPr>
         <p:txBody>
-          <a:bodyPr lIns="90000" rIns="90000" tIns="46800" bIns="46800" anchor="ctr"/>
-          <a:p>
-            <a:r>
-              <a:rPr b="0" lang="en-US" sz="1800" spc="-1" strike="noStrike">
+          <a:bodyPr lIns="0" rIns="0" tIns="0" bIns="0" anchor="ctr"/>
+          <a:p>
+            <a:pPr algn="ctr"/>
+            <a:r>
+              <a:rPr b="0" lang="en-US" sz="4400" spc="-1" strike="noStrike">
                 <a:latin typeface="Arial"/>
               </a:rPr>
               <a:t>Click to edit the title text format</a:t>
             </a:r>
-            <a:endParaRPr b="0" lang="en-US" sz="1800" spc="-1" strike="noStrike">
+            <a:endParaRPr b="0" lang="en-US" sz="4400" spc="-1" strike="noStrike">
               <a:latin typeface="Arial"/>
             </a:endParaRPr>
           </a:p>
@@ -5336,15 +5350,15 @@
         </p:nvSpPr>
         <p:spPr>
           <a:xfrm>
-            <a:off x="674640" y="1400040"/>
-            <a:ext cx="7911720" cy="4454280"/>
+            <a:off x="457200" y="1604520"/>
+            <a:ext cx="8229240" cy="3977280"/>
           </a:xfrm>
           <a:prstGeom prst="rect">
             <a:avLst/>
           </a:prstGeom>
         </p:spPr>
         <p:txBody>
-          <a:bodyPr lIns="90000" rIns="90000" tIns="46800" bIns="46800">
+          <a:bodyPr lIns="0" rIns="0" tIns="0" bIns="0">
             <a:normAutofit/>
           </a:bodyPr>
           <a:p>
@@ -5360,12 +5374,12 @@
               <a:buChar char=""/>
             </a:pPr>
             <a:r>
-              <a:rPr b="0" lang="en-US" sz="1800" spc="-1" strike="noStrike">
+              <a:rPr b="0" lang="en-US" sz="3200" spc="-1" strike="noStrike">
                 <a:latin typeface="Arial"/>
               </a:rPr>
               <a:t>Click to edit the outline text format</a:t>
             </a:r>
-            <a:endParaRPr b="0" lang="en-US" sz="1800" spc="-1" strike="noStrike">
+            <a:endParaRPr b="0" lang="en-US" sz="3200" spc="-1" strike="noStrike">
               <a:latin typeface="Arial"/>
             </a:endParaRPr>
           </a:p>
@@ -5382,12 +5396,12 @@
               <a:buChar char=""/>
             </a:pPr>
             <a:r>
-              <a:rPr b="0" lang="en-US" sz="1800" spc="-1" strike="noStrike">
+              <a:rPr b="0" lang="en-US" sz="2800" spc="-1" strike="noStrike">
                 <a:latin typeface="Arial"/>
               </a:rPr>
               <a:t>Second Outline Level</a:t>
             </a:r>
-            <a:endParaRPr b="0" lang="en-US" sz="1800" spc="-1" strike="noStrike">
+            <a:endParaRPr b="0" lang="en-US" sz="2800" spc="-1" strike="noStrike">
               <a:latin typeface="Arial"/>
             </a:endParaRPr>
           </a:p>
@@ -5404,12 +5418,12 @@
               <a:buChar char=""/>
             </a:pPr>
             <a:r>
-              <a:rPr b="0" lang="en-US" sz="1800" spc="-1" strike="noStrike">
+              <a:rPr b="0" lang="en-US" sz="2400" spc="-1" strike="noStrike">
                 <a:latin typeface="Arial"/>
               </a:rPr>
               <a:t>Third Outline Level</a:t>
             </a:r>
-            <a:endParaRPr b="0" lang="en-US" sz="1800" spc="-1" strike="noStrike">
+            <a:endParaRPr b="0" lang="en-US" sz="2400" spc="-1" strike="noStrike">
               <a:latin typeface="Arial"/>
             </a:endParaRPr>
           </a:p>
@@ -5426,12 +5440,12 @@
               <a:buChar char=""/>
             </a:pPr>
             <a:r>
-              <a:rPr b="0" lang="en-US" sz="1800" spc="-1" strike="noStrike">
+              <a:rPr b="0" lang="en-US" sz="2000" spc="-1" strike="noStrike">
                 <a:latin typeface="Arial"/>
               </a:rPr>
               <a:t>Fourth Outline Level</a:t>
             </a:r>
-            <a:endParaRPr b="0" lang="en-US" sz="1800" spc="-1" strike="noStrike">
+            <a:endParaRPr b="0" lang="en-US" sz="2000" spc="-1" strike="noStrike">
               <a:latin typeface="Arial"/>
             </a:endParaRPr>
           </a:p>
@@ -5448,12 +5462,12 @@
               <a:buChar char=""/>
             </a:pPr>
             <a:r>
-              <a:rPr b="0" lang="en-US" sz="1800" spc="-1" strike="noStrike">
+              <a:rPr b="0" lang="en-US" sz="2000" spc="-1" strike="noStrike">
                 <a:latin typeface="Arial"/>
               </a:rPr>
               <a:t>Fifth Outline Level</a:t>
             </a:r>
-            <a:endParaRPr b="0" lang="en-US" sz="1800" spc="-1" strike="noStrike">
+            <a:endParaRPr b="0" lang="en-US" sz="2000" spc="-1" strike="noStrike">
               <a:latin typeface="Arial"/>
             </a:endParaRPr>
           </a:p>
@@ -5470,12 +5484,12 @@
               <a:buChar char=""/>
             </a:pPr>
             <a:r>
-              <a:rPr b="0" lang="en-US" sz="1800" spc="-1" strike="noStrike">
+              <a:rPr b="0" lang="en-US" sz="2000" spc="-1" strike="noStrike">
                 <a:latin typeface="Arial"/>
               </a:rPr>
               <a:t>Sixth Outline Level</a:t>
             </a:r>
-            <a:endParaRPr b="0" lang="en-US" sz="1800" spc="-1" strike="noStrike">
+            <a:endParaRPr b="0" lang="en-US" sz="2000" spc="-1" strike="noStrike">
               <a:latin typeface="Arial"/>
             </a:endParaRPr>
           </a:p>
@@ -5492,12 +5506,12 @@
               <a:buChar char=""/>
             </a:pPr>
             <a:r>
-              <a:rPr b="0" lang="en-US" sz="1800" spc="-1" strike="noStrike">
+              <a:rPr b="0" lang="en-US" sz="2000" spc="-1" strike="noStrike">
                 <a:latin typeface="Arial"/>
               </a:rPr>
               <a:t>Seventh Outline Level</a:t>
             </a:r>
-            <a:endParaRPr b="0" lang="en-US" sz="1800" spc="-1" strike="noStrike">
+            <a:endParaRPr b="0" lang="en-US" sz="2000" spc="-1" strike="noStrike">
               <a:latin typeface="Arial"/>
             </a:endParaRPr>
           </a:p>
@@ -5556,7 +5570,7 @@
         <p:spPr>
           <a:xfrm>
             <a:off x="990720" y="1676160"/>
-            <a:ext cx="7446600" cy="1461600"/>
+            <a:ext cx="7445880" cy="1460880"/>
           </a:xfrm>
           <a:prstGeom prst="rect">
             <a:avLst/>
@@ -5586,6 +5600,7 @@
                   <a:srgbClr val="333399"/>
                 </a:solidFill>
                 <a:latin typeface="Arial"/>
+                <a:ea typeface="DejaVu Sans"/>
               </a:rPr>
               <a:t>Recursion</a:t>
             </a:r>
@@ -5604,7 +5619,7 @@
         <p:spPr>
           <a:xfrm>
             <a:off x="1371600" y="3886200"/>
-            <a:ext cx="6400440" cy="1752120"/>
+            <a:ext cx="6399720" cy="1751400"/>
           </a:xfrm>
           <a:prstGeom prst="rect">
             <a:avLst/>
@@ -5637,6 +5652,7 @@
                   <a:srgbClr val="000000"/>
                 </a:solidFill>
                 <a:latin typeface="Arial"/>
+                <a:ea typeface="DejaVu Sans"/>
               </a:rPr>
               <a:t>James Brucker</a:t>
             </a:r>
@@ -5704,14 +5720,14 @@
       </p:grpSpPr>
       <p:sp>
         <p:nvSpPr>
-          <p:cNvPr id="161" name="CustomShape 1"/>
+          <p:cNvPr id="153" name="CustomShape 1"/>
           <p:cNvSpPr/>
           <p:nvPr/>
         </p:nvSpPr>
         <p:spPr>
           <a:xfrm>
             <a:off x="611280" y="259920"/>
-            <a:ext cx="7921080" cy="864720"/>
+            <a:ext cx="7920360" cy="864000"/>
           </a:xfrm>
           <a:prstGeom prst="rect">
             <a:avLst/>
@@ -5741,6 +5757,7 @@
                   <a:srgbClr val="333399"/>
                 </a:solidFill>
                 <a:latin typeface="Arial"/>
+                <a:ea typeface="DejaVu Sans"/>
               </a:rPr>
               <a:t>Designing Recursion</a:t>
             </a:r>
@@ -5752,14 +5769,14 @@
       </p:sp>
       <p:sp>
         <p:nvSpPr>
-          <p:cNvPr id="162" name="CustomShape 2"/>
+          <p:cNvPr id="154" name="CustomShape 2"/>
           <p:cNvSpPr/>
           <p:nvPr/>
         </p:nvSpPr>
         <p:spPr>
           <a:xfrm>
             <a:off x="674280" y="1400040"/>
-            <a:ext cx="7921440" cy="4817880"/>
+            <a:ext cx="7920720" cy="4817160"/>
           </a:xfrm>
           <a:prstGeom prst="rect">
             <a:avLst/>
@@ -5780,7 +5797,7 @@
             <a:normAutofit/>
           </a:bodyPr>
           <a:p>
-            <a:pPr marL="333360" indent="-333000">
+            <a:pPr marL="333360" indent="-332280">
               <a:lnSpc>
                 <a:spcPct val="100000"/>
               </a:lnSpc>
@@ -5799,6 +5816,7 @@
                   <a:srgbClr val="000000"/>
                 </a:solidFill>
                 <a:latin typeface="Arial"/>
+                <a:ea typeface="DejaVu Sans"/>
               </a:rPr>
               <a:t>Discover a </a:t>
             </a:r>
@@ -5808,6 +5826,7 @@
                   <a:srgbClr val="000080"/>
                 </a:solidFill>
                 <a:latin typeface="Arial"/>
+                <a:ea typeface="DejaVu Sans"/>
               </a:rPr>
               <a:t>pattern</a:t>
             </a:r>
@@ -5817,6 +5836,7 @@
                   <a:srgbClr val="000000"/>
                 </a:solidFill>
                 <a:latin typeface="Arial"/>
+                <a:ea typeface="DejaVu Sans"/>
               </a:rPr>
               <a:t> for recursion:</a:t>
             </a:r>
@@ -5825,7 +5845,7 @@
             </a:endParaRPr>
           </a:p>
           <a:p>
-            <a:pPr lvl="1" marL="733320" indent="-275760">
+            <a:pPr lvl="1" marL="733320" indent="-275040">
               <a:lnSpc>
                 <a:spcPct val="100000"/>
               </a:lnSpc>
@@ -5845,6 +5865,7 @@
                   <a:srgbClr val="000000"/>
                 </a:solidFill>
                 <a:latin typeface="Arial"/>
+                <a:ea typeface="DejaVu Sans"/>
               </a:rPr>
               <a:t>solve a small problem by hand</a:t>
             </a:r>
@@ -5853,7 +5874,7 @@
             </a:endParaRPr>
           </a:p>
           <a:p>
-            <a:pPr lvl="1" marL="733320" indent="-275760">
+            <a:pPr lvl="1" marL="733320" indent="-275040">
               <a:lnSpc>
                 <a:spcPct val="100000"/>
               </a:lnSpc>
@@ -5873,6 +5894,7 @@
                   <a:srgbClr val="000000"/>
                 </a:solidFill>
                 <a:latin typeface="Arial"/>
+                <a:ea typeface="DejaVu Sans"/>
               </a:rPr>
               <a:t>observe how you break down the problem</a:t>
             </a:r>
@@ -5881,7 +5903,7 @@
             </a:endParaRPr>
           </a:p>
           <a:p>
-            <a:pPr marL="333360" indent="-333000">
+            <a:pPr marL="333360" indent="-332280">
               <a:lnSpc>
                 <a:spcPct val="100000"/>
               </a:lnSpc>
@@ -5900,6 +5922,7 @@
                   <a:srgbClr val="000000"/>
                 </a:solidFill>
                 <a:latin typeface="Arial"/>
+                <a:ea typeface="DejaVu Sans"/>
               </a:rPr>
               <a:t>Determine the </a:t>
             </a:r>
@@ -5909,8 +5932,9 @@
                   <a:srgbClr val="000080"/>
                 </a:solidFill>
                 <a:latin typeface="Arial"/>
-              </a:rPr>
-              <a:t>base case</a:t>
+                <a:ea typeface="DejaVu Sans"/>
+              </a:rPr>
+              <a:t>base case(s)</a:t>
             </a:r>
             <a:r>
               <a:rPr b="0" lang="en-US" sz="2400" spc="-1" strike="noStrike">
@@ -5918,6 +5942,7 @@
                   <a:srgbClr val="000000"/>
                 </a:solidFill>
                 <a:latin typeface="Arial"/>
+                <a:ea typeface="DejaVu Sans"/>
               </a:rPr>
               <a:t> when recursion stops.</a:t>
             </a:r>
@@ -5926,7 +5951,7 @@
             </a:endParaRPr>
           </a:p>
           <a:p>
-            <a:pPr marL="333360" indent="-333000">
+            <a:pPr marL="333360" indent="-332280">
               <a:lnSpc>
                 <a:spcPct val="100000"/>
               </a:lnSpc>
@@ -5945,6 +5970,7 @@
                   <a:srgbClr val="000000"/>
                 </a:solidFill>
                 <a:latin typeface="Arial"/>
+                <a:ea typeface="DejaVu Sans"/>
               </a:rPr>
               <a:t>Termination criteria: what can you </a:t>
             </a:r>
@@ -5954,6 +5980,7 @@
                   <a:srgbClr val="000080"/>
                 </a:solidFill>
                 <a:latin typeface="Arial"/>
+                <a:ea typeface="DejaVu Sans"/>
               </a:rPr>
               <a:t>test</a:t>
             </a:r>
@@ -5963,6 +5990,7 @@
                   <a:srgbClr val="000000"/>
                 </a:solidFill>
                 <a:latin typeface="Arial"/>
+                <a:ea typeface="DejaVu Sans"/>
               </a:rPr>
               <a:t> to </a:t>
             </a:r>
@@ -5972,6 +6000,7 @@
                   <a:srgbClr val="000080"/>
                 </a:solidFill>
                 <a:latin typeface="Arial"/>
+                <a:ea typeface="DejaVu Sans"/>
               </a:rPr>
               <a:t>guarantee</a:t>
             </a:r>
@@ -5981,6 +6010,7 @@
                   <a:srgbClr val="000000"/>
                 </a:solidFill>
                 <a:latin typeface="Arial"/>
+                <a:ea typeface="DejaVu Sans"/>
               </a:rPr>
               <a:t> recursion will stop?</a:t>
             </a:r>
@@ -5989,7 +6019,7 @@
             </a:endParaRPr>
           </a:p>
           <a:p>
-            <a:pPr marL="333360" indent="-333000">
+            <a:pPr marL="333360" indent="-332280">
               <a:lnSpc>
                 <a:spcPct val="100000"/>
               </a:lnSpc>
@@ -6008,6 +6038,7 @@
                   <a:srgbClr val="000000"/>
                 </a:solidFill>
                 <a:latin typeface="Arial"/>
+                <a:ea typeface="DejaVu Sans"/>
               </a:rPr>
               <a:t>Construct an expression for the recursive step.</a:t>
             </a:r>
@@ -6029,7 +6060,7 @@
             </a:endParaRPr>
           </a:p>
           <a:p>
-            <a:pPr marL="212400" indent="-212040">
+            <a:pPr marL="212400" indent="-211320">
               <a:lnSpc>
                 <a:spcPct val="100000"/>
               </a:lnSpc>
@@ -6039,7 +6070,11 @@
             </a:pPr>
             <a:r>
               <a:rPr b="0" lang="en-US" sz="2400" spc="-1" strike="noStrike">
-                <a:latin typeface="Arial"/>
+                <a:solidFill>
+                  <a:srgbClr val="000000"/>
+                </a:solidFill>
+                <a:latin typeface="Arial"/>
+                <a:ea typeface="DejaVu Sans"/>
               </a:rPr>
               <a:t> </a:t>
             </a:r>
@@ -6107,14 +6142,14 @@
       </p:grpSpPr>
       <p:sp>
         <p:nvSpPr>
-          <p:cNvPr id="163" name="CustomShape 1"/>
+          <p:cNvPr id="155" name="CustomShape 1"/>
           <p:cNvSpPr/>
           <p:nvPr/>
         </p:nvSpPr>
         <p:spPr>
           <a:xfrm>
             <a:off x="611280" y="259920"/>
-            <a:ext cx="7921080" cy="864720"/>
+            <a:ext cx="7920360" cy="864000"/>
           </a:xfrm>
           <a:prstGeom prst="rect">
             <a:avLst/>
@@ -6144,6 +6179,7 @@
                   <a:srgbClr val="333399"/>
                 </a:solidFill>
                 <a:latin typeface="Arial"/>
+                <a:ea typeface="DejaVu Sans"/>
               </a:rPr>
               <a:t>Designing Recursion Example</a:t>
             </a:r>
@@ -6155,14 +6191,14 @@
       </p:sp>
       <p:sp>
         <p:nvSpPr>
-          <p:cNvPr id="164" name="CustomShape 2"/>
+          <p:cNvPr id="156" name="CustomShape 2"/>
           <p:cNvSpPr/>
           <p:nvPr/>
         </p:nvSpPr>
         <p:spPr>
           <a:xfrm>
             <a:off x="503280" y="1399680"/>
-            <a:ext cx="8091000" cy="5079600"/>
+            <a:ext cx="8090280" cy="5078880"/>
           </a:xfrm>
           <a:prstGeom prst="rect">
             <a:avLst/>
@@ -6197,6 +6233,7 @@
                   <a:srgbClr val="000000"/>
                 </a:solidFill>
                 <a:latin typeface="Courier New"/>
+                <a:ea typeface="DejaVu Sans"/>
               </a:rPr>
               <a:t>sum(n) = 1 + 2 + 3 + ... + n</a:t>
             </a:r>
@@ -6205,7 +6242,7 @@
             </a:endParaRPr>
           </a:p>
           <a:p>
-            <a:pPr marL="333360" indent="-333000">
+            <a:pPr marL="333360" indent="-332280">
               <a:lnSpc>
                 <a:spcPct val="100000"/>
               </a:lnSpc>
@@ -6224,6 +6261,7 @@
                   <a:srgbClr val="000000"/>
                 </a:solidFill>
                 <a:latin typeface="Arial"/>
+                <a:ea typeface="DejaVu Sans"/>
               </a:rPr>
               <a:t>Discover a </a:t>
             </a:r>
@@ -6233,6 +6271,7 @@
                   <a:srgbClr val="000080"/>
                 </a:solidFill>
                 <a:latin typeface="Arial"/>
+                <a:ea typeface="DejaVu Sans"/>
               </a:rPr>
               <a:t>pattern</a:t>
             </a:r>
@@ -6242,6 +6281,7 @@
                   <a:srgbClr val="000000"/>
                 </a:solidFill>
                 <a:latin typeface="Arial"/>
+                <a:ea typeface="DejaVu Sans"/>
               </a:rPr>
               <a:t> for recursion:</a:t>
             </a:r>
@@ -6250,7 +6290,7 @@
             </a:endParaRPr>
           </a:p>
           <a:p>
-            <a:pPr lvl="1" marL="733320" indent="-275760">
+            <a:pPr lvl="1" marL="733320" indent="-275040">
               <a:lnSpc>
                 <a:spcPct val="100000"/>
               </a:lnSpc>
@@ -6270,6 +6310,7 @@
                   <a:srgbClr val="000080"/>
                 </a:solidFill>
                 <a:latin typeface="Arial"/>
+                <a:ea typeface="DejaVu Sans"/>
               </a:rPr>
               <a:t>sum(n)</a:t>
             </a:r>
@@ -6279,6 +6320,7 @@
                   <a:srgbClr val="000000"/>
                 </a:solidFill>
                 <a:latin typeface="Arial"/>
+                <a:ea typeface="DejaVu Sans"/>
               </a:rPr>
               <a:t> = (1 + 2 + ...+ n-1) + n = </a:t>
             </a:r>
@@ -6288,6 +6330,7 @@
                   <a:srgbClr val="000080"/>
                 </a:solidFill>
                 <a:latin typeface="Arial"/>
+                <a:ea typeface="DejaVu Sans"/>
               </a:rPr>
               <a:t>sum(n-1)</a:t>
             </a:r>
@@ -6297,6 +6340,7 @@
                   <a:srgbClr val="000000"/>
                 </a:solidFill>
                 <a:latin typeface="Arial"/>
+                <a:ea typeface="DejaVu Sans"/>
               </a:rPr>
               <a:t> + n</a:t>
             </a:r>
@@ -6305,7 +6349,7 @@
             </a:endParaRPr>
           </a:p>
           <a:p>
-            <a:pPr marL="333360" indent="-333000">
+            <a:pPr marL="333360" indent="-332280">
               <a:lnSpc>
                 <a:spcPct val="100000"/>
               </a:lnSpc>
@@ -6324,6 +6368,7 @@
                   <a:srgbClr val="000080"/>
                 </a:solidFill>
                 <a:latin typeface="Arial"/>
+                <a:ea typeface="DejaVu Sans"/>
               </a:rPr>
               <a:t>base case</a:t>
             </a:r>
@@ -6333,6 +6378,7 @@
                   <a:srgbClr val="000000"/>
                 </a:solidFill>
                 <a:latin typeface="Arial"/>
+                <a:ea typeface="DejaVu Sans"/>
               </a:rPr>
               <a:t>: sum(n) = 0 for any n &lt;= 0.</a:t>
             </a:r>
@@ -6343,6 +6389,7 @@
                   <a:srgbClr val="000000"/>
                 </a:solidFill>
                 <a:latin typeface="Arial"/>
+                <a:ea typeface="DejaVu Sans"/>
               </a:rPr>
               <a:t>Note: to </a:t>
             </a:r>
@@ -6352,6 +6399,7 @@
                   <a:srgbClr val="000080"/>
                 </a:solidFill>
                 <a:latin typeface="Arial"/>
+                <a:ea typeface="DejaVu Sans"/>
               </a:rPr>
               <a:t>guarantee</a:t>
             </a:r>
@@ -6361,6 +6409,7 @@
                   <a:srgbClr val="000000"/>
                 </a:solidFill>
                 <a:latin typeface="Arial"/>
+                <a:ea typeface="DejaVu Sans"/>
               </a:rPr>
               <a:t> recursion will always stop we need to consider case n &lt; 0, too! Not just n == 0. </a:t>
             </a:r>
@@ -6371,6 +6420,7 @@
                   <a:srgbClr val="000000"/>
                 </a:solidFill>
                 <a:latin typeface="Arial"/>
+                <a:ea typeface="DejaVu Sans"/>
               </a:rPr>
               <a:t>If n &lt; 0 either throw exception or return 0.</a:t>
             </a:r>
@@ -6379,7 +6429,7 @@
             </a:endParaRPr>
           </a:p>
           <a:p>
-            <a:pPr marL="333360" indent="-333000">
+            <a:pPr marL="333360" indent="-332280">
               <a:lnSpc>
                 <a:spcPct val="100000"/>
               </a:lnSpc>
@@ -6399,6 +6449,7 @@
                 </a:solidFill>
                 <a:uFillTx/>
                 <a:latin typeface="Arial"/>
+                <a:ea typeface="DejaVu Sans"/>
               </a:rPr>
               <a:t>Guarantee</a:t>
             </a:r>
@@ -6408,6 +6459,7 @@
                   <a:srgbClr val="000000"/>
                 </a:solidFill>
                 <a:latin typeface="Arial"/>
+                <a:ea typeface="DejaVu Sans"/>
               </a:rPr>
               <a:t> </a:t>
             </a:r>
@@ -6417,6 +6469,7 @@
                   <a:srgbClr val="000080"/>
                 </a:solidFill>
                 <a:latin typeface="Arial"/>
+                <a:ea typeface="DejaVu Sans"/>
               </a:rPr>
               <a:t>Termination</a:t>
             </a:r>
@@ -6426,6 +6479,7 @@
                   <a:srgbClr val="000000"/>
                 </a:solidFill>
                 <a:latin typeface="Arial"/>
+                <a:ea typeface="DejaVu Sans"/>
               </a:rPr>
               <a:t>?  Yes - each time we reduce the value of the parameter (n) by 1, </a:t>
             </a:r>
@@ -6436,6 +6490,7 @@
                   <a:srgbClr val="000000"/>
                 </a:solidFill>
                 <a:latin typeface="Arial"/>
+                <a:ea typeface="DejaVu Sans"/>
               </a:rPr>
               <a:t>so eventually we must have n &lt;= 0.</a:t>
             </a:r>
@@ -6446,6 +6501,7 @@
                   <a:srgbClr val="000000"/>
                 </a:solidFill>
                 <a:latin typeface="Arial"/>
+                <a:ea typeface="DejaVu Sans"/>
               </a:rPr>
               <a:t> </a:t>
             </a:r>
@@ -6513,14 +6569,14 @@
       </p:grpSpPr>
       <p:sp>
         <p:nvSpPr>
-          <p:cNvPr id="165" name="CustomShape 1"/>
+          <p:cNvPr id="157" name="CustomShape 1"/>
           <p:cNvSpPr/>
           <p:nvPr/>
         </p:nvSpPr>
         <p:spPr>
           <a:xfrm>
             <a:off x="611280" y="259920"/>
-            <a:ext cx="7921080" cy="864720"/>
+            <a:ext cx="7920360" cy="864000"/>
           </a:xfrm>
           <a:prstGeom prst="rect">
             <a:avLst/>
@@ -6550,6 +6606,7 @@
                   <a:srgbClr val="333399"/>
                 </a:solidFill>
                 <a:latin typeface="Arial"/>
+                <a:ea typeface="DejaVu Sans"/>
               </a:rPr>
               <a:t>Does Recursion Provide Insight?</a:t>
             </a:r>
@@ -6561,14 +6618,14 @@
       </p:sp>
       <p:sp>
         <p:nvSpPr>
-          <p:cNvPr id="166" name="CustomShape 2"/>
+          <p:cNvPr id="158" name="CustomShape 2"/>
           <p:cNvSpPr/>
           <p:nvPr/>
         </p:nvSpPr>
         <p:spPr>
           <a:xfrm>
             <a:off x="503280" y="1399680"/>
-            <a:ext cx="8091000" cy="5079600"/>
+            <a:ext cx="8090280" cy="5078880"/>
           </a:xfrm>
           <a:prstGeom prst="rect">
             <a:avLst/>
@@ -6603,6 +6660,7 @@
                   <a:srgbClr val="000000"/>
                 </a:solidFill>
                 <a:latin typeface="Arial"/>
+                <a:ea typeface="DejaVu Sans"/>
               </a:rPr>
               <a:t>For some problems, recursion makes the solution </a:t>
             </a:r>
@@ -6613,6 +6671,7 @@
                 </a:solidFill>
                 <a:uFillTx/>
                 <a:latin typeface="Arial"/>
+                <a:ea typeface="DejaVu Sans"/>
               </a:rPr>
               <a:t>easier</a:t>
             </a:r>
@@ -6622,8 +6681,19 @@
                   <a:srgbClr val="000000"/>
                 </a:solidFill>
                 <a:latin typeface="Arial"/>
-              </a:rPr>
-              <a:t> </a:t>
+                <a:ea typeface="DejaVu Sans"/>
+              </a:rPr>
+              <a:t> to </a:t>
+            </a:r>
+            <a:r>
+              <a:rPr b="1" lang="en-US" sz="2400" spc="-1" strike="noStrike">
+                <a:solidFill>
+                  <a:srgbClr val="000080"/>
+                </a:solidFill>
+                <a:latin typeface="Arial"/>
+                <a:ea typeface="DejaVu Sans"/>
+              </a:rPr>
+              <a:t>understand</a:t>
             </a:r>
             <a:r>
               <a:rPr b="0" lang="en-US" sz="2400" spc="-1" strike="noStrike">
@@ -6631,8 +6701,9 @@
                   <a:srgbClr val="000000"/>
                 </a:solidFill>
                 <a:latin typeface="Arial"/>
-              </a:rPr>
-              <a:t>to </a:t>
+                <a:ea typeface="DejaVu Sans"/>
+              </a:rPr>
+              <a:t> and </a:t>
             </a:r>
             <a:r>
               <a:rPr b="1" lang="en-US" sz="2400" spc="-1" strike="noStrike">
@@ -6640,8 +6711,9 @@
                   <a:srgbClr val="000080"/>
                 </a:solidFill>
                 <a:latin typeface="Arial"/>
-              </a:rPr>
-              <a:t>understand</a:t>
+                <a:ea typeface="DejaVu Sans"/>
+              </a:rPr>
+              <a:t>implement</a:t>
             </a:r>
             <a:r>
               <a:rPr b="0" lang="en-US" sz="2400" spc="-1" strike="noStrike">
@@ -6649,17 +6721,42 @@
                   <a:srgbClr val="000000"/>
                 </a:solidFill>
                 <a:latin typeface="Arial"/>
-              </a:rPr>
-              <a:t> and </a:t>
-            </a:r>
-            <a:r>
-              <a:rPr b="1" lang="en-US" sz="2400" spc="-1" strike="noStrike">
+                <a:ea typeface="DejaVu Sans"/>
+              </a:rPr>
+              <a:t>.</a:t>
+            </a:r>
+            <a:endParaRPr b="0" lang="en-US" sz="2400" spc="-1" strike="noStrike">
+              <a:latin typeface="Arial"/>
+            </a:endParaRPr>
+          </a:p>
+          <a:p>
+            <a:pPr>
+              <a:lnSpc>
+                <a:spcPct val="100000"/>
+              </a:lnSpc>
+              <a:spcBef>
+                <a:spcPts val="598"/>
+              </a:spcBef>
+            </a:pPr>
+            <a:r>
+              <a:rPr b="0" lang="en-US" sz="2400" spc="-1" strike="noStrike">
+                <a:solidFill>
+                  <a:srgbClr val="000000"/>
+                </a:solidFill>
+                <a:latin typeface="Arial"/>
+                <a:ea typeface="DejaVu Sans"/>
+              </a:rPr>
+              <a:t>Recursion provides </a:t>
+            </a:r>
+            <a:r>
+              <a:rPr b="0" i="1" lang="en-US" sz="2400" spc="-1" strike="noStrike">
                 <a:solidFill>
                   <a:srgbClr val="000080"/>
                 </a:solidFill>
                 <a:latin typeface="Arial"/>
-              </a:rPr>
-              <a:t>implement</a:t>
+                <a:ea typeface="DejaVu Sans"/>
+              </a:rPr>
+              <a:t>insight</a:t>
             </a:r>
             <a:r>
               <a:rPr b="0" lang="en-US" sz="2400" spc="-1" strike="noStrike">
@@ -6667,8 +6764,9 @@
                   <a:srgbClr val="000000"/>
                 </a:solidFill>
                 <a:latin typeface="Arial"/>
-              </a:rPr>
-              <a:t>.</a:t>
+                <a:ea typeface="DejaVu Sans"/>
+              </a:rPr>
+              <a:t> into the solution.</a:t>
             </a:r>
             <a:endParaRPr b="0" lang="en-US" sz="2400" spc="-1" strike="noStrike">
               <a:latin typeface="Arial"/>
@@ -6689,26 +6787,45 @@
                   <a:srgbClr val="000000"/>
                 </a:solidFill>
                 <a:latin typeface="Arial"/>
-              </a:rPr>
-              <a:t>Recursion provides </a:t>
-            </a:r>
-            <a:r>
-              <a:rPr b="0" i="1" lang="en-US" sz="2400" spc="-1" strike="noStrike">
-                <a:solidFill>
-                  <a:srgbClr val="000080"/>
-                </a:solidFill>
-                <a:latin typeface="Arial"/>
-              </a:rPr>
-              <a:t>insight</a:t>
-            </a:r>
+                <a:ea typeface="DejaVu Sans"/>
+              </a:rPr>
+              <a:t>For other problems, it provides no insight.</a:t>
+            </a:r>
+            <a:endParaRPr b="0" lang="en-US" sz="2400" spc="-1" strike="noStrike">
+              <a:latin typeface="Arial"/>
+            </a:endParaRPr>
+          </a:p>
+          <a:p>
+            <a:pPr>
+              <a:lnSpc>
+                <a:spcPct val="100000"/>
+              </a:lnSpc>
+              <a:spcBef>
+                <a:spcPts val="598"/>
+              </a:spcBef>
+            </a:pPr>
+            <a:endParaRPr b="0" lang="en-US" sz="2400" spc="-1" strike="noStrike">
+              <a:latin typeface="Arial"/>
+            </a:endParaRPr>
+          </a:p>
+          <a:p>
+            <a:pPr>
+              <a:lnSpc>
+                <a:spcPct val="100000"/>
+              </a:lnSpc>
+              <a:spcBef>
+                <a:spcPts val="598"/>
+              </a:spcBef>
+            </a:pPr>
             <a:r>
               <a:rPr b="0" lang="en-US" sz="2400" spc="-1" strike="noStrike">
                 <a:solidFill>
                   <a:srgbClr val="000000"/>
                 </a:solidFill>
                 <a:latin typeface="Arial"/>
-              </a:rPr>
-              <a:t> into the solution.</a:t>
+                <a:ea typeface="DejaVu Sans"/>
+              </a:rPr>
+              <a:t>Only use recursion when it makes the problem easier to understand or solve. </a:t>
             </a:r>
             <a:endParaRPr b="0" lang="en-US" sz="2400" spc="-1" strike="noStrike">
               <a:latin typeface="Arial"/>
@@ -6723,91 +6840,26 @@
                 <a:spcPts val="598"/>
               </a:spcBef>
             </a:pPr>
+            <a:endParaRPr b="0" lang="en-US" sz="2400" spc="-1" strike="noStrike">
+              <a:latin typeface="Arial"/>
+            </a:endParaRPr>
+          </a:p>
+          <a:p>
+            <a:pPr>
+              <a:lnSpc>
+                <a:spcPct val="100000"/>
+              </a:lnSpc>
+              <a:spcBef>
+                <a:spcPts val="598"/>
+              </a:spcBef>
+            </a:pPr>
             <a:r>
               <a:rPr b="0" lang="en-US" sz="2400" spc="-1" strike="noStrike">
                 <a:solidFill>
                   <a:srgbClr val="000000"/>
                 </a:solidFill>
                 <a:latin typeface="Arial"/>
-              </a:rPr>
-              <a:t>For other problems, it provides no insight.</a:t>
-            </a:r>
-            <a:endParaRPr b="0" lang="en-US" sz="2400" spc="-1" strike="noStrike">
-              <a:latin typeface="Arial"/>
-            </a:endParaRPr>
-          </a:p>
-          <a:p>
-            <a:pPr>
-              <a:lnSpc>
-                <a:spcPct val="100000"/>
-              </a:lnSpc>
-              <a:spcBef>
-                <a:spcPts val="598"/>
-              </a:spcBef>
-            </a:pPr>
-            <a:endParaRPr b="0" lang="en-US" sz="2400" spc="-1" strike="noStrike">
-              <a:latin typeface="Arial"/>
-            </a:endParaRPr>
-          </a:p>
-          <a:p>
-            <a:pPr>
-              <a:lnSpc>
-                <a:spcPct val="100000"/>
-              </a:lnSpc>
-              <a:spcBef>
-                <a:spcPts val="598"/>
-              </a:spcBef>
-            </a:pPr>
-            <a:r>
-              <a:rPr b="0" lang="en-US" sz="2400" spc="-1" strike="noStrike">
-                <a:solidFill>
-                  <a:srgbClr val="000000"/>
-                </a:solidFill>
-                <a:latin typeface="Arial"/>
-              </a:rPr>
-              <a:t>Only use recursion when it makes the problem easier to </a:t>
-            </a:r>
-            <a:r>
-              <a:rPr b="0" lang="en-US" sz="2400" spc="-1" strike="noStrike">
-                <a:solidFill>
-                  <a:srgbClr val="000000"/>
-                </a:solidFill>
-                <a:latin typeface="Arial"/>
-              </a:rPr>
-              <a:t>understand or solve. </a:t>
-            </a:r>
-            <a:endParaRPr b="0" lang="en-US" sz="2400" spc="-1" strike="noStrike">
-              <a:latin typeface="Arial"/>
-            </a:endParaRPr>
-          </a:p>
-          <a:p>
-            <a:pPr>
-              <a:lnSpc>
-                <a:spcPct val="100000"/>
-              </a:lnSpc>
-              <a:spcBef>
-                <a:spcPts val="598"/>
-              </a:spcBef>
-            </a:pPr>
-            <a:endParaRPr b="0" lang="en-US" sz="2400" spc="-1" strike="noStrike">
-              <a:latin typeface="Arial"/>
-            </a:endParaRPr>
-          </a:p>
-          <a:p>
-            <a:pPr>
-              <a:lnSpc>
-                <a:spcPct val="100000"/>
-              </a:lnSpc>
-              <a:spcBef>
-                <a:spcPts val="598"/>
-              </a:spcBef>
-            </a:pPr>
-            <a:r>
-              <a:rPr b="0" lang="en-US" sz="2400" spc="-1" strike="noStrike">
-                <a:solidFill>
-                  <a:srgbClr val="000000"/>
-                </a:solidFill>
-                <a:latin typeface="Arial"/>
+                <a:ea typeface="DejaVu Sans"/>
               </a:rPr>
               <a:t>Famous examples: Quicksort algorithm. Knight's tour.</a:t>
             </a:r>
@@ -6901,14 +6953,14 @@
       </p:grpSpPr>
       <p:sp>
         <p:nvSpPr>
-          <p:cNvPr id="167" name="CustomShape 1"/>
+          <p:cNvPr id="159" name="CustomShape 1"/>
           <p:cNvSpPr/>
           <p:nvPr/>
         </p:nvSpPr>
         <p:spPr>
           <a:xfrm>
             <a:off x="611280" y="259920"/>
-            <a:ext cx="7921080" cy="864720"/>
+            <a:ext cx="7920360" cy="864000"/>
           </a:xfrm>
           <a:prstGeom prst="rect">
             <a:avLst/>
@@ -6938,6 +6990,7 @@
                   <a:srgbClr val="333399"/>
                 </a:solidFill>
                 <a:latin typeface="Arial"/>
+                <a:ea typeface="DejaVu Sans"/>
               </a:rPr>
               <a:t>Does Recursive Sum Offer Insight?</a:t>
             </a:r>
@@ -6949,14 +7002,14 @@
       </p:sp>
       <p:sp>
         <p:nvSpPr>
-          <p:cNvPr id="168" name="CustomShape 2"/>
+          <p:cNvPr id="160" name="CustomShape 2"/>
           <p:cNvSpPr/>
           <p:nvPr/>
         </p:nvSpPr>
         <p:spPr>
           <a:xfrm>
             <a:off x="503280" y="1399680"/>
-            <a:ext cx="8091000" cy="5079600"/>
+            <a:ext cx="8090280" cy="5078880"/>
           </a:xfrm>
           <a:prstGeom prst="rect">
             <a:avLst/>
@@ -6991,6 +7044,7 @@
                   <a:srgbClr val="000000"/>
                 </a:solidFill>
                 <a:latin typeface="Courier New"/>
+                <a:ea typeface="DejaVu Sans"/>
               </a:rPr>
               <a:t>sum(n) = n + sum(n-1)   if n &gt; 0</a:t>
             </a:r>
@@ -7026,6 +7080,7 @@
                   <a:srgbClr val="000000"/>
                 </a:solidFill>
                 <a:latin typeface="Arial"/>
+                <a:ea typeface="DejaVu Sans"/>
               </a:rPr>
               <a:t>My opinion:  No.</a:t>
             </a:r>
@@ -7061,6 +7116,7 @@
                   <a:srgbClr val="000000"/>
                 </a:solidFill>
                 <a:latin typeface="Arial"/>
+                <a:ea typeface="DejaVu Sans"/>
               </a:rPr>
               <a:t>1 + 2 + ... + n ==&gt; looks like iteration (a loop)</a:t>
             </a:r>
@@ -7154,14 +7210,14 @@
       </p:grpSpPr>
       <p:sp>
         <p:nvSpPr>
-          <p:cNvPr id="169" name="CustomShape 1"/>
+          <p:cNvPr id="161" name="CustomShape 1"/>
           <p:cNvSpPr/>
           <p:nvPr/>
         </p:nvSpPr>
         <p:spPr>
           <a:xfrm>
             <a:off x="611280" y="259920"/>
-            <a:ext cx="7921080" cy="864720"/>
+            <a:ext cx="7920360" cy="864000"/>
           </a:xfrm>
           <a:prstGeom prst="rect">
             <a:avLst/>
@@ -7191,6 +7247,7 @@
                   <a:srgbClr val="333399"/>
                 </a:solidFill>
                 <a:latin typeface="Arial"/>
+                <a:ea typeface="DejaVu Sans"/>
               </a:rPr>
               <a:t>Sum Elements in a List</a:t>
             </a:r>
@@ -7202,14 +7259,14 @@
       </p:sp>
       <p:sp>
         <p:nvSpPr>
-          <p:cNvPr id="170" name="CustomShape 2"/>
+          <p:cNvPr id="162" name="CustomShape 2"/>
           <p:cNvSpPr/>
           <p:nvPr/>
         </p:nvSpPr>
         <p:spPr>
           <a:xfrm>
             <a:off x="501120" y="1439640"/>
-            <a:ext cx="7921440" cy="520560"/>
+            <a:ext cx="7920720" cy="519840"/>
           </a:xfrm>
           <a:prstGeom prst="rect">
             <a:avLst/>
@@ -7230,7 +7287,7 @@
             <a:normAutofit/>
           </a:bodyPr>
           <a:p>
-            <a:pPr marL="341280" indent="-333000">
+            <a:pPr marL="341280" indent="-332280">
               <a:lnSpc>
                 <a:spcPct val="100000"/>
               </a:lnSpc>
@@ -7244,6 +7301,7 @@
                   <a:srgbClr val="000080"/>
                 </a:solidFill>
                 <a:latin typeface="Arial"/>
+                <a:ea typeface="DejaVu Sans"/>
               </a:rPr>
               <a:t>What is wrong with this code?</a:t>
             </a:r>
@@ -7255,14 +7313,14 @@
       </p:sp>
       <p:sp>
         <p:nvSpPr>
-          <p:cNvPr id="171" name="CustomShape 3"/>
+          <p:cNvPr id="163" name="CustomShape 3"/>
           <p:cNvSpPr/>
           <p:nvPr/>
         </p:nvSpPr>
         <p:spPr>
           <a:xfrm>
             <a:off x="456480" y="2014920"/>
-            <a:ext cx="8138880" cy="2099880"/>
+            <a:ext cx="8138160" cy="2099160"/>
           </a:xfrm>
           <a:custGeom>
             <a:avLst/>
@@ -7487,14 +7545,14 @@
       </p:sp>
       <p:sp>
         <p:nvSpPr>
-          <p:cNvPr id="172" name="CustomShape 4"/>
+          <p:cNvPr id="164" name="CustomShape 4"/>
           <p:cNvSpPr/>
           <p:nvPr/>
         </p:nvSpPr>
         <p:spPr>
           <a:xfrm>
             <a:off x="399600" y="4480560"/>
-            <a:ext cx="7921440" cy="520560"/>
+            <a:ext cx="7920720" cy="1828440"/>
           </a:xfrm>
           <a:prstGeom prst="rect">
             <a:avLst/>
@@ -7515,7 +7573,7 @@
             <a:normAutofit/>
           </a:bodyPr>
           <a:p>
-            <a:pPr marL="341280" indent="-333000">
+            <a:pPr marL="341280" indent="-332280">
               <a:lnSpc>
                 <a:spcPct val="100000"/>
               </a:lnSpc>
@@ -7529,8 +7587,52 @@
                   <a:srgbClr val="000080"/>
                 </a:solidFill>
                 <a:latin typeface="Arial"/>
+                <a:ea typeface="DejaVu Sans"/>
               </a:rPr>
               <a:t>It computes the correct result, but is a poor design.</a:t>
+            </a:r>
+            <a:endParaRPr b="0" lang="en-US" sz="2400" spc="-1" strike="noStrike">
+              <a:latin typeface="Arial"/>
+            </a:endParaRPr>
+          </a:p>
+          <a:p>
+            <a:pPr marL="341280" indent="-332280">
+              <a:lnSpc>
+                <a:spcPct val="100000"/>
+              </a:lnSpc>
+              <a:spcBef>
+                <a:spcPts val="598"/>
+              </a:spcBef>
+            </a:pPr>
+            <a:r>
+              <a:rPr b="0" lang="en-US" sz="2400" spc="-1" strike="noStrike">
+                <a:solidFill>
+                  <a:srgbClr val="000080"/>
+                </a:solidFill>
+                <a:latin typeface="Arial"/>
+                <a:ea typeface="DejaVu Sans"/>
+              </a:rPr>
+              <a:t>&gt;&gt; We should not modify the </a:t>
+            </a:r>
+            <a:r>
+              <a:rPr b="0" lang="en-US" sz="2400" spc="-1" strike="noStrike">
+                <a:solidFill>
+                  <a:srgbClr val="000080"/>
+                </a:solidFill>
+                <a:latin typeface="Courier New"/>
+                <a:ea typeface="DejaVu Sans"/>
+              </a:rPr>
+              <a:t>lst</a:t>
+            </a:r>
+            <a:r>
+              <a:rPr b="0" lang="en-US" sz="2400" spc="-1" strike="noStrike">
+                <a:solidFill>
+                  <a:srgbClr val="000080"/>
+                </a:solidFill>
+                <a:latin typeface="Arial"/>
+                <a:ea typeface="DejaVu Sans"/>
+              </a:rPr>
+              <a:t> parameter.</a:t>
             </a:r>
             <a:endParaRPr b="0" lang="en-US" sz="2400" spc="-1" strike="noStrike">
               <a:latin typeface="Arial"/>
@@ -7596,14 +7698,14 @@
       </p:grpSpPr>
       <p:sp>
         <p:nvSpPr>
-          <p:cNvPr id="173" name="CustomShape 1"/>
+          <p:cNvPr id="165" name="CustomShape 1"/>
           <p:cNvSpPr/>
           <p:nvPr/>
         </p:nvSpPr>
         <p:spPr>
           <a:xfrm>
             <a:off x="611280" y="259920"/>
-            <a:ext cx="7921080" cy="864720"/>
+            <a:ext cx="7920360" cy="864000"/>
           </a:xfrm>
           <a:prstGeom prst="rect">
             <a:avLst/>
@@ -7633,6 +7735,7 @@
                   <a:srgbClr val="333399"/>
                 </a:solidFill>
                 <a:latin typeface="Arial"/>
+                <a:ea typeface="DejaVu Sans"/>
               </a:rPr>
               <a:t>Helper Function</a:t>
             </a:r>
@@ -7644,14 +7747,14 @@
       </p:sp>
       <p:sp>
         <p:nvSpPr>
-          <p:cNvPr id="174" name="CustomShape 2"/>
+          <p:cNvPr id="166" name="CustomShape 2"/>
           <p:cNvSpPr/>
           <p:nvPr/>
         </p:nvSpPr>
         <p:spPr>
           <a:xfrm>
             <a:off x="501120" y="1367640"/>
-            <a:ext cx="7921440" cy="1741320"/>
+            <a:ext cx="7920720" cy="1740600"/>
           </a:xfrm>
           <a:prstGeom prst="rect">
             <a:avLst/>
@@ -7672,7 +7775,7 @@
             <a:normAutofit/>
           </a:bodyPr>
           <a:p>
-            <a:pPr marL="341280" indent="-333000">
+            <a:pPr marL="341280" indent="-332280">
               <a:lnSpc>
                 <a:spcPct val="100000"/>
               </a:lnSpc>
@@ -7686,18 +7789,16 @@
                   <a:srgbClr val="000000"/>
                 </a:solidFill>
                 <a:latin typeface="Arial"/>
+                <a:ea typeface="DejaVu Sans"/>
               </a:rPr>
               <a:t>Sometimes you need a "helper function" with extra parameters in order to perform recursion.</a:t>
             </a:r>
             <a:endParaRPr b="0" lang="en-US" sz="2400" spc="-1" strike="noStrike">
-              <a:solidFill>
-                <a:srgbClr val="000000"/>
-              </a:solidFill>
-              <a:latin typeface="Arial"/>
-            </a:endParaRPr>
-          </a:p>
-          <a:p>
-            <a:pPr marL="341280" indent="-333000">
+              <a:latin typeface="Arial"/>
+            </a:endParaRPr>
+          </a:p>
+          <a:p>
+            <a:pPr marL="341280" indent="-332280">
               <a:lnSpc>
                 <a:spcPct val="100000"/>
               </a:lnSpc>
@@ -7711,6 +7812,7 @@
                   <a:srgbClr val="000000"/>
                 </a:solidFill>
                 <a:latin typeface="Arial"/>
+                <a:ea typeface="DejaVu Sans"/>
               </a:rPr>
               <a:t>To sum a list, without modifying the list, use a helper function that has a param for the </a:t>
             </a:r>
@@ -7720,6 +7822,7 @@
                   <a:srgbClr val="000080"/>
                 </a:solidFill>
                 <a:latin typeface="Arial"/>
+                <a:ea typeface="DejaVu Sans"/>
               </a:rPr>
               <a:t>last element</a:t>
             </a:r>
@@ -7729,13 +7832,11 @@
                   <a:srgbClr val="000000"/>
                 </a:solidFill>
                 <a:latin typeface="Arial"/>
+                <a:ea typeface="DejaVu Sans"/>
               </a:rPr>
               <a:t> to sum.</a:t>
             </a:r>
             <a:endParaRPr b="0" lang="en-US" sz="2400" spc="-1" strike="noStrike">
-              <a:solidFill>
-                <a:srgbClr val="000000"/>
-              </a:solidFill>
               <a:latin typeface="Arial"/>
             </a:endParaRPr>
           </a:p>
@@ -7743,14 +7844,14 @@
       </p:sp>
       <p:sp>
         <p:nvSpPr>
-          <p:cNvPr id="175" name="CustomShape 3"/>
+          <p:cNvPr id="167" name="CustomShape 3"/>
           <p:cNvSpPr/>
           <p:nvPr/>
         </p:nvSpPr>
         <p:spPr>
           <a:xfrm>
             <a:off x="368640" y="3089520"/>
-            <a:ext cx="8138520" cy="548640"/>
+            <a:ext cx="8137800" cy="547920"/>
           </a:xfrm>
           <a:custGeom>
             <a:avLst/>
@@ -7836,9 +7937,6 @@
               <a:t>(lst, len(lst)-1)</a:t>
             </a:r>
             <a:endParaRPr b="0" lang="en-US" sz="2200" spc="-1" strike="noStrike">
-              <a:solidFill>
-                <a:srgbClr val="000000"/>
-              </a:solidFill>
               <a:latin typeface="Arial"/>
             </a:endParaRPr>
           </a:p>
@@ -7846,14 +7944,14 @@
       </p:sp>
       <p:sp>
         <p:nvSpPr>
-          <p:cNvPr id="176" name="CustomShape 4"/>
+          <p:cNvPr id="168" name="CustomShape 4"/>
           <p:cNvSpPr/>
           <p:nvPr/>
         </p:nvSpPr>
         <p:spPr>
           <a:xfrm>
             <a:off x="295200" y="3940200"/>
-            <a:ext cx="8138880" cy="2369160"/>
+            <a:ext cx="8138160" cy="2368440"/>
           </a:xfrm>
           <a:custGeom>
             <a:avLst/>
@@ -7939,9 +8037,6 @@
               <a:t>(lst, last_index):</a:t>
             </a:r>
             <a:endParaRPr b="0" lang="en-US" sz="2200" spc="-1" strike="noStrike">
-              <a:solidFill>
-                <a:srgbClr val="000000"/>
-              </a:solidFill>
               <a:latin typeface="Arial"/>
             </a:endParaRPr>
           </a:p>
@@ -7975,9 +8070,6 @@
               <a:t>"""sum elements 0 up to last_index."""</a:t>
             </a:r>
             <a:endParaRPr b="0" lang="en-US" sz="2200" spc="-1" strike="noStrike">
-              <a:solidFill>
-                <a:srgbClr val="000000"/>
-              </a:solidFill>
               <a:latin typeface="Arial"/>
             </a:endParaRPr>
           </a:p>
@@ -8011,9 +8103,6 @@
               <a:t>if last_index &lt; 0:</a:t>
             </a:r>
             <a:endParaRPr b="0" lang="en-US" sz="2200" spc="-1" strike="noStrike">
-              <a:solidFill>
-                <a:srgbClr val="000000"/>
-              </a:solidFill>
               <a:latin typeface="Arial"/>
             </a:endParaRPr>
           </a:p>
@@ -8057,9 +8146,6 @@
               <a:t># nothing to sum</a:t>
             </a:r>
             <a:endParaRPr b="0" lang="en-US" sz="2200" spc="-1" strike="noStrike">
-              <a:solidFill>
-                <a:srgbClr val="000000"/>
-              </a:solidFill>
               <a:latin typeface="Arial"/>
             </a:endParaRPr>
           </a:p>
@@ -8093,9 +8179,6 @@
               <a:t>return lst[last_index] \</a:t>
             </a:r>
             <a:endParaRPr b="0" lang="en-US" sz="2200" spc="-1" strike="noStrike">
-              <a:solidFill>
-                <a:srgbClr val="000000"/>
-              </a:solidFill>
               <a:latin typeface="Arial"/>
             </a:endParaRPr>
           </a:p>
@@ -8149,9 +8232,6 @@
               <a:t>(lst, last_index-1)</a:t>
             </a:r>
             <a:endParaRPr b="0" lang="en-US" sz="2200" spc="-1" strike="noStrike">
-              <a:solidFill>
-                <a:srgbClr val="000000"/>
-              </a:solidFill>
               <a:latin typeface="Arial"/>
             </a:endParaRPr>
           </a:p>
@@ -8215,14 +8295,14 @@
       </p:grpSpPr>
       <p:sp>
         <p:nvSpPr>
-          <p:cNvPr id="177" name="CustomShape 1"/>
+          <p:cNvPr id="169" name="CustomShape 1"/>
           <p:cNvSpPr/>
           <p:nvPr/>
         </p:nvSpPr>
         <p:spPr>
           <a:xfrm>
             <a:off x="611280" y="259920"/>
-            <a:ext cx="7921080" cy="864720"/>
+            <a:ext cx="7920360" cy="864000"/>
           </a:xfrm>
           <a:prstGeom prst="rect">
             <a:avLst/>
@@ -8252,6 +8332,7 @@
                   <a:srgbClr val="333399"/>
                 </a:solidFill>
                 <a:latin typeface="Arial"/>
+                <a:ea typeface="DejaVu Sans"/>
               </a:rPr>
               <a:t>Learn more about Helper Functions</a:t>
             </a:r>
@@ -8263,14 +8344,14 @@
       </p:sp>
       <p:sp>
         <p:nvSpPr>
-          <p:cNvPr id="178" name="CustomShape 2"/>
+          <p:cNvPr id="170" name="CustomShape 2"/>
           <p:cNvSpPr/>
           <p:nvPr/>
         </p:nvSpPr>
         <p:spPr>
           <a:xfrm>
             <a:off x="674280" y="1399680"/>
-            <a:ext cx="7921440" cy="4464000"/>
+            <a:ext cx="7920720" cy="4463280"/>
           </a:xfrm>
           <a:prstGeom prst="rect">
             <a:avLst/>
@@ -8305,6 +8386,7 @@
                   <a:srgbClr val="000080"/>
                 </a:solidFill>
                 <a:latin typeface="Arial"/>
+                <a:ea typeface="DejaVu Sans"/>
               </a:rPr>
               <a:t>Big Java</a:t>
             </a:r>
@@ -8314,6 +8396,7 @@
                   <a:srgbClr val="000000"/>
                 </a:solidFill>
                 <a:latin typeface="Arial"/>
+                <a:ea typeface="DejaVu Sans"/>
               </a:rPr>
               <a:t>, Chapter 13 (</a:t>
             </a:r>
@@ -8323,6 +8406,7 @@
                   <a:srgbClr val="000000"/>
                 </a:solidFill>
                 <a:latin typeface="Arial"/>
+                <a:ea typeface="DejaVu Sans"/>
               </a:rPr>
               <a:t>Recursion</a:t>
             </a:r>
@@ -8332,6 +8416,7 @@
                   <a:srgbClr val="000000"/>
                 </a:solidFill>
                 <a:latin typeface="Arial"/>
+                <a:ea typeface="DejaVu Sans"/>
               </a:rPr>
               <a:t>) has a section on helper methods.</a:t>
             </a:r>
@@ -8399,14 +8484,14 @@
       </p:grpSpPr>
       <p:sp>
         <p:nvSpPr>
-          <p:cNvPr id="179" name="CustomShape 1"/>
+          <p:cNvPr id="171" name="CustomShape 1"/>
           <p:cNvSpPr/>
           <p:nvPr/>
         </p:nvSpPr>
         <p:spPr>
           <a:xfrm>
             <a:off x="611280" y="259920"/>
-            <a:ext cx="7921080" cy="864720"/>
+            <a:ext cx="7920360" cy="864000"/>
           </a:xfrm>
           <a:prstGeom prst="rect">
             <a:avLst/>
@@ -8436,6 +8521,7 @@
                   <a:srgbClr val="333399"/>
                 </a:solidFill>
                 <a:latin typeface="Arial"/>
+                <a:ea typeface="DejaVu Sans"/>
               </a:rPr>
               <a:t>Recursion uses more memory</a:t>
             </a:r>
@@ -8447,14 +8533,14 @@
       </p:sp>
       <p:sp>
         <p:nvSpPr>
-          <p:cNvPr id="180" name="CustomShape 2"/>
+          <p:cNvPr id="172" name="CustomShape 2"/>
           <p:cNvSpPr/>
           <p:nvPr/>
         </p:nvSpPr>
         <p:spPr>
           <a:xfrm>
             <a:off x="674280" y="1399680"/>
-            <a:ext cx="7921440" cy="5008320"/>
+            <a:ext cx="7920720" cy="5007600"/>
           </a:xfrm>
           <a:prstGeom prst="rect">
             <a:avLst/>
@@ -8475,7 +8561,7 @@
             <a:normAutofit/>
           </a:bodyPr>
           <a:p>
-            <a:pPr marL="333360" indent="-333000">
+            <a:pPr marL="333360" indent="-332280">
               <a:lnSpc>
                 <a:spcPct val="100000"/>
               </a:lnSpc>
@@ -8495,6 +8581,7 @@
                   <a:srgbClr val="000000"/>
                 </a:solidFill>
                 <a:latin typeface="Arial"/>
+                <a:ea typeface="DejaVu Sans"/>
               </a:rPr>
               <a:t>We can easily sum 1 to 10,000,000 using a </a:t>
             </a:r>
@@ -8504,6 +8591,7 @@
                   <a:srgbClr val="000080"/>
                 </a:solidFill>
                 <a:latin typeface="Arial"/>
+                <a:ea typeface="DejaVu Sans"/>
               </a:rPr>
               <a:t>loop</a:t>
             </a:r>
@@ -8513,6 +8601,7 @@
                   <a:srgbClr val="000000"/>
                 </a:solidFill>
                 <a:latin typeface="Arial"/>
+                <a:ea typeface="DejaVu Sans"/>
               </a:rPr>
               <a:t>.</a:t>
             </a:r>
@@ -8523,6 +8612,7 @@
                   <a:srgbClr val="000000"/>
                 </a:solidFill>
                 <a:latin typeface="Arial"/>
+                <a:ea typeface="DejaVu Sans"/>
               </a:rPr>
               <a:t>but recursive sum will fail with "</a:t>
             </a:r>
@@ -8532,6 +8622,7 @@
                   <a:srgbClr val="ff0000"/>
                 </a:solidFill>
                 <a:latin typeface="Arial"/>
+                <a:ea typeface="DejaVu Sans"/>
               </a:rPr>
               <a:t>out of memory</a:t>
             </a:r>
@@ -8541,6 +8632,7 @@
                   <a:srgbClr val="000000"/>
                 </a:solidFill>
                 <a:latin typeface="Arial"/>
+                <a:ea typeface="DejaVu Sans"/>
               </a:rPr>
               <a:t>" error.</a:t>
             </a:r>
@@ -8549,7 +8641,7 @@
             </a:endParaRPr>
           </a:p>
           <a:p>
-            <a:pPr marL="341280" indent="-333000">
+            <a:pPr marL="341280" indent="-332280">
               <a:lnSpc>
                 <a:spcPct val="100000"/>
               </a:lnSpc>
@@ -8562,7 +8654,7 @@
             </a:endParaRPr>
           </a:p>
           <a:p>
-            <a:pPr marL="333360" indent="-333000">
+            <a:pPr marL="333360" indent="-332280">
               <a:lnSpc>
                 <a:spcPct val="100000"/>
               </a:lnSpc>
@@ -8582,6 +8674,7 @@
                   <a:srgbClr val="000000"/>
                 </a:solidFill>
                 <a:latin typeface="Arial"/>
+                <a:ea typeface="DejaVu Sans"/>
               </a:rPr>
               <a:t>Why?</a:t>
             </a:r>
@@ -8590,7 +8683,7 @@
             </a:endParaRPr>
           </a:p>
           <a:p>
-            <a:pPr lvl="1" marL="733320" indent="-275760">
+            <a:pPr lvl="1" marL="733320" indent="-275040">
               <a:lnSpc>
                 <a:spcPct val="100000"/>
               </a:lnSpc>
@@ -8610,6 +8703,7 @@
                   <a:srgbClr val="000000"/>
                 </a:solidFill>
                 <a:latin typeface="Arial"/>
+                <a:ea typeface="DejaVu Sans"/>
               </a:rPr>
               <a:t>each function </a:t>
             </a:r>
@@ -8620,6 +8714,7 @@
                 </a:solidFill>
                 <a:uFillTx/>
                 <a:latin typeface="Arial"/>
+                <a:ea typeface="DejaVu Sans"/>
               </a:rPr>
               <a:t>call</a:t>
             </a:r>
@@ -8629,6 +8724,7 @@
                   <a:srgbClr val="000000"/>
                 </a:solidFill>
                 <a:latin typeface="Arial"/>
+                <a:ea typeface="DejaVu Sans"/>
               </a:rPr>
               <a:t> creates a </a:t>
             </a:r>
@@ -8638,6 +8734,7 @@
                   <a:srgbClr val="000080"/>
                 </a:solidFill>
                 <a:latin typeface="Arial"/>
+                <a:ea typeface="DejaVu Sans"/>
               </a:rPr>
               <a:t>stack frame</a:t>
             </a:r>
@@ -8647,6 +8744,7 @@
                   <a:srgbClr val="000000"/>
                 </a:solidFill>
                 <a:latin typeface="Arial"/>
+                <a:ea typeface="DejaVu Sans"/>
               </a:rPr>
               <a:t> to store information about the invocation (parameters, local vars, saved register values) and a return value.</a:t>
             </a:r>
@@ -8655,7 +8753,7 @@
             </a:endParaRPr>
           </a:p>
           <a:p>
-            <a:pPr lvl="1" marL="733320" indent="-275760">
+            <a:pPr lvl="1" marL="733320" indent="-275040">
               <a:lnSpc>
                 <a:spcPct val="100000"/>
               </a:lnSpc>
@@ -8675,6 +8773,7 @@
                   <a:srgbClr val="000000"/>
                 </a:solidFill>
                 <a:latin typeface="Arial"/>
+                <a:ea typeface="DejaVu Sans"/>
               </a:rPr>
               <a:t>The stack frames consume memory.</a:t>
             </a:r>
@@ -8683,7 +8782,7 @@
             </a:endParaRPr>
           </a:p>
           <a:p>
-            <a:pPr lvl="1" marL="733320" indent="-275760">
+            <a:pPr lvl="1" marL="733320" indent="-275040">
               <a:lnSpc>
                 <a:spcPct val="100000"/>
               </a:lnSpc>
@@ -8703,6 +8802,7 @@
                   <a:srgbClr val="000000"/>
                 </a:solidFill>
                 <a:latin typeface="Arial"/>
+                <a:ea typeface="DejaVu Sans"/>
               </a:rPr>
               <a:t>Eventually, recursive calls may fill all the stack space.</a:t>
             </a:r>
@@ -8711,7 +8811,7 @@
             </a:endParaRPr>
           </a:p>
           <a:p>
-            <a:pPr marL="341280" indent="-333000">
+            <a:pPr marL="341280" indent="-332280">
               <a:lnSpc>
                 <a:spcPct val="100000"/>
               </a:lnSpc>
@@ -8724,7 +8824,7 @@
             </a:endParaRPr>
           </a:p>
           <a:p>
-            <a:pPr marL="333360" indent="-333000">
+            <a:pPr marL="333360" indent="-332280">
               <a:lnSpc>
                 <a:spcPct val="100000"/>
               </a:lnSpc>
@@ -8744,6 +8844,7 @@
                   <a:srgbClr val="000000"/>
                 </a:solidFill>
                 <a:latin typeface="Arial"/>
+                <a:ea typeface="DejaVu Sans"/>
               </a:rPr>
               <a:t>For the curious:  read about "</a:t>
             </a:r>
@@ -8753,6 +8854,7 @@
                   <a:srgbClr val="000080"/>
                 </a:solidFill>
                 <a:latin typeface="Arial"/>
+                <a:ea typeface="DejaVu Sans"/>
               </a:rPr>
               <a:t>tail recursion</a:t>
             </a:r>
@@ -8762,6 +8864,7 @@
                   <a:srgbClr val="000000"/>
                 </a:solidFill>
                 <a:latin typeface="Arial"/>
+                <a:ea typeface="DejaVu Sans"/>
               </a:rPr>
               <a:t>"</a:t>
             </a:r>
@@ -8770,7 +8873,7 @@
             </a:endParaRPr>
           </a:p>
           <a:p>
-            <a:pPr lvl="1" marL="733320" indent="-275760">
+            <a:pPr lvl="1" marL="733320" indent="-275040">
               <a:lnSpc>
                 <a:spcPct val="100000"/>
               </a:lnSpc>
@@ -8790,6 +8893,7 @@
                   <a:srgbClr val="000000"/>
                 </a:solidFill>
                 <a:latin typeface="Arial"/>
+                <a:ea typeface="DejaVu Sans"/>
               </a:rPr>
               <a:t>avoids creating stack frames in special cases</a:t>
             </a:r>
@@ -8857,14 +8961,14 @@
       </p:grpSpPr>
       <p:sp>
         <p:nvSpPr>
-          <p:cNvPr id="181" name="CustomShape 1"/>
+          <p:cNvPr id="173" name="CustomShape 1"/>
           <p:cNvSpPr/>
           <p:nvPr/>
         </p:nvSpPr>
         <p:spPr>
           <a:xfrm>
             <a:off x="611280" y="259920"/>
-            <a:ext cx="7921080" cy="864720"/>
+            <a:ext cx="7920360" cy="864000"/>
           </a:xfrm>
           <a:prstGeom prst="rect">
             <a:avLst/>
@@ -8894,6 +8998,7 @@
                   <a:srgbClr val="333399"/>
                 </a:solidFill>
                 <a:latin typeface="Arial"/>
+                <a:ea typeface="DejaVu Sans"/>
               </a:rPr>
               <a:t>Backtracking</a:t>
             </a:r>
@@ -8905,14 +9010,14 @@
       </p:sp>
       <p:sp>
         <p:nvSpPr>
-          <p:cNvPr id="182" name="CustomShape 2"/>
+          <p:cNvPr id="174" name="CustomShape 2"/>
           <p:cNvSpPr/>
           <p:nvPr/>
         </p:nvSpPr>
         <p:spPr>
           <a:xfrm>
             <a:off x="674280" y="1399680"/>
-            <a:ext cx="7921440" cy="5008320"/>
+            <a:ext cx="7920720" cy="5007600"/>
           </a:xfrm>
           <a:prstGeom prst="rect">
             <a:avLst/>
@@ -8933,7 +9038,7 @@
             <a:normAutofit/>
           </a:bodyPr>
           <a:p>
-            <a:pPr marL="333360" indent="-333000">
+            <a:pPr marL="333360" indent="-332280">
               <a:lnSpc>
                 <a:spcPct val="100000"/>
               </a:lnSpc>
@@ -8953,6 +9058,7 @@
                   <a:srgbClr val="000000"/>
                 </a:solidFill>
                 <a:latin typeface="Arial"/>
+                <a:ea typeface="DejaVu Sans"/>
               </a:rPr>
               <a:t>In some problems, an attempt to find a solution using recursion fails.</a:t>
             </a:r>
@@ -8961,7 +9067,7 @@
             </a:endParaRPr>
           </a:p>
           <a:p>
-            <a:pPr marL="333360" indent="-333000">
+            <a:pPr marL="333360" indent="-332280">
               <a:lnSpc>
                 <a:spcPct val="100000"/>
               </a:lnSpc>
@@ -8981,6 +9087,7 @@
                   <a:srgbClr val="000000"/>
                 </a:solidFill>
                 <a:latin typeface="Arial"/>
+                <a:ea typeface="DejaVu Sans"/>
               </a:rPr>
               <a:t>You have to "undo" or "backtrack" some recursive steps and try a different solution.</a:t>
             </a:r>
@@ -9048,14 +9155,14 @@
       </p:grpSpPr>
       <p:sp>
         <p:nvSpPr>
-          <p:cNvPr id="183" name="CustomShape 1"/>
+          <p:cNvPr id="175" name="CustomShape 1"/>
           <p:cNvSpPr/>
           <p:nvPr/>
         </p:nvSpPr>
         <p:spPr>
           <a:xfrm>
             <a:off x="611280" y="259920"/>
-            <a:ext cx="7921080" cy="864720"/>
+            <a:ext cx="7920360" cy="864000"/>
           </a:xfrm>
           <a:prstGeom prst="rect">
             <a:avLst/>
@@ -9085,6 +9192,7 @@
                   <a:srgbClr val="333399"/>
                 </a:solidFill>
                 <a:latin typeface="Arial"/>
+                <a:ea typeface="DejaVu Sans"/>
               </a:rPr>
               <a:t>References</a:t>
             </a:r>
@@ -9096,14 +9204,14 @@
       </p:sp>
       <p:sp>
         <p:nvSpPr>
-          <p:cNvPr id="184" name="CustomShape 2"/>
+          <p:cNvPr id="176" name="CustomShape 2"/>
           <p:cNvSpPr/>
           <p:nvPr/>
         </p:nvSpPr>
         <p:spPr>
           <a:xfrm>
             <a:off x="674280" y="1399680"/>
-            <a:ext cx="7921440" cy="4464000"/>
+            <a:ext cx="7920720" cy="4463280"/>
           </a:xfrm>
           <a:prstGeom prst="rect">
             <a:avLst/>
@@ -9138,6 +9246,132 @@
                   <a:srgbClr val="000080"/>
                 </a:solidFill>
                 <a:latin typeface="Arial"/>
+                <a:ea typeface="DejaVu Sans"/>
+              </a:rPr>
+              <a:t>Recursion in Python</a:t>
+            </a:r>
+            <a:r>
+              <a:rPr b="0" i="1" lang="en-US" sz="2400" spc="-1" strike="noStrike">
+                <a:solidFill>
+                  <a:srgbClr val="000000"/>
+                </a:solidFill>
+                <a:latin typeface="Arial"/>
+                <a:ea typeface="DejaVu Sans"/>
+              </a:rPr>
+              <a:t> </a:t>
+            </a:r>
+            <a:r>
+              <a:rPr b="0" lang="en-US" sz="2400" spc="-1" strike="noStrike">
+                <a:solidFill>
+                  <a:srgbClr val="000000"/>
+                </a:solidFill>
+                <a:latin typeface="Arial"/>
+                <a:ea typeface="DejaVu Sans"/>
+              </a:rPr>
+              <a:t>on RealPython.com</a:t>
+            </a:r>
+            <a:endParaRPr b="0" lang="en-US" sz="2400" spc="-1" strike="noStrike">
+              <a:latin typeface="Arial"/>
+            </a:endParaRPr>
+          </a:p>
+          <a:p>
+            <a:pPr>
+              <a:lnSpc>
+                <a:spcPct val="100000"/>
+              </a:lnSpc>
+              <a:spcBef>
+                <a:spcPts val="598"/>
+              </a:spcBef>
+            </a:pPr>
+            <a:r>
+              <a:rPr b="0" lang="en-US" sz="2400" spc="-1" strike="noStrike">
+                <a:solidFill>
+                  <a:srgbClr val="000000"/>
+                </a:solidFill>
+                <a:latin typeface="Courier New"/>
+                <a:ea typeface="DejaVu Sans"/>
+              </a:rPr>
+              <a:t>https://realpython.com/python-recursion/</a:t>
+            </a:r>
+            <a:endParaRPr b="0" lang="en-US" sz="2400" spc="-1" strike="noStrike">
+              <a:latin typeface="Arial"/>
+            </a:endParaRPr>
+          </a:p>
+          <a:p>
+            <a:pPr>
+              <a:lnSpc>
+                <a:spcPct val="100000"/>
+              </a:lnSpc>
+              <a:spcBef>
+                <a:spcPts val="598"/>
+              </a:spcBef>
+            </a:pPr>
+            <a:endParaRPr b="0" lang="en-US" sz="2400" spc="-1" strike="noStrike">
+              <a:latin typeface="Arial"/>
+            </a:endParaRPr>
+          </a:p>
+          <a:p>
+            <a:pPr>
+              <a:lnSpc>
+                <a:spcPct val="100000"/>
+              </a:lnSpc>
+              <a:spcBef>
+                <a:spcPts val="598"/>
+              </a:spcBef>
+            </a:pPr>
+            <a:r>
+              <a:rPr b="1" lang="en-US" sz="2400" spc="-1" strike="noStrike">
+                <a:solidFill>
+                  <a:srgbClr val="000000"/>
+                </a:solidFill>
+                <a:latin typeface="Courier New"/>
+                <a:ea typeface="DejaVu Sans"/>
+              </a:rPr>
+              <a:t>http://codingbat.com</a:t>
+            </a:r>
+            <a:r>
+              <a:rPr b="0" lang="en-US" sz="2400" spc="-1" strike="noStrike">
+                <a:solidFill>
+                  <a:srgbClr val="000000"/>
+                </a:solidFill>
+                <a:latin typeface="Arial"/>
+                <a:ea typeface="DejaVu Sans"/>
+              </a:rPr>
+              <a:t> - programming problems using recursion.  Recursion-1 set is easy, Recursion-2 is more challenging &amp; use backtracking. Only available for Java.</a:t>
+            </a:r>
+            <a:endParaRPr b="0" lang="en-US" sz="2400" spc="-1" strike="noStrike">
+              <a:latin typeface="Arial"/>
+            </a:endParaRPr>
+          </a:p>
+          <a:p>
+            <a:pPr>
+              <a:lnSpc>
+                <a:spcPct val="100000"/>
+              </a:lnSpc>
+              <a:spcBef>
+                <a:spcPts val="598"/>
+              </a:spcBef>
+            </a:pPr>
+            <a:endParaRPr b="0" lang="en-US" sz="2400" spc="-1" strike="noStrike">
+              <a:latin typeface="Arial"/>
+            </a:endParaRPr>
+          </a:p>
+          <a:p>
+            <a:pPr>
+              <a:lnSpc>
+                <a:spcPct val="100000"/>
+              </a:lnSpc>
+              <a:spcBef>
+                <a:spcPts val="598"/>
+              </a:spcBef>
+            </a:pPr>
+            <a:r>
+              <a:rPr b="0" i="1" lang="en-US" sz="2400" spc="-1" strike="noStrike">
+                <a:solidFill>
+                  <a:srgbClr val="000080"/>
+                </a:solidFill>
+                <a:latin typeface="Arial"/>
+                <a:ea typeface="DejaVu Sans"/>
               </a:rPr>
               <a:t>Big Java</a:t>
             </a:r>
@@ -9147,6 +9381,7 @@
                   <a:srgbClr val="000000"/>
                 </a:solidFill>
                 <a:latin typeface="Arial"/>
+                <a:ea typeface="DejaVu Sans"/>
               </a:rPr>
               <a:t>, Chapter 13 </a:t>
             </a:r>
@@ -9156,127 +9391,9 @@
                   <a:srgbClr val="000000"/>
                 </a:solidFill>
                 <a:latin typeface="Arial"/>
+                <a:ea typeface="DejaVu Sans"/>
               </a:rPr>
               <a:t>Recursion.</a:t>
-            </a:r>
-            <a:endParaRPr b="0" lang="en-US" sz="2400" spc="-1" strike="noStrike">
-              <a:latin typeface="Arial"/>
-            </a:endParaRPr>
-          </a:p>
-          <a:p>
-            <a:pPr>
-              <a:lnSpc>
-                <a:spcPct val="100000"/>
-              </a:lnSpc>
-              <a:spcBef>
-                <a:spcPts val="598"/>
-              </a:spcBef>
-            </a:pPr>
-            <a:endParaRPr b="0" lang="en-US" sz="2400" spc="-1" strike="noStrike">
-              <a:latin typeface="Arial"/>
-            </a:endParaRPr>
-          </a:p>
-          <a:p>
-            <a:pPr>
-              <a:lnSpc>
-                <a:spcPct val="100000"/>
-              </a:lnSpc>
-              <a:spcBef>
-                <a:spcPts val="598"/>
-              </a:spcBef>
-            </a:pPr>
-            <a:r>
-              <a:rPr b="0" i="1" lang="en-US" sz="2400" spc="-1" strike="noStrike">
-                <a:solidFill>
-                  <a:srgbClr val="000080"/>
-                </a:solidFill>
-                <a:latin typeface="Arial"/>
-              </a:rPr>
-              <a:t>Recursion in Python</a:t>
-            </a:r>
-            <a:r>
-              <a:rPr b="0" i="1" lang="en-US" sz="2400" spc="-1" strike="noStrike">
-                <a:solidFill>
-                  <a:srgbClr val="000000"/>
-                </a:solidFill>
-                <a:latin typeface="Arial"/>
-              </a:rPr>
-              <a:t> </a:t>
-            </a:r>
-            <a:r>
-              <a:rPr b="0" lang="en-US" sz="2400" spc="-1" strike="noStrike">
-                <a:solidFill>
-                  <a:srgbClr val="000000"/>
-                </a:solidFill>
-                <a:latin typeface="Arial"/>
-              </a:rPr>
-              <a:t>on RealPython.com</a:t>
-            </a:r>
-            <a:endParaRPr b="0" lang="en-US" sz="2400" spc="-1" strike="noStrike">
-              <a:latin typeface="Arial"/>
-            </a:endParaRPr>
-          </a:p>
-          <a:p>
-            <a:pPr>
-              <a:lnSpc>
-                <a:spcPct val="100000"/>
-              </a:lnSpc>
-              <a:spcBef>
-                <a:spcPts val="598"/>
-              </a:spcBef>
-            </a:pPr>
-            <a:r>
-              <a:rPr b="0" lang="en-US" sz="2400" spc="-1" strike="noStrike">
-                <a:solidFill>
-                  <a:srgbClr val="000000"/>
-                </a:solidFill>
-                <a:latin typeface="Courier New"/>
-              </a:rPr>
-              <a:t>https://realpython.com/python-recursion/</a:t>
-            </a:r>
-            <a:endParaRPr b="0" lang="en-US" sz="2400" spc="-1" strike="noStrike">
-              <a:latin typeface="Arial"/>
-            </a:endParaRPr>
-          </a:p>
-          <a:p>
-            <a:pPr>
-              <a:lnSpc>
-                <a:spcPct val="100000"/>
-              </a:lnSpc>
-              <a:spcBef>
-                <a:spcPts val="598"/>
-              </a:spcBef>
-            </a:pPr>
-            <a:endParaRPr b="0" lang="en-US" sz="2400" spc="-1" strike="noStrike">
-              <a:latin typeface="Arial"/>
-            </a:endParaRPr>
-          </a:p>
-          <a:p>
-            <a:pPr>
-              <a:lnSpc>
-                <a:spcPct val="100000"/>
-              </a:lnSpc>
-              <a:spcBef>
-                <a:spcPts val="598"/>
-              </a:spcBef>
-            </a:pPr>
-            <a:r>
-              <a:rPr b="0" lang="en-US" sz="2400" spc="-1" strike="noStrike">
-                <a:solidFill>
-                  <a:srgbClr val="000000"/>
-                </a:solidFill>
-                <a:latin typeface="Courier New"/>
-              </a:rPr>
-              <a:t>http://codingbat.com</a:t>
-            </a:r>
-            <a:r>
-              <a:rPr b="0" lang="en-US" sz="2400" spc="-1" strike="noStrike">
-                <a:solidFill>
-                  <a:srgbClr val="000000"/>
-                </a:solidFill>
-                <a:latin typeface="Arial"/>
-              </a:rPr>
-              <a:t> - programming problems using recursion.  Recursion-1 set is easy, Recursion-2 is more challenging &amp; use backtracking. Only available for Java.</a:t>
             </a:r>
             <a:endParaRPr b="0" lang="en-US" sz="2400" spc="-1" strike="noStrike">
               <a:latin typeface="Arial"/>
@@ -9349,7 +9466,7 @@
         <p:spPr>
           <a:xfrm>
             <a:off x="611280" y="259920"/>
-            <a:ext cx="7921080" cy="864720"/>
+            <a:ext cx="7920360" cy="864000"/>
           </a:xfrm>
           <a:prstGeom prst="rect">
             <a:avLst/>
@@ -9379,6 +9496,7 @@
                   <a:srgbClr val="333399"/>
                 </a:solidFill>
                 <a:latin typeface="Arial"/>
+                <a:ea typeface="DejaVu Sans"/>
               </a:rPr>
               <a:t>What is Recursion?</a:t>
             </a:r>
@@ -9397,7 +9515,7 @@
         <p:spPr>
           <a:xfrm>
             <a:off x="611280" y="1371600"/>
-            <a:ext cx="7921080" cy="5028840"/>
+            <a:ext cx="8441280" cy="5028120"/>
           </a:xfrm>
           <a:prstGeom prst="rect">
             <a:avLst/>
@@ -9490,14 +9608,14 @@
                 <a:latin typeface="Courier New"/>
                 <a:ea typeface="Arial"/>
               </a:rPr>
-              <a:t>n! = n * (n-1)!</a:t>
+              <a:t>n! = n * (n-1)!   when n&gt;0</a:t>
             </a:r>
             <a:endParaRPr b="0" lang="en-US" sz="2400" spc="-1" strike="noStrike">
               <a:latin typeface="Arial"/>
             </a:endParaRPr>
           </a:p>
           <a:p>
-            <a:pPr>
+            <a:pPr algn="ctr">
               <a:lnSpc>
                 <a:spcPct val="100000"/>
               </a:lnSpc>
@@ -9507,37 +9625,27 @@
             </a:pPr>
             <a:r>
               <a:rPr b="0" lang="en-US" sz="2400" spc="-1" strike="noStrike">
-                <a:solidFill>
-                  <a:srgbClr val="000000"/>
-                </a:solidFill>
-                <a:latin typeface="Arial"/>
-                <a:ea typeface="Arial"/>
-              </a:rPr>
-              <a:t>n factorial is (recursively) defined using n-1 factorial.</a:t>
-            </a:r>
-            <a:endParaRPr b="0" lang="en-US" sz="2400" spc="-1" strike="noStrike">
-              <a:latin typeface="Arial"/>
-            </a:endParaRPr>
-          </a:p>
-          <a:p>
-            <a:pPr>
-              <a:lnSpc>
-                <a:spcPct val="100000"/>
-              </a:lnSpc>
-              <a:spcBef>
-                <a:spcPts val="499"/>
-              </a:spcBef>
-            </a:pPr>
-            <a:r>
-              <a:rPr b="1" lang="en-US" sz="2400" spc="-1" strike="noStrike">
                 <a:solidFill>
                   <a:srgbClr val="000000"/>
                 </a:solidFill>
                 <a:latin typeface="Courier New"/>
                 <a:ea typeface="Arial"/>
               </a:rPr>
-              <a:t>n! =</a:t>
-            </a:r>
+              <a:t>0! = 1                    </a:t>
+            </a:r>
+            <a:endParaRPr b="0" lang="en-US" sz="2400" spc="-1" strike="noStrike">
+              <a:latin typeface="Arial"/>
+            </a:endParaRPr>
+          </a:p>
+          <a:p>
+            <a:pPr>
+              <a:lnSpc>
+                <a:spcPct val="100000"/>
+              </a:lnSpc>
+              <a:spcBef>
+                <a:spcPts val="499"/>
+              </a:spcBef>
+            </a:pPr>
             <a:r>
               <a:rPr b="0" lang="en-US" sz="2400" spc="-1" strike="noStrike">
                 <a:solidFill>
@@ -9546,7 +9654,7 @@
                 <a:latin typeface="Arial"/>
                 <a:ea typeface="Arial"/>
               </a:rPr>
-              <a:t> </a:t>
+              <a:t>n factorial is (recursively) defined using n-1 factorial.</a:t>
             </a:r>
             <a:endParaRPr b="0" lang="en-US" sz="2400" spc="-1" strike="noStrike">
               <a:latin typeface="Arial"/>
@@ -9558,18 +9666,18 @@
                 <a:spcPct val="100000"/>
               </a:lnSpc>
               <a:spcBef>
-                <a:spcPts val="848"/>
-              </a:spcBef>
-            </a:pPr>
-            <a:r>
-              <a:rPr b="0" lang="en-US" sz="2400" spc="-1" strike="noStrike">
+                <a:spcPts val="499"/>
+              </a:spcBef>
+            </a:pPr>
+            <a:r>
+              <a:rPr b="1" lang="en-US" sz="2400" spc="-1" strike="noStrike">
                 <a:solidFill>
                   <a:srgbClr val="000000"/>
                 </a:solidFill>
                 <a:latin typeface="Courier New"/>
                 <a:ea typeface="Arial"/>
               </a:rPr>
-              <a:t>n *</a:t>
+              <a:t>n! = n*(n-1)!</a:t>
             </a:r>
             <a:endParaRPr b="0" lang="en-US" sz="2400" spc="-1" strike="noStrike">
               <a:latin typeface="Arial"/>
@@ -9581,7 +9689,7 @@
                 <a:spcPct val="100000"/>
               </a:lnSpc>
               <a:spcBef>
-                <a:spcPts val="848"/>
+                <a:spcPts val="499"/>
               </a:spcBef>
             </a:pPr>
             <a:r>
@@ -9592,18 +9700,31 @@
                 <a:latin typeface="Courier New"/>
                 <a:ea typeface="Arial"/>
               </a:rPr>
-              <a:t>      </a:t>
-            </a:r>
-            <a:r>
-              <a:rPr b="0" lang="en-US" sz="2400" spc="-1" strike="noStrike">
+              <a:t>       </a:t>
+            </a:r>
+            <a:r>
+              <a:rPr b="1" lang="en-US" sz="2400" spc="-1" strike="noStrike">
                 <a:solidFill>
                   <a:srgbClr val="000000"/>
                 </a:solidFill>
                 <a:latin typeface="Courier New"/>
                 <a:ea typeface="Arial"/>
               </a:rPr>
-              <a:t>(n-1)*</a:t>
-            </a:r>
+              <a:t>(n-1)! = (n-1)*(n-2)!</a:t>
+            </a:r>
+            <a:endParaRPr b="0" lang="en-US" sz="2400" spc="-1" strike="noStrike">
+              <a:latin typeface="Arial"/>
+            </a:endParaRPr>
+          </a:p>
+          <a:p>
+            <a:pPr>
+              <a:lnSpc>
+                <a:spcPct val="100000"/>
+              </a:lnSpc>
+              <a:spcBef>
+                <a:spcPts val="499"/>
+              </a:spcBef>
+            </a:pPr>
             <a:r>
               <a:rPr b="1" lang="en-US" sz="2400" spc="-1" strike="noStrike">
                 <a:solidFill>
@@ -9612,21 +9733,8 @@
                 <a:latin typeface="Courier New"/>
                 <a:ea typeface="Arial"/>
               </a:rPr>
-              <a:t> </a:t>
-            </a:r>
-            <a:endParaRPr b="0" lang="en-US" sz="2400" spc="-1" strike="noStrike">
-              <a:latin typeface="Arial"/>
-            </a:endParaRPr>
-          </a:p>
-          <a:p>
-            <a:pPr>
-              <a:lnSpc>
-                <a:spcPct val="100000"/>
-              </a:lnSpc>
-              <a:spcBef>
-                <a:spcPts val="848"/>
-              </a:spcBef>
-            </a:pPr>
+              <a:t>                      </a:t>
+            </a:r>
             <a:r>
               <a:rPr b="1" lang="en-US" sz="2400" spc="-1" strike="noStrike">
                 <a:solidFill>
@@ -9635,31 +9743,31 @@
                 <a:latin typeface="Courier New"/>
                 <a:ea typeface="Arial"/>
               </a:rPr>
-              <a:t>              </a:t>
-            </a:r>
-            <a:r>
-              <a:rPr b="0" lang="en-US" sz="2400" spc="-1" strike="noStrike">
+              <a:t>.</a:t>
+            </a:r>
+            <a:endParaRPr b="0" lang="en-US" sz="2400" spc="-1" strike="noStrike">
+              <a:latin typeface="Arial"/>
+            </a:endParaRPr>
+          </a:p>
+          <a:p>
+            <a:pPr>
+              <a:lnSpc>
+                <a:spcPct val="100000"/>
+              </a:lnSpc>
+              <a:spcBef>
+                <a:spcPts val="499"/>
+              </a:spcBef>
+            </a:pPr>
+            <a:r>
+              <a:rPr b="1" lang="en-US" sz="2400" spc="-1" strike="noStrike">
                 <a:solidFill>
                   <a:srgbClr val="000000"/>
                 </a:solidFill>
                 <a:latin typeface="Courier New"/>
                 <a:ea typeface="Arial"/>
               </a:rPr>
-              <a:t>(n-2)*</a:t>
-            </a:r>
-            <a:endParaRPr b="0" lang="en-US" sz="2400" spc="-1" strike="noStrike">
-              <a:latin typeface="Arial"/>
-            </a:endParaRPr>
-          </a:p>
-          <a:p>
-            <a:pPr>
-              <a:lnSpc>
-                <a:spcPct val="100000"/>
-              </a:lnSpc>
-              <a:spcBef>
-                <a:spcPts val="848"/>
-              </a:spcBef>
-            </a:pPr>
+              <a:t>                      </a:t>
+            </a:r>
             <a:r>
               <a:rPr b="1" lang="en-US" sz="2400" spc="-1" strike="noStrike">
                 <a:solidFill>
@@ -9668,17 +9776,30 @@
                 <a:latin typeface="Courier New"/>
                 <a:ea typeface="Arial"/>
               </a:rPr>
-              <a:t>      </a:t>
-            </a:r>
-            <a:r>
-              <a:rPr b="0" lang="en-US" sz="2400" spc="-1" strike="noStrike">
+              <a:t>.</a:t>
+            </a:r>
+            <a:endParaRPr b="0" lang="en-US" sz="2400" spc="-1" strike="noStrike">
+              <a:latin typeface="Arial"/>
+            </a:endParaRPr>
+          </a:p>
+          <a:p>
+            <a:pPr>
+              <a:lnSpc>
+                <a:spcPct val="100000"/>
+              </a:lnSpc>
+              <a:spcBef>
+                <a:spcPts val="499"/>
+              </a:spcBef>
+            </a:pPr>
+            <a:r>
+              <a:rPr b="1" lang="en-US" sz="2400" spc="-1" strike="noStrike">
                 <a:solidFill>
                   <a:srgbClr val="000000"/>
                 </a:solidFill>
                 <a:latin typeface="Courier New"/>
                 <a:ea typeface="Arial"/>
               </a:rPr>
-              <a:t>     </a:t>
+              <a:t>                      </a:t>
             </a:r>
             <a:r>
               <a:rPr b="1" lang="en-US" sz="2400" spc="-1" strike="noStrike">
@@ -9688,31 +9809,31 @@
                 <a:latin typeface="Courier New"/>
                 <a:ea typeface="Arial"/>
               </a:rPr>
-              <a:t>          </a:t>
-            </a:r>
-            <a:r>
-              <a:rPr b="0" lang="en-US" sz="2400" spc="-1" strike="noStrike">
+              <a:t>2! = 2 * 1!</a:t>
+            </a:r>
+            <a:endParaRPr b="0" lang="en-US" sz="2400" spc="-1" strike="noStrike">
+              <a:latin typeface="Arial"/>
+            </a:endParaRPr>
+          </a:p>
+          <a:p>
+            <a:pPr>
+              <a:lnSpc>
+                <a:spcPct val="100000"/>
+              </a:lnSpc>
+              <a:spcBef>
+                <a:spcPts val="499"/>
+              </a:spcBef>
+            </a:pPr>
+            <a:r>
+              <a:rPr b="1" lang="en-US" sz="2400" spc="-1" strike="noStrike">
                 <a:solidFill>
                   <a:srgbClr val="000000"/>
                 </a:solidFill>
                 <a:latin typeface="Courier New"/>
                 <a:ea typeface="Arial"/>
               </a:rPr>
-              <a:t>(n-3)*</a:t>
-            </a:r>
-            <a:endParaRPr b="0" lang="en-US" sz="2400" spc="-1" strike="noStrike">
-              <a:latin typeface="Arial"/>
-            </a:endParaRPr>
-          </a:p>
-          <a:p>
-            <a:pPr>
-              <a:lnSpc>
-                <a:spcPct val="100000"/>
-              </a:lnSpc>
-              <a:spcBef>
-                <a:spcPts val="848"/>
-              </a:spcBef>
-            </a:pPr>
+              <a:t>                               </a:t>
+            </a:r>
             <a:r>
               <a:rPr b="1" lang="en-US" sz="2400" spc="-1" strike="noStrike">
                 <a:solidFill>
@@ -9721,7 +9842,7 @@
                 <a:latin typeface="Courier New"/>
                 <a:ea typeface="Arial"/>
               </a:rPr>
-              <a:t>                             </a:t>
+              <a:t>1! = 1*0!</a:t>
             </a:r>
             <a:endParaRPr b="0" lang="en-US" sz="2400" spc="-1" strike="noStrike">
               <a:latin typeface="Arial"/>
@@ -9733,7 +9854,7 @@
                 <a:spcPct val="100000"/>
               </a:lnSpc>
               <a:spcBef>
-                <a:spcPts val="848"/>
+                <a:spcPts val="499"/>
               </a:spcBef>
             </a:pPr>
             <a:r>
@@ -9744,7 +9865,7 @@
                 <a:latin typeface="Courier New"/>
                 <a:ea typeface="Arial"/>
               </a:rPr>
-              <a:t>                                   </a:t>
+              <a:t>                                      </a:t>
             </a:r>
             <a:r>
               <a:rPr b="1" lang="en-US" sz="2400" spc="-1" strike="noStrike">
@@ -9754,567 +9875,9 @@
                 <a:latin typeface="Courier New"/>
                 <a:ea typeface="Arial"/>
               </a:rPr>
-              <a:t>= 1</a:t>
-            </a:r>
-            <a:r>
-              <a:rPr b="0" lang="en-US" sz="2400" spc="-1" strike="noStrike">
-                <a:solidFill>
-                  <a:srgbClr val="000000"/>
-                </a:solidFill>
-                <a:latin typeface="Courier New"/>
-                <a:ea typeface="Arial"/>
-              </a:rPr>
-              <a:t> </a:t>
+              <a:t>0! = 1</a:t>
             </a:r>
             <a:endParaRPr b="0" lang="en-US" sz="2400" spc="-1" strike="noStrike">
-              <a:latin typeface="Arial"/>
-            </a:endParaRPr>
-          </a:p>
-        </p:txBody>
-      </p:sp>
-      <p:sp>
-        <p:nvSpPr>
-          <p:cNvPr id="99" name="CustomShape 3"/>
-          <p:cNvSpPr/>
-          <p:nvPr/>
-        </p:nvSpPr>
-        <p:spPr>
-          <a:xfrm>
-            <a:off x="1546200" y="3749760"/>
-            <a:ext cx="274320" cy="2285640"/>
-          </a:xfrm>
-          <a:custGeom>
-            <a:avLst/>
-            <a:gdLst/>
-            <a:ahLst/>
-            <a:rect l="l" t="t" r="r" b="b"/>
-            <a:pathLst>
-              <a:path w="765" h="6352">
-                <a:moveTo>
-                  <a:pt x="764" y="0"/>
-                </a:moveTo>
-                <a:cubicBezTo>
-                  <a:pt x="573" y="0"/>
-                  <a:pt x="382" y="264"/>
-                  <a:pt x="382" y="529"/>
-                </a:cubicBezTo>
-                <a:lnTo>
-                  <a:pt x="382" y="2646"/>
-                </a:lnTo>
-                <a:cubicBezTo>
-                  <a:pt x="382" y="2910"/>
-                  <a:pt x="191" y="3175"/>
-                  <a:pt x="0" y="3175"/>
-                </a:cubicBezTo>
-                <a:cubicBezTo>
-                  <a:pt x="191" y="3175"/>
-                  <a:pt x="382" y="3440"/>
-                  <a:pt x="382" y="3704"/>
-                </a:cubicBezTo>
-                <a:lnTo>
-                  <a:pt x="382" y="5821"/>
-                </a:lnTo>
-                <a:cubicBezTo>
-                  <a:pt x="382" y="6086"/>
-                  <a:pt x="573" y="6351"/>
-                  <a:pt x="764" y="6351"/>
-                </a:cubicBezTo>
-              </a:path>
-            </a:pathLst>
-          </a:custGeom>
-          <a:noFill/>
-          <a:ln w="9360">
-            <a:solidFill>
-              <a:srgbClr val="3465a4"/>
-            </a:solidFill>
-            <a:round/>
-          </a:ln>
-        </p:spPr>
-        <p:style>
-          <a:lnRef idx="0"/>
-          <a:fillRef idx="0"/>
-          <a:effectRef idx="0"/>
-          <a:fontRef idx="minor"/>
-        </p:style>
-      </p:sp>
-      <p:sp>
-        <p:nvSpPr>
-          <p:cNvPr id="100" name="CustomShape 4"/>
-          <p:cNvSpPr/>
-          <p:nvPr/>
-        </p:nvSpPr>
-        <p:spPr>
-          <a:xfrm>
-            <a:off x="2959200" y="4206960"/>
-            <a:ext cx="274320" cy="1920600"/>
-          </a:xfrm>
-          <a:custGeom>
-            <a:avLst/>
-            <a:gdLst/>
-            <a:ahLst/>
-            <a:rect l="l" t="t" r="r" b="b"/>
-            <a:pathLst>
-              <a:path w="765" h="5338">
-                <a:moveTo>
-                  <a:pt x="764" y="0"/>
-                </a:moveTo>
-                <a:cubicBezTo>
-                  <a:pt x="573" y="0"/>
-                  <a:pt x="382" y="222"/>
-                  <a:pt x="382" y="444"/>
-                </a:cubicBezTo>
-                <a:lnTo>
-                  <a:pt x="382" y="2223"/>
-                </a:lnTo>
-                <a:cubicBezTo>
-                  <a:pt x="382" y="2446"/>
-                  <a:pt x="191" y="2668"/>
-                  <a:pt x="0" y="2668"/>
-                </a:cubicBezTo>
-                <a:cubicBezTo>
-                  <a:pt x="191" y="2668"/>
-                  <a:pt x="382" y="2890"/>
-                  <a:pt x="382" y="3113"/>
-                </a:cubicBezTo>
-                <a:lnTo>
-                  <a:pt x="382" y="4892"/>
-                </a:lnTo>
-                <a:cubicBezTo>
-                  <a:pt x="382" y="5114"/>
-                  <a:pt x="573" y="5337"/>
-                  <a:pt x="764" y="5337"/>
-                </a:cubicBezTo>
-              </a:path>
-            </a:pathLst>
-          </a:custGeom>
-          <a:noFill/>
-          <a:ln w="9360">
-            <a:solidFill>
-              <a:srgbClr val="3465a4"/>
-            </a:solidFill>
-            <a:round/>
-          </a:ln>
-        </p:spPr>
-        <p:style>
-          <a:lnRef idx="0"/>
-          <a:fillRef idx="0"/>
-          <a:effectRef idx="0"/>
-          <a:fontRef idx="minor"/>
-        </p:style>
-      </p:sp>
-      <p:sp>
-        <p:nvSpPr>
-          <p:cNvPr id="101" name="CustomShape 5"/>
-          <p:cNvSpPr/>
-          <p:nvPr/>
-        </p:nvSpPr>
-        <p:spPr>
-          <a:xfrm>
-            <a:off x="4389480" y="4664160"/>
-            <a:ext cx="274320" cy="1371240"/>
-          </a:xfrm>
-          <a:custGeom>
-            <a:avLst/>
-            <a:gdLst/>
-            <a:ahLst/>
-            <a:rect l="l" t="t" r="r" b="b"/>
-            <a:pathLst>
-              <a:path w="765" h="3812">
-                <a:moveTo>
-                  <a:pt x="764" y="0"/>
-                </a:moveTo>
-                <a:cubicBezTo>
-                  <a:pt x="573" y="0"/>
-                  <a:pt x="382" y="158"/>
-                  <a:pt x="382" y="317"/>
-                </a:cubicBezTo>
-                <a:lnTo>
-                  <a:pt x="382" y="1587"/>
-                </a:lnTo>
-                <a:cubicBezTo>
-                  <a:pt x="382" y="1746"/>
-                  <a:pt x="191" y="1905"/>
-                  <a:pt x="0" y="1905"/>
-                </a:cubicBezTo>
-                <a:cubicBezTo>
-                  <a:pt x="191" y="1905"/>
-                  <a:pt x="382" y="2064"/>
-                  <a:pt x="382" y="2223"/>
-                </a:cubicBezTo>
-                <a:lnTo>
-                  <a:pt x="382" y="3493"/>
-                </a:lnTo>
-                <a:cubicBezTo>
-                  <a:pt x="382" y="3652"/>
-                  <a:pt x="573" y="3811"/>
-                  <a:pt x="764" y="3811"/>
-                </a:cubicBezTo>
-              </a:path>
-            </a:pathLst>
-          </a:custGeom>
-          <a:noFill/>
-          <a:ln w="9360">
-            <a:solidFill>
-              <a:srgbClr val="3465a4"/>
-            </a:solidFill>
-            <a:round/>
-          </a:ln>
-        </p:spPr>
-        <p:style>
-          <a:lnRef idx="0"/>
-          <a:fillRef idx="0"/>
-          <a:effectRef idx="0"/>
-          <a:fontRef idx="minor"/>
-        </p:style>
-      </p:sp>
-      <p:sp>
-        <p:nvSpPr>
-          <p:cNvPr id="102" name="CustomShape 6"/>
-          <p:cNvSpPr/>
-          <p:nvPr/>
-        </p:nvSpPr>
-        <p:spPr>
-          <a:xfrm>
-            <a:off x="6675480" y="5486400"/>
-            <a:ext cx="274320" cy="639360"/>
-          </a:xfrm>
-          <a:custGeom>
-            <a:avLst/>
-            <a:gdLst/>
-            <a:ahLst/>
-            <a:rect l="l" t="t" r="r" b="b"/>
-            <a:pathLst>
-              <a:path w="765" h="1779">
-                <a:moveTo>
-                  <a:pt x="764" y="0"/>
-                </a:moveTo>
-                <a:cubicBezTo>
-                  <a:pt x="573" y="0"/>
-                  <a:pt x="382" y="74"/>
-                  <a:pt x="382" y="148"/>
-                </a:cubicBezTo>
-                <a:lnTo>
-                  <a:pt x="382" y="740"/>
-                </a:lnTo>
-                <a:cubicBezTo>
-                  <a:pt x="382" y="814"/>
-                  <a:pt x="191" y="889"/>
-                  <a:pt x="0" y="889"/>
-                </a:cubicBezTo>
-                <a:cubicBezTo>
-                  <a:pt x="191" y="889"/>
-                  <a:pt x="382" y="963"/>
-                  <a:pt x="382" y="1037"/>
-                </a:cubicBezTo>
-                <a:lnTo>
-                  <a:pt x="382" y="1629"/>
-                </a:lnTo>
-                <a:cubicBezTo>
-                  <a:pt x="382" y="1703"/>
-                  <a:pt x="573" y="1778"/>
-                  <a:pt x="764" y="1778"/>
-                </a:cubicBezTo>
-              </a:path>
-            </a:pathLst>
-          </a:custGeom>
-          <a:noFill/>
-          <a:ln w="9360">
-            <a:solidFill>
-              <a:srgbClr val="3465a4"/>
-            </a:solidFill>
-            <a:round/>
-          </a:ln>
-        </p:spPr>
-        <p:style>
-          <a:lnRef idx="0"/>
-          <a:fillRef idx="0"/>
-          <a:effectRef idx="0"/>
-          <a:fontRef idx="minor"/>
-        </p:style>
-      </p:sp>
-      <p:sp>
-        <p:nvSpPr>
-          <p:cNvPr id="103" name="CustomShape 7"/>
-          <p:cNvSpPr/>
-          <p:nvPr/>
-        </p:nvSpPr>
-        <p:spPr>
-          <a:xfrm>
-            <a:off x="449280" y="4664160"/>
-            <a:ext cx="1196640" cy="456840"/>
-          </a:xfrm>
-          <a:custGeom>
-            <a:avLst/>
-            <a:gdLst/>
-            <a:ahLst/>
-            <a:rect l="l" t="t" r="r" b="b"/>
-            <a:pathLst>
-              <a:path w="21600" h="21600">
-                <a:moveTo>
-                  <a:pt x="0" y="0"/>
-                </a:moveTo>
-                <a:lnTo>
-                  <a:pt x="21600" y="0"/>
-                </a:lnTo>
-                <a:lnTo>
-                  <a:pt x="21600" y="21600"/>
-                </a:lnTo>
-                <a:lnTo>
-                  <a:pt x="0" y="21600"/>
-                </a:lnTo>
-                <a:lnTo>
-                  <a:pt x="0" y="0"/>
-                </a:lnTo>
-                <a:close/>
-              </a:path>
-            </a:pathLst>
-          </a:custGeom>
-          <a:noFill/>
-          <a:ln>
-            <a:noFill/>
-          </a:ln>
-        </p:spPr>
-        <p:style>
-          <a:lnRef idx="0"/>
-          <a:fillRef idx="0"/>
-          <a:effectRef idx="0"/>
-          <a:fontRef idx="minor"/>
-        </p:style>
-        <p:txBody>
-          <a:bodyPr lIns="90000" rIns="90000" tIns="45000" bIns="45000"/>
-          <a:p>
-            <a:pPr>
-              <a:lnSpc>
-                <a:spcPct val="100000"/>
-              </a:lnSpc>
-            </a:pPr>
-            <a:r>
-              <a:rPr b="1" lang="en-US" sz="2200" spc="-1" strike="noStrike">
-                <a:solidFill>
-                  <a:srgbClr val="000000"/>
-                </a:solidFill>
-                <a:latin typeface="Courier New"/>
-                <a:ea typeface="DejaVu Sans"/>
-              </a:rPr>
-              <a:t>(n-1)!</a:t>
-            </a:r>
-            <a:endParaRPr b="1" lang="en-US" sz="2200" spc="-1" strike="noStrike">
-              <a:latin typeface="Arial"/>
-            </a:endParaRPr>
-          </a:p>
-        </p:txBody>
-      </p:sp>
-      <p:sp>
-        <p:nvSpPr>
-          <p:cNvPr id="104" name="CustomShape 8"/>
-          <p:cNvSpPr/>
-          <p:nvPr/>
-        </p:nvSpPr>
-        <p:spPr>
-          <a:xfrm>
-            <a:off x="1892160" y="4937040"/>
-            <a:ext cx="1096920" cy="456840"/>
-          </a:xfrm>
-          <a:custGeom>
-            <a:avLst/>
-            <a:gdLst/>
-            <a:ahLst/>
-            <a:rect l="l" t="t" r="r" b="b"/>
-            <a:pathLst>
-              <a:path w="21600" h="21600">
-                <a:moveTo>
-                  <a:pt x="0" y="0"/>
-                </a:moveTo>
-                <a:lnTo>
-                  <a:pt x="21600" y="0"/>
-                </a:lnTo>
-                <a:lnTo>
-                  <a:pt x="21600" y="21600"/>
-                </a:lnTo>
-                <a:lnTo>
-                  <a:pt x="0" y="21600"/>
-                </a:lnTo>
-                <a:lnTo>
-                  <a:pt x="0" y="0"/>
-                </a:lnTo>
-                <a:close/>
-              </a:path>
-            </a:pathLst>
-          </a:custGeom>
-          <a:noFill/>
-          <a:ln>
-            <a:noFill/>
-          </a:ln>
-        </p:spPr>
-        <p:style>
-          <a:lnRef idx="0"/>
-          <a:fillRef idx="0"/>
-          <a:effectRef idx="0"/>
-          <a:fontRef idx="minor"/>
-        </p:style>
-        <p:txBody>
-          <a:bodyPr lIns="90000" rIns="90000" tIns="45000" bIns="45000"/>
-          <a:p>
-            <a:pPr>
-              <a:lnSpc>
-                <a:spcPct val="100000"/>
-              </a:lnSpc>
-            </a:pPr>
-            <a:r>
-              <a:rPr b="1" lang="en-US" sz="2000" spc="-1" strike="noStrike">
-                <a:solidFill>
-                  <a:srgbClr val="000000"/>
-                </a:solidFill>
-                <a:latin typeface="Courier New"/>
-                <a:ea typeface="DejaVu Sans"/>
-              </a:rPr>
-              <a:t>(n-2)!</a:t>
-            </a:r>
-            <a:endParaRPr b="1" lang="en-US" sz="2000" spc="-1" strike="noStrike">
-              <a:latin typeface="Arial"/>
-            </a:endParaRPr>
-          </a:p>
-        </p:txBody>
-      </p:sp>
-      <p:sp>
-        <p:nvSpPr>
-          <p:cNvPr id="105" name="CustomShape 9"/>
-          <p:cNvSpPr/>
-          <p:nvPr/>
-        </p:nvSpPr>
-        <p:spPr>
-          <a:xfrm>
-            <a:off x="3413160" y="5121360"/>
-            <a:ext cx="1096560" cy="456840"/>
-          </a:xfrm>
-          <a:custGeom>
-            <a:avLst/>
-            <a:gdLst/>
-            <a:ahLst/>
-            <a:rect l="l" t="t" r="r" b="b"/>
-            <a:pathLst>
-              <a:path w="21600" h="21600">
-                <a:moveTo>
-                  <a:pt x="0" y="0"/>
-                </a:moveTo>
-                <a:lnTo>
-                  <a:pt x="21600" y="0"/>
-                </a:lnTo>
-                <a:lnTo>
-                  <a:pt x="21600" y="21600"/>
-                </a:lnTo>
-                <a:lnTo>
-                  <a:pt x="0" y="21600"/>
-                </a:lnTo>
-                <a:lnTo>
-                  <a:pt x="0" y="0"/>
-                </a:lnTo>
-                <a:close/>
-              </a:path>
-            </a:pathLst>
-          </a:custGeom>
-          <a:noFill/>
-          <a:ln>
-            <a:noFill/>
-          </a:ln>
-        </p:spPr>
-        <p:style>
-          <a:lnRef idx="0"/>
-          <a:fillRef idx="0"/>
-          <a:effectRef idx="0"/>
-          <a:fontRef idx="minor"/>
-        </p:style>
-        <p:txBody>
-          <a:bodyPr lIns="90000" rIns="90000" tIns="45000" bIns="45000"/>
-          <a:p>
-            <a:pPr>
-              <a:lnSpc>
-                <a:spcPct val="100000"/>
-              </a:lnSpc>
-            </a:pPr>
-            <a:r>
-              <a:rPr b="1" lang="en-US" sz="2000" spc="-1" strike="noStrike">
-                <a:solidFill>
-                  <a:srgbClr val="000000"/>
-                </a:solidFill>
-                <a:latin typeface="Courier New"/>
-                <a:ea typeface="DejaVu Sans"/>
-              </a:rPr>
-              <a:t>(n-3)!</a:t>
-            </a:r>
-            <a:endParaRPr b="0" lang="en-US" sz="2000" spc="-1" strike="noStrike">
-              <a:latin typeface="Arial"/>
-            </a:endParaRPr>
-          </a:p>
-        </p:txBody>
-      </p:sp>
-      <p:sp>
-        <p:nvSpPr>
-          <p:cNvPr id="106" name="CustomShape 10"/>
-          <p:cNvSpPr/>
-          <p:nvPr/>
-        </p:nvSpPr>
-        <p:spPr>
-          <a:xfrm>
-            <a:off x="5810400" y="5669280"/>
-            <a:ext cx="914040" cy="457200"/>
-          </a:xfrm>
-          <a:custGeom>
-            <a:avLst/>
-            <a:gdLst/>
-            <a:ahLst/>
-            <a:rect l="l" t="t" r="r" b="b"/>
-            <a:pathLst>
-              <a:path w="21600" h="21600">
-                <a:moveTo>
-                  <a:pt x="0" y="0"/>
-                </a:moveTo>
-                <a:lnTo>
-                  <a:pt x="21600" y="0"/>
-                </a:lnTo>
-                <a:lnTo>
-                  <a:pt x="21600" y="21600"/>
-                </a:lnTo>
-                <a:lnTo>
-                  <a:pt x="0" y="21600"/>
-                </a:lnTo>
-                <a:lnTo>
-                  <a:pt x="0" y="0"/>
-                </a:lnTo>
-                <a:close/>
-              </a:path>
-            </a:pathLst>
-          </a:custGeom>
-          <a:noFill/>
-          <a:ln>
-            <a:noFill/>
-          </a:ln>
-        </p:spPr>
-        <p:style>
-          <a:lnRef idx="0"/>
-          <a:fillRef idx="0"/>
-          <a:effectRef idx="0"/>
-          <a:fontRef idx="minor"/>
-        </p:style>
-        <p:txBody>
-          <a:bodyPr lIns="90000" rIns="90000" tIns="45000" bIns="45000"/>
-          <a:p>
-            <a:pPr algn="r">
-              <a:lnSpc>
-                <a:spcPct val="100000"/>
-              </a:lnSpc>
-            </a:pPr>
-            <a:r>
-              <a:rPr b="1" lang="en-US" sz="2000" spc="-1" strike="noStrike">
-                <a:solidFill>
-                  <a:srgbClr val="000000"/>
-                </a:solidFill>
-                <a:latin typeface="Courier New"/>
-                <a:ea typeface="DejaVu Sans"/>
-              </a:rPr>
-              <a:t>(1)!</a:t>
-            </a:r>
-            <a:endParaRPr b="1" lang="en-US" sz="2000" spc="-1" strike="noStrike">
               <a:latin typeface="Arial"/>
             </a:endParaRPr>
           </a:p>
@@ -10378,14 +9941,14 @@
       </p:grpSpPr>
       <p:sp>
         <p:nvSpPr>
-          <p:cNvPr id="107" name="CustomShape 1"/>
+          <p:cNvPr id="99" name="CustomShape 1"/>
           <p:cNvSpPr/>
           <p:nvPr/>
         </p:nvSpPr>
         <p:spPr>
           <a:xfrm>
             <a:off x="611280" y="259920"/>
-            <a:ext cx="7921080" cy="864720"/>
+            <a:ext cx="7920360" cy="864000"/>
           </a:xfrm>
           <a:prstGeom prst="rect">
             <a:avLst/>
@@ -10415,6 +9978,7 @@
                   <a:srgbClr val="333399"/>
                 </a:solidFill>
                 <a:latin typeface="Arial"/>
+                <a:ea typeface="DejaVu Sans"/>
               </a:rPr>
               <a:t>Recursive factorial(n)</a:t>
             </a:r>
@@ -10426,14 +9990,14 @@
       </p:sp>
       <p:sp>
         <p:nvSpPr>
-          <p:cNvPr id="108" name="CustomShape 2"/>
+          <p:cNvPr id="100" name="CustomShape 2"/>
           <p:cNvSpPr/>
           <p:nvPr/>
         </p:nvSpPr>
         <p:spPr>
           <a:xfrm>
             <a:off x="674280" y="1391760"/>
-            <a:ext cx="7921440" cy="1077840"/>
+            <a:ext cx="7920720" cy="1077120"/>
           </a:xfrm>
           <a:prstGeom prst="rect">
             <a:avLst/>
@@ -10480,14 +10044,14 @@
       </p:sp>
       <p:sp>
         <p:nvSpPr>
-          <p:cNvPr id="109" name="CustomShape 3"/>
+          <p:cNvPr id="101" name="CustomShape 3"/>
           <p:cNvSpPr/>
           <p:nvPr/>
         </p:nvSpPr>
         <p:spPr>
           <a:xfrm>
             <a:off x="674640" y="2468520"/>
-            <a:ext cx="7679880" cy="1622520"/>
+            <a:ext cx="7679160" cy="1621800"/>
           </a:xfrm>
           <a:custGeom>
             <a:avLst/>
@@ -10657,14 +10221,14 @@
       </p:sp>
       <p:sp>
         <p:nvSpPr>
-          <p:cNvPr id="110" name="CustomShape 4"/>
+          <p:cNvPr id="102" name="CustomShape 4"/>
           <p:cNvSpPr/>
           <p:nvPr/>
         </p:nvSpPr>
         <p:spPr>
           <a:xfrm>
             <a:off x="582480" y="4754520"/>
-            <a:ext cx="7921440" cy="950760"/>
+            <a:ext cx="7920720" cy="950040"/>
           </a:xfrm>
           <a:prstGeom prst="rect">
             <a:avLst/>
@@ -10776,14 +10340,14 @@
       </p:grpSpPr>
       <p:sp>
         <p:nvSpPr>
-          <p:cNvPr id="111" name="CustomShape 1"/>
+          <p:cNvPr id="103" name="CustomShape 1"/>
           <p:cNvSpPr/>
           <p:nvPr/>
         </p:nvSpPr>
         <p:spPr>
           <a:xfrm>
             <a:off x="611280" y="259920"/>
-            <a:ext cx="7921080" cy="864720"/>
+            <a:ext cx="7920360" cy="864000"/>
           </a:xfrm>
           <a:prstGeom prst="rect">
             <a:avLst/>
@@ -10813,6 +10377,7 @@
                   <a:srgbClr val="333399"/>
                 </a:solidFill>
                 <a:latin typeface="Arial"/>
+                <a:ea typeface="DejaVu Sans"/>
               </a:rPr>
               <a:t>factorial(n) execution trace</a:t>
             </a:r>
@@ -10824,14 +10389,14 @@
       </p:sp>
       <p:sp>
         <p:nvSpPr>
-          <p:cNvPr id="112" name="CustomShape 2"/>
+          <p:cNvPr id="104" name="CustomShape 2"/>
           <p:cNvSpPr/>
           <p:nvPr/>
         </p:nvSpPr>
         <p:spPr>
           <a:xfrm>
             <a:off x="552600" y="1492200"/>
-            <a:ext cx="3531600" cy="336960"/>
+            <a:ext cx="3530880" cy="336240"/>
           </a:xfrm>
           <a:custGeom>
             <a:avLst/>
@@ -10902,14 +10467,14 @@
       </p:sp>
       <p:sp>
         <p:nvSpPr>
-          <p:cNvPr id="113" name="CustomShape 3"/>
+          <p:cNvPr id="105" name="CustomShape 3"/>
           <p:cNvSpPr/>
           <p:nvPr/>
         </p:nvSpPr>
         <p:spPr>
           <a:xfrm>
             <a:off x="1468440" y="2219400"/>
-            <a:ext cx="3531960" cy="874080"/>
+            <a:ext cx="3531240" cy="873360"/>
           </a:xfrm>
           <a:custGeom>
             <a:avLst/>
@@ -11056,14 +10621,14 @@
       </p:sp>
       <p:sp>
         <p:nvSpPr>
-          <p:cNvPr id="114" name="CustomShape 4"/>
+          <p:cNvPr id="106" name="CustomShape 4"/>
           <p:cNvSpPr/>
           <p:nvPr/>
         </p:nvSpPr>
         <p:spPr>
           <a:xfrm>
             <a:off x="2952720" y="3408480"/>
-            <a:ext cx="3531960" cy="874080"/>
+            <a:ext cx="3531240" cy="873360"/>
           </a:xfrm>
           <a:custGeom>
             <a:avLst/>
@@ -11210,14 +10775,14 @@
       </p:sp>
       <p:sp>
         <p:nvSpPr>
-          <p:cNvPr id="115" name="CustomShape 5"/>
+          <p:cNvPr id="107" name="CustomShape 5"/>
           <p:cNvSpPr/>
           <p:nvPr/>
         </p:nvSpPr>
         <p:spPr>
           <a:xfrm>
             <a:off x="4013280" y="4530600"/>
-            <a:ext cx="3531600" cy="874080"/>
+            <a:ext cx="3530880" cy="873360"/>
           </a:xfrm>
           <a:custGeom>
             <a:avLst/>
@@ -11364,14 +10929,14 @@
       </p:sp>
       <p:sp>
         <p:nvSpPr>
-          <p:cNvPr id="116" name="CustomShape 6"/>
+          <p:cNvPr id="108" name="CustomShape 6"/>
           <p:cNvSpPr/>
           <p:nvPr/>
         </p:nvSpPr>
         <p:spPr>
           <a:xfrm>
             <a:off x="4818240" y="5702400"/>
-            <a:ext cx="3531600" cy="874080"/>
+            <a:ext cx="3530880" cy="873360"/>
           </a:xfrm>
           <a:custGeom>
             <a:avLst/>
@@ -11498,7 +11063,7 @@
       </p:sp>
       <p:sp>
         <p:nvSpPr>
-          <p:cNvPr id="117" name="Line 7"/>
+          <p:cNvPr id="109" name="Line 7"/>
           <p:cNvSpPr/>
           <p:nvPr/>
         </p:nvSpPr>
@@ -11527,7 +11092,7 @@
       </p:sp>
       <p:sp>
         <p:nvSpPr>
-          <p:cNvPr id="118" name="Line 8"/>
+          <p:cNvPr id="110" name="Line 8"/>
           <p:cNvSpPr/>
           <p:nvPr/>
         </p:nvSpPr>
@@ -11556,7 +11121,7 @@
       </p:sp>
       <p:sp>
         <p:nvSpPr>
-          <p:cNvPr id="119" name="Line 9"/>
+          <p:cNvPr id="111" name="Line 9"/>
           <p:cNvSpPr/>
           <p:nvPr/>
         </p:nvSpPr>
@@ -11585,7 +11150,7 @@
       </p:sp>
       <p:sp>
         <p:nvSpPr>
-          <p:cNvPr id="120" name="Line 10"/>
+          <p:cNvPr id="112" name="Line 10"/>
           <p:cNvSpPr/>
           <p:nvPr/>
         </p:nvSpPr>
@@ -11614,14 +11179,14 @@
       </p:sp>
       <p:sp>
         <p:nvSpPr>
-          <p:cNvPr id="121" name="CustomShape 11"/>
+          <p:cNvPr id="113" name="CustomShape 11"/>
           <p:cNvSpPr/>
           <p:nvPr/>
         </p:nvSpPr>
         <p:spPr>
           <a:xfrm>
             <a:off x="1704960" y="1828800"/>
-            <a:ext cx="887040" cy="367920"/>
+            <a:ext cx="886320" cy="367200"/>
           </a:xfrm>
           <a:custGeom>
             <a:avLst/>
@@ -11689,14 +11254,14 @@
       </p:sp>
       <p:sp>
         <p:nvSpPr>
-          <p:cNvPr id="122" name="CustomShape 12"/>
+          <p:cNvPr id="114" name="CustomShape 12"/>
           <p:cNvSpPr/>
           <p:nvPr/>
         </p:nvSpPr>
         <p:spPr>
           <a:xfrm>
             <a:off x="2952720" y="3040200"/>
-            <a:ext cx="887040" cy="367920"/>
+            <a:ext cx="886320" cy="367200"/>
           </a:xfrm>
           <a:custGeom>
             <a:avLst/>
@@ -11764,14 +11329,14 @@
       </p:sp>
       <p:sp>
         <p:nvSpPr>
-          <p:cNvPr id="123" name="CustomShape 13"/>
+          <p:cNvPr id="115" name="CustomShape 13"/>
           <p:cNvSpPr/>
           <p:nvPr/>
         </p:nvSpPr>
         <p:spPr>
           <a:xfrm>
             <a:off x="4206960" y="4206960"/>
-            <a:ext cx="887040" cy="367920"/>
+            <a:ext cx="886320" cy="367200"/>
           </a:xfrm>
           <a:custGeom>
             <a:avLst/>
@@ -11895,14 +11460,14 @@
       </p:grpSpPr>
       <p:sp>
         <p:nvSpPr>
-          <p:cNvPr id="124" name="CustomShape 1"/>
+          <p:cNvPr id="116" name="CustomShape 1"/>
           <p:cNvSpPr/>
           <p:nvPr/>
         </p:nvSpPr>
         <p:spPr>
           <a:xfrm>
             <a:off x="611280" y="259920"/>
-            <a:ext cx="7921080" cy="864720"/>
+            <a:ext cx="7920360" cy="864000"/>
           </a:xfrm>
           <a:prstGeom prst="rect">
             <a:avLst/>
@@ -11932,6 +11497,7 @@
                   <a:srgbClr val="333399"/>
                 </a:solidFill>
                 <a:latin typeface="Arial"/>
+                <a:ea typeface="DejaVu Sans"/>
               </a:rPr>
               <a:t>factorial(n) return trace</a:t>
             </a:r>
@@ -11943,14 +11509,14 @@
       </p:sp>
       <p:sp>
         <p:nvSpPr>
-          <p:cNvPr id="125" name="CustomShape 2"/>
+          <p:cNvPr id="117" name="CustomShape 2"/>
           <p:cNvSpPr/>
           <p:nvPr/>
         </p:nvSpPr>
         <p:spPr>
           <a:xfrm>
             <a:off x="552600" y="1492200"/>
-            <a:ext cx="3531600" cy="336960"/>
+            <a:ext cx="3530880" cy="336240"/>
           </a:xfrm>
           <a:custGeom>
             <a:avLst/>
@@ -12021,14 +11587,14 @@
       </p:sp>
       <p:sp>
         <p:nvSpPr>
-          <p:cNvPr id="126" name="CustomShape 3"/>
+          <p:cNvPr id="118" name="CustomShape 3"/>
           <p:cNvSpPr/>
           <p:nvPr/>
         </p:nvSpPr>
         <p:spPr>
           <a:xfrm>
             <a:off x="1468440" y="2219400"/>
-            <a:ext cx="3531960" cy="874080"/>
+            <a:ext cx="3531240" cy="873360"/>
           </a:xfrm>
           <a:custGeom>
             <a:avLst/>
@@ -12155,14 +11721,14 @@
       </p:sp>
       <p:sp>
         <p:nvSpPr>
-          <p:cNvPr id="127" name="CustomShape 4"/>
+          <p:cNvPr id="119" name="CustomShape 4"/>
           <p:cNvSpPr/>
           <p:nvPr/>
         </p:nvSpPr>
         <p:spPr>
           <a:xfrm>
             <a:off x="2952720" y="3408480"/>
-            <a:ext cx="3531960" cy="874080"/>
+            <a:ext cx="3531240" cy="873360"/>
           </a:xfrm>
           <a:custGeom>
             <a:avLst/>
@@ -12289,14 +11855,14 @@
       </p:sp>
       <p:sp>
         <p:nvSpPr>
-          <p:cNvPr id="128" name="CustomShape 5"/>
+          <p:cNvPr id="120" name="CustomShape 5"/>
           <p:cNvSpPr/>
           <p:nvPr/>
         </p:nvSpPr>
         <p:spPr>
           <a:xfrm>
             <a:off x="4013280" y="4530600"/>
-            <a:ext cx="3531600" cy="874080"/>
+            <a:ext cx="3530880" cy="873360"/>
           </a:xfrm>
           <a:custGeom>
             <a:avLst/>
@@ -12423,14 +11989,14 @@
       </p:sp>
       <p:sp>
         <p:nvSpPr>
-          <p:cNvPr id="129" name="CustomShape 6"/>
+          <p:cNvPr id="121" name="CustomShape 6"/>
           <p:cNvSpPr/>
           <p:nvPr/>
         </p:nvSpPr>
         <p:spPr>
           <a:xfrm>
             <a:off x="4818240" y="5702400"/>
-            <a:ext cx="3531600" cy="874080"/>
+            <a:ext cx="3530880" cy="873360"/>
           </a:xfrm>
           <a:custGeom>
             <a:avLst/>
@@ -12557,7 +12123,7 @@
       </p:sp>
       <p:sp>
         <p:nvSpPr>
-          <p:cNvPr id="130" name="Line 7"/>
+          <p:cNvPr id="122" name="Line 7"/>
           <p:cNvSpPr/>
           <p:nvPr/>
         </p:nvSpPr>
@@ -12586,7 +12152,7 @@
       </p:sp>
       <p:sp>
         <p:nvSpPr>
-          <p:cNvPr id="131" name="Line 8"/>
+          <p:cNvPr id="123" name="Line 8"/>
           <p:cNvSpPr/>
           <p:nvPr/>
         </p:nvSpPr>
@@ -12615,7 +12181,7 @@
       </p:sp>
       <p:sp>
         <p:nvSpPr>
-          <p:cNvPr id="132" name="Line 9"/>
+          <p:cNvPr id="124" name="Line 9"/>
           <p:cNvSpPr/>
           <p:nvPr/>
         </p:nvSpPr>
@@ -12644,7 +12210,7 @@
       </p:sp>
       <p:sp>
         <p:nvSpPr>
-          <p:cNvPr id="133" name="Line 10"/>
+          <p:cNvPr id="125" name="Line 10"/>
           <p:cNvSpPr/>
           <p:nvPr/>
         </p:nvSpPr>
@@ -12673,7 +12239,7 @@
       </p:sp>
       <p:sp>
         <p:nvSpPr>
-          <p:cNvPr id="134" name="Line 11"/>
+          <p:cNvPr id="126" name="Line 11"/>
           <p:cNvSpPr/>
           <p:nvPr/>
         </p:nvSpPr>
@@ -12702,14 +12268,14 @@
       </p:sp>
       <p:sp>
         <p:nvSpPr>
-          <p:cNvPr id="135" name="CustomShape 12"/>
+          <p:cNvPr id="127" name="CustomShape 12"/>
           <p:cNvSpPr/>
           <p:nvPr/>
         </p:nvSpPr>
         <p:spPr>
           <a:xfrm>
             <a:off x="6897600" y="5402160"/>
-            <a:ext cx="2347560" cy="367920"/>
+            <a:ext cx="2346840" cy="367200"/>
           </a:xfrm>
           <a:custGeom>
             <a:avLst/>
@@ -12777,7 +12343,7 @@
       </p:sp>
       <p:sp>
         <p:nvSpPr>
-          <p:cNvPr id="136" name="Line 13"/>
+          <p:cNvPr id="128" name="Line 13"/>
           <p:cNvSpPr/>
           <p:nvPr/>
         </p:nvSpPr>
@@ -12806,14 +12372,14 @@
       </p:sp>
       <p:sp>
         <p:nvSpPr>
-          <p:cNvPr id="137" name="CustomShape 14"/>
+          <p:cNvPr id="129" name="CustomShape 14"/>
           <p:cNvSpPr/>
           <p:nvPr/>
         </p:nvSpPr>
         <p:spPr>
           <a:xfrm>
             <a:off x="6037200" y="4237200"/>
-            <a:ext cx="1858680" cy="367920"/>
+            <a:ext cx="1857960" cy="367200"/>
           </a:xfrm>
           <a:custGeom>
             <a:avLst/>
@@ -12881,7 +12447,7 @@
       </p:sp>
       <p:sp>
         <p:nvSpPr>
-          <p:cNvPr id="138" name="Line 15"/>
+          <p:cNvPr id="130" name="Line 15"/>
           <p:cNvSpPr/>
           <p:nvPr/>
         </p:nvSpPr>
@@ -12910,14 +12476,14 @@
       </p:sp>
       <p:sp>
         <p:nvSpPr>
-          <p:cNvPr id="139" name="CustomShape 16"/>
+          <p:cNvPr id="131" name="CustomShape 16"/>
           <p:cNvSpPr/>
           <p:nvPr/>
         </p:nvSpPr>
         <p:spPr>
           <a:xfrm>
             <a:off x="4788000" y="3063960"/>
-            <a:ext cx="1814040" cy="367920"/>
+            <a:ext cx="1813320" cy="367200"/>
           </a:xfrm>
           <a:custGeom>
             <a:avLst/>
@@ -12985,7 +12551,7 @@
       </p:sp>
       <p:sp>
         <p:nvSpPr>
-          <p:cNvPr id="140" name="Line 17"/>
+          <p:cNvPr id="132" name="Line 17"/>
           <p:cNvSpPr/>
           <p:nvPr/>
         </p:nvSpPr>
@@ -13014,14 +12580,14 @@
       </p:sp>
       <p:sp>
         <p:nvSpPr>
-          <p:cNvPr id="141" name="CustomShape 18"/>
+          <p:cNvPr id="133" name="CustomShape 18"/>
           <p:cNvSpPr/>
           <p:nvPr/>
         </p:nvSpPr>
         <p:spPr>
           <a:xfrm>
             <a:off x="3362400" y="1866960"/>
-            <a:ext cx="1814040" cy="367920"/>
+            <a:ext cx="1813320" cy="367200"/>
           </a:xfrm>
           <a:custGeom>
             <a:avLst/>
@@ -13089,14 +12655,14 @@
       </p:sp>
       <p:sp>
         <p:nvSpPr>
-          <p:cNvPr id="142" name="CustomShape 19"/>
+          <p:cNvPr id="134" name="CustomShape 19"/>
           <p:cNvSpPr/>
           <p:nvPr/>
         </p:nvSpPr>
         <p:spPr>
           <a:xfrm>
             <a:off x="1704960" y="1828800"/>
-            <a:ext cx="887040" cy="367920"/>
+            <a:ext cx="886320" cy="367200"/>
           </a:xfrm>
           <a:custGeom>
             <a:avLst/>
@@ -13164,14 +12730,14 @@
       </p:sp>
       <p:sp>
         <p:nvSpPr>
-          <p:cNvPr id="143" name="CustomShape 20"/>
+          <p:cNvPr id="135" name="CustomShape 20"/>
           <p:cNvSpPr/>
           <p:nvPr/>
         </p:nvSpPr>
         <p:spPr>
           <a:xfrm>
             <a:off x="2948040" y="3046320"/>
-            <a:ext cx="887040" cy="367920"/>
+            <a:ext cx="886320" cy="367200"/>
           </a:xfrm>
           <a:custGeom>
             <a:avLst/>
@@ -13239,14 +12805,14 @@
       </p:sp>
       <p:sp>
         <p:nvSpPr>
-          <p:cNvPr id="144" name="CustomShape 21"/>
+          <p:cNvPr id="136" name="CustomShape 21"/>
           <p:cNvSpPr/>
           <p:nvPr/>
         </p:nvSpPr>
         <p:spPr>
           <a:xfrm>
             <a:off x="3292560" y="1492200"/>
-            <a:ext cx="1814040" cy="367920"/>
+            <a:ext cx="1813320" cy="367200"/>
           </a:xfrm>
           <a:custGeom>
             <a:avLst/>
@@ -13380,14 +12946,14 @@
       </p:grpSpPr>
       <p:sp>
         <p:nvSpPr>
-          <p:cNvPr id="145" name="CustomShape 1"/>
+          <p:cNvPr id="137" name="CustomShape 1"/>
           <p:cNvSpPr/>
           <p:nvPr/>
         </p:nvSpPr>
         <p:spPr>
           <a:xfrm>
             <a:off x="611280" y="259920"/>
-            <a:ext cx="7921080" cy="864720"/>
+            <a:ext cx="7920360" cy="864000"/>
           </a:xfrm>
           <a:prstGeom prst="rect">
             <a:avLst/>
@@ -13417,6 +12983,7 @@
                   <a:srgbClr val="333399"/>
                 </a:solidFill>
                 <a:latin typeface="Arial"/>
+                <a:ea typeface="DejaVu Sans"/>
               </a:rPr>
               <a:t>Recursion Must Eventually Stop</a:t>
             </a:r>
@@ -13428,14 +12995,14 @@
       </p:sp>
       <p:sp>
         <p:nvSpPr>
-          <p:cNvPr id="146" name="CustomShape 2"/>
+          <p:cNvPr id="138" name="CustomShape 2"/>
           <p:cNvSpPr/>
           <p:nvPr/>
         </p:nvSpPr>
         <p:spPr>
           <a:xfrm>
             <a:off x="674280" y="1391760"/>
-            <a:ext cx="7921440" cy="1209600"/>
+            <a:ext cx="7920720" cy="1208880"/>
           </a:xfrm>
           <a:prstGeom prst="rect">
             <a:avLst/>
@@ -13585,14 +13152,14 @@
       </p:sp>
       <p:sp>
         <p:nvSpPr>
-          <p:cNvPr id="147" name="CustomShape 3"/>
+          <p:cNvPr id="139" name="CustomShape 3"/>
           <p:cNvSpPr/>
           <p:nvPr/>
         </p:nvSpPr>
         <p:spPr>
           <a:xfrm>
             <a:off x="558720" y="2771640"/>
-            <a:ext cx="5019480" cy="1408320"/>
+            <a:ext cx="5018760" cy="1407600"/>
           </a:xfrm>
           <a:custGeom>
             <a:avLst/>
@@ -13729,7 +13296,7 @@
       </p:sp>
       <p:sp>
         <p:nvSpPr>
-          <p:cNvPr id="148" name="Line 4"/>
+          <p:cNvPr id="140" name="Line 4"/>
           <p:cNvSpPr/>
           <p:nvPr/>
         </p:nvSpPr>
@@ -13758,14 +13325,14 @@
       </p:sp>
       <p:sp>
         <p:nvSpPr>
-          <p:cNvPr id="149" name="CustomShape 5"/>
+          <p:cNvPr id="141" name="CustomShape 5"/>
           <p:cNvSpPr/>
           <p:nvPr/>
         </p:nvSpPr>
         <p:spPr>
           <a:xfrm>
             <a:off x="6073920" y="2795760"/>
-            <a:ext cx="2299680" cy="1465200"/>
+            <a:ext cx="2298960" cy="1464480"/>
           </a:xfrm>
           <a:custGeom>
             <a:avLst/>
@@ -13823,7 +13390,7 @@
                 <a:latin typeface="Arial"/>
                 <a:ea typeface="Arial"/>
               </a:rPr>
-              <a:t>This test (n &lt;= 1) </a:t>
+              <a:t>The test n &lt;= 1 </a:t>
             </a:r>
             <a:r>
               <a:rPr b="0" lang="en-US" sz="1800" spc="-1" strike="noStrike">
@@ -13853,14 +13420,14 @@
       </p:sp>
       <p:sp>
         <p:nvSpPr>
-          <p:cNvPr id="150" name="CustomShape 6"/>
+          <p:cNvPr id="142" name="CustomShape 6"/>
           <p:cNvSpPr/>
           <p:nvPr/>
         </p:nvSpPr>
         <p:spPr>
           <a:xfrm>
             <a:off x="558720" y="4857840"/>
-            <a:ext cx="5019480" cy="1408320"/>
+            <a:ext cx="5018760" cy="1407600"/>
           </a:xfrm>
           <a:custGeom>
             <a:avLst/>
@@ -14017,7 +13584,7 @@
       </p:sp>
       <p:sp>
         <p:nvSpPr>
-          <p:cNvPr id="151" name="Line 7"/>
+          <p:cNvPr id="143" name="Line 7"/>
           <p:cNvSpPr/>
           <p:nvPr/>
         </p:nvSpPr>
@@ -14046,14 +13613,14 @@
       </p:sp>
       <p:sp>
         <p:nvSpPr>
-          <p:cNvPr id="152" name="CustomShape 8"/>
+          <p:cNvPr id="144" name="CustomShape 8"/>
           <p:cNvSpPr/>
           <p:nvPr/>
         </p:nvSpPr>
         <p:spPr>
           <a:xfrm>
             <a:off x="6073920" y="4881600"/>
-            <a:ext cx="2430000" cy="642240"/>
+            <a:ext cx="2429280" cy="641520"/>
           </a:xfrm>
           <a:custGeom>
             <a:avLst/>
@@ -14103,6 +13670,19 @@
                 <a:spcPts val="1123"/>
               </a:spcBef>
             </a:pPr>
+            <a:endParaRPr b="0" lang="en-US" sz="1800" spc="-1" strike="noStrike">
+              <a:latin typeface="Arial"/>
+            </a:endParaRPr>
+          </a:p>
+          <a:p>
+            <a:pPr>
+              <a:lnSpc>
+                <a:spcPct val="100000"/>
+              </a:lnSpc>
+              <a:spcBef>
+                <a:spcPts val="1123"/>
+              </a:spcBef>
+            </a:pPr>
             <a:r>
               <a:rPr b="0" lang="en-US" sz="1800" spc="-1" strike="noStrike">
                 <a:solidFill>
@@ -14121,14 +13701,14 @@
       </p:sp>
       <p:sp>
         <p:nvSpPr>
-          <p:cNvPr id="153" name="CustomShape 9"/>
+          <p:cNvPr id="145" name="CustomShape 9"/>
           <p:cNvSpPr/>
           <p:nvPr/>
         </p:nvSpPr>
         <p:spPr>
           <a:xfrm>
             <a:off x="558720" y="4368960"/>
-            <a:ext cx="2300040" cy="459360"/>
+            <a:ext cx="2299320" cy="458640"/>
           </a:xfrm>
           <a:custGeom>
             <a:avLst/>
@@ -14262,14 +13842,14 @@
       </p:grpSpPr>
       <p:sp>
         <p:nvSpPr>
-          <p:cNvPr id="154" name="CustomShape 1"/>
+          <p:cNvPr id="146" name="CustomShape 1"/>
           <p:cNvSpPr/>
           <p:nvPr/>
         </p:nvSpPr>
         <p:spPr>
           <a:xfrm>
             <a:off x="611280" y="259920"/>
-            <a:ext cx="7921080" cy="864720"/>
+            <a:ext cx="7920360" cy="864000"/>
           </a:xfrm>
           <a:prstGeom prst="rect">
             <a:avLst/>
@@ -14299,6 +13879,7 @@
                   <a:srgbClr val="333399"/>
                 </a:solidFill>
                 <a:latin typeface="Arial"/>
+                <a:ea typeface="DejaVu Sans"/>
               </a:rPr>
               <a:t>Base Case</a:t>
             </a:r>
@@ -14310,14 +13891,14 @@
       </p:sp>
       <p:sp>
         <p:nvSpPr>
-          <p:cNvPr id="155" name="CustomShape 2"/>
+          <p:cNvPr id="147" name="CustomShape 2"/>
           <p:cNvSpPr/>
           <p:nvPr/>
         </p:nvSpPr>
         <p:spPr>
           <a:xfrm>
             <a:off x="674280" y="1463760"/>
-            <a:ext cx="7921440" cy="2285640"/>
+            <a:ext cx="7920720" cy="2284920"/>
           </a:xfrm>
           <a:prstGeom prst="rect">
             <a:avLst/>
@@ -14599,14 +14180,14 @@
       </p:grpSpPr>
       <p:sp>
         <p:nvSpPr>
-          <p:cNvPr id="156" name="CustomShape 1"/>
+          <p:cNvPr id="148" name="CustomShape 1"/>
           <p:cNvSpPr/>
           <p:nvPr/>
         </p:nvSpPr>
         <p:spPr>
           <a:xfrm>
             <a:off x="611280" y="259920"/>
-            <a:ext cx="7921080" cy="864720"/>
+            <a:ext cx="7920360" cy="864000"/>
           </a:xfrm>
           <a:prstGeom prst="rect">
             <a:avLst/>
@@ -14636,6 +14217,7 @@
                   <a:srgbClr val="333399"/>
                 </a:solidFill>
                 <a:latin typeface="Arial"/>
+                <a:ea typeface="DejaVu Sans"/>
               </a:rPr>
               <a:t>Recursive Sum</a:t>
             </a:r>
@@ -14647,14 +14229,14 @@
       </p:sp>
       <p:sp>
         <p:nvSpPr>
-          <p:cNvPr id="157" name="CustomShape 2"/>
+          <p:cNvPr id="149" name="CustomShape 2"/>
           <p:cNvSpPr/>
           <p:nvPr/>
         </p:nvSpPr>
         <p:spPr>
           <a:xfrm>
             <a:off x="674280" y="1400040"/>
-            <a:ext cx="7921440" cy="2989080"/>
+            <a:ext cx="7920720" cy="2988360"/>
           </a:xfrm>
           <a:prstGeom prst="rect">
             <a:avLst/>
@@ -14689,6 +14271,7 @@
                   <a:srgbClr val="000000"/>
                 </a:solidFill>
                 <a:latin typeface="Courier New"/>
+                <a:ea typeface="DejaVu Sans"/>
               </a:rPr>
               <a:t>long sum(int n)</a:t>
             </a:r>
@@ -14698,6 +14281,7 @@
                   <a:srgbClr val="000000"/>
                 </a:solidFill>
                 <a:latin typeface="Arial"/>
+                <a:ea typeface="DejaVu Sans"/>
               </a:rPr>
               <a:t> - compute sum of 1 to n</a:t>
             </a:r>
@@ -14733,6 +14317,7 @@
                   <a:srgbClr val="000000"/>
                 </a:solidFill>
                 <a:latin typeface="Arial"/>
+                <a:ea typeface="DejaVu Sans"/>
               </a:rPr>
               <a:t>Recursion:   n + { sum of 1 to n-1 }</a:t>
             </a:r>
@@ -14813,14 +14398,14 @@
       </p:grpSpPr>
       <p:sp>
         <p:nvSpPr>
-          <p:cNvPr id="158" name="CustomShape 1"/>
+          <p:cNvPr id="150" name="CustomShape 1"/>
           <p:cNvSpPr/>
           <p:nvPr/>
         </p:nvSpPr>
         <p:spPr>
           <a:xfrm>
             <a:off x="611280" y="259920"/>
-            <a:ext cx="7921080" cy="864720"/>
+            <a:ext cx="7920360" cy="864000"/>
           </a:xfrm>
           <a:prstGeom prst="rect">
             <a:avLst/>
@@ -14850,6 +14435,7 @@
                   <a:srgbClr val="333399"/>
                 </a:solidFill>
                 <a:latin typeface="Arial"/>
+                <a:ea typeface="DejaVu Sans"/>
               </a:rPr>
               <a:t>Code for recursive sum</a:t>
             </a:r>
@@ -14861,14 +14447,14 @@
       </p:sp>
       <p:sp>
         <p:nvSpPr>
-          <p:cNvPr id="159" name="CustomShape 2"/>
+          <p:cNvPr id="151" name="CustomShape 2"/>
           <p:cNvSpPr/>
           <p:nvPr/>
         </p:nvSpPr>
         <p:spPr>
           <a:xfrm>
             <a:off x="674280" y="1400040"/>
-            <a:ext cx="7921440" cy="703080"/>
+            <a:ext cx="7920720" cy="702360"/>
           </a:xfrm>
           <a:prstGeom prst="rect">
             <a:avLst/>
@@ -14903,6 +14489,7 @@
                   <a:srgbClr val="000000"/>
                 </a:solidFill>
                 <a:latin typeface="Arial"/>
+                <a:ea typeface="DejaVu Sans"/>
               </a:rPr>
               <a:t>Complete this code</a:t>
             </a:r>
@@ -14927,14 +14514,14 @@
       </p:sp>
       <p:sp>
         <p:nvSpPr>
-          <p:cNvPr id="160" name="CustomShape 3"/>
+          <p:cNvPr id="152" name="CustomShape 3"/>
           <p:cNvSpPr/>
           <p:nvPr/>
         </p:nvSpPr>
         <p:spPr>
           <a:xfrm>
             <a:off x="639720" y="2011320"/>
-            <a:ext cx="7679880" cy="3972240"/>
+            <a:ext cx="7679160" cy="3971520"/>
           </a:xfrm>
           <a:custGeom>
             <a:avLst/>
@@ -15094,7 +14681,7 @@
                 <a:latin typeface="Courier New"/>
                 <a:ea typeface="Lucida Sans Unicode"/>
               </a:rPr>
-              <a:t>if _______________:</a:t>
+              <a:t>if n &lt;= 0:</a:t>
             </a:r>
             <a:endParaRPr b="0" lang="en-US" sz="2400" spc="-1" strike="noStrike">
               <a:latin typeface="Arial"/>
@@ -15112,22 +14699,22 @@
             <a:r>
               <a:rPr b="1" lang="en-US" sz="2400" spc="-1" strike="noStrike">
                 <a:solidFill>
-                  <a:srgbClr val="008000"/>
+                  <a:srgbClr val="000000"/>
                 </a:solidFill>
                 <a:latin typeface="Courier New"/>
                 <a:ea typeface="Lucida Sans Unicode"/>
               </a:rPr>
-              <a:t>    </a:t>
+              <a:t>        </a:t>
             </a:r>
             <a:r>
               <a:rPr b="1" lang="en-US" sz="2400" spc="-1" strike="noStrike">
                 <a:solidFill>
-                  <a:srgbClr val="008000"/>
+                  <a:srgbClr val="000000"/>
                 </a:solidFill>
                 <a:latin typeface="Courier New"/>
                 <a:ea typeface="Lucida Sans Unicode"/>
               </a:rPr>
-              <a:t># what is the recursive step?</a:t>
+              <a:t>return 0</a:t>
             </a:r>
             <a:endParaRPr b="0" lang="en-US" sz="2400" spc="-1" strike="noStrike">
               <a:latin typeface="Arial"/>
@@ -15145,7 +14732,7 @@
             <a:r>
               <a:rPr b="1" lang="en-US" sz="2400" spc="-1" strike="noStrike">
                 <a:solidFill>
-                  <a:srgbClr val="000000"/>
+                  <a:srgbClr val="008000"/>
                 </a:solidFill>
                 <a:latin typeface="Courier New"/>
                 <a:ea typeface="Lucida Sans Unicode"/>
@@ -15155,22 +14742,35 @@
             <a:r>
               <a:rPr b="1" lang="en-US" sz="2400" spc="-1" strike="noStrike">
                 <a:solidFill>
-                  <a:srgbClr val="000000"/>
+                  <a:srgbClr val="008000"/>
                 </a:solidFill>
                 <a:latin typeface="Courier New"/>
                 <a:ea typeface="Lucida Sans Unicode"/>
               </a:rPr>
-              <a:t>return ______</a:t>
-            </a:r>
+              <a:t># what is the recursive step?</a:t>
+            </a:r>
+            <a:endParaRPr b="0" lang="en-US" sz="2400" spc="-1" strike="noStrike">
+              <a:latin typeface="Arial"/>
+            </a:endParaRPr>
+          </a:p>
+          <a:p>
+            <a:pPr>
+              <a:lnSpc>
+                <a:spcPct val="100000"/>
+              </a:lnSpc>
+              <a:spcBef>
+                <a:spcPts val="173"/>
+              </a:spcBef>
+            </a:pPr>
             <a:r>
               <a:rPr b="1" lang="en-US" sz="2400" spc="-1" strike="noStrike">
                 <a:solidFill>
-                  <a:srgbClr val="ce181e"/>
+                  <a:srgbClr val="000000"/>
                 </a:solidFill>
                 <a:latin typeface="Courier New"/>
                 <a:ea typeface="Lucida Sans Unicode"/>
               </a:rPr>
-              <a:t>_____</a:t>
+              <a:t>    </a:t>
             </a:r>
             <a:r>
               <a:rPr b="1" lang="en-US" sz="2400" spc="-1" strike="noStrike">
@@ -15180,7 +14780,7 @@
                 <a:latin typeface="Courier New"/>
                 <a:ea typeface="Lucida Sans Unicode"/>
               </a:rPr>
-              <a:t>_______</a:t>
+              <a:t>return n + sum(n-1)</a:t>
             </a:r>
             <a:endParaRPr b="0" lang="en-US" sz="2400" spc="-1" strike="noStrike">
               <a:latin typeface="Arial"/>

--- a/recursion/Recursion.pptx
+++ b/recursion/Recursion.pptx
@@ -71,7 +71,9 @@
           </a:prstGeom>
         </p:spPr>
         <p:txBody>
-          <a:bodyPr lIns="0" rIns="0" tIns="0" bIns="0" anchor="ctr"/>
+          <a:bodyPr lIns="0" rIns="0" tIns="0" bIns="0" anchor="ctr">
+            <a:noAutofit/>
+          </a:bodyPr>
           <a:p>
             <a:pPr algn="ctr"/>
             <a:r>
@@ -106,7 +108,9 @@
           </a:prstGeom>
         </p:spPr>
         <p:txBody>
-          <a:bodyPr lIns="0" rIns="0" tIns="0" bIns="0"/>
+          <a:bodyPr lIns="0" rIns="0" tIns="0" bIns="0">
+            <a:noAutofit/>
+          </a:bodyPr>
           <a:p>
             <a:r>
               <a:rPr b="0" lang="en-US" sz="2000" spc="-1" strike="noStrike">
@@ -140,7 +144,9 @@
           </a:prstGeom>
         </p:spPr>
         <p:txBody>
-          <a:bodyPr lIns="0" rIns="0" tIns="0" bIns="0"/>
+          <a:bodyPr lIns="0" rIns="0" tIns="0" bIns="0">
+            <a:noAutofit/>
+          </a:bodyPr>
           <a:p>
             <a:r>
               <a:rPr b="0" lang="en-US" sz="1400" spc="-1" strike="noStrike">
@@ -174,7 +180,9 @@
           </a:prstGeom>
         </p:spPr>
         <p:txBody>
-          <a:bodyPr lIns="0" rIns="0" tIns="0" bIns="0"/>
+          <a:bodyPr lIns="0" rIns="0" tIns="0" bIns="0">
+            <a:noAutofit/>
+          </a:bodyPr>
           <a:p>
             <a:pPr algn="r"/>
             <a:r>
@@ -209,7 +217,9 @@
           </a:prstGeom>
         </p:spPr>
         <p:txBody>
-          <a:bodyPr lIns="0" rIns="0" tIns="0" bIns="0" anchor="b"/>
+          <a:bodyPr lIns="0" rIns="0" tIns="0" bIns="0" anchor="b">
+            <a:noAutofit/>
+          </a:bodyPr>
           <a:p>
             <a:r>
               <a:rPr b="0" lang="en-US" sz="1400" spc="-1" strike="noStrike">
@@ -243,10 +253,12 @@
           </a:prstGeom>
         </p:spPr>
         <p:txBody>
-          <a:bodyPr lIns="0" rIns="0" tIns="0" bIns="0" anchor="b"/>
+          <a:bodyPr lIns="0" rIns="0" tIns="0" bIns="0" anchor="b">
+            <a:noAutofit/>
+          </a:bodyPr>
           <a:p>
             <a:pPr algn="r"/>
-            <a:fld id="{746C5C5D-91A7-459E-8052-6D35436C5D80}" type="slidenum">
+            <a:fld id="{CA2BC184-FA3F-4371-818C-A43F8BA7BEDB}" type="slidenum">
               <a:rPr b="0" lang="en-US" sz="1400" spc="-1" strike="noStrike">
                 <a:latin typeface="Times New Roman"/>
               </a:rPr>
@@ -294,7 +306,7 @@
         <p:spPr>
           <a:xfrm>
             <a:off x="2143080" y="695160"/>
-            <a:ext cx="2570760" cy="3427920"/>
+            <a:ext cx="2570040" cy="3427200"/>
           </a:xfrm>
           <a:prstGeom prst="rect">
             <a:avLst/>
@@ -310,7 +322,7 @@
         <p:spPr>
           <a:xfrm>
             <a:off x="685800" y="4343400"/>
-            <a:ext cx="5485320" cy="4113720"/>
+            <a:ext cx="5484600" cy="4113000"/>
           </a:xfrm>
           <a:custGeom>
             <a:avLst/>
@@ -385,7 +397,7 @@
         <p:spPr>
           <a:xfrm>
             <a:off x="2143080" y="695160"/>
-            <a:ext cx="2570760" cy="3427920"/>
+            <a:ext cx="2570040" cy="3427200"/>
           </a:xfrm>
           <a:prstGeom prst="rect">
             <a:avLst/>
@@ -401,7 +413,7 @@
         <p:spPr>
           <a:xfrm>
             <a:off x="685800" y="4343400"/>
-            <a:ext cx="5485320" cy="4113720"/>
+            <a:ext cx="5484600" cy="4113000"/>
           </a:xfrm>
           <a:custGeom>
             <a:avLst/>
@@ -476,7 +488,7 @@
         <p:spPr>
           <a:xfrm>
             <a:off x="2143080" y="695160"/>
-            <a:ext cx="2570760" cy="3427920"/>
+            <a:ext cx="2570040" cy="3427200"/>
           </a:xfrm>
           <a:prstGeom prst="rect">
             <a:avLst/>
@@ -492,7 +504,7 @@
         <p:spPr>
           <a:xfrm>
             <a:off x="685800" y="4343400"/>
-            <a:ext cx="5485320" cy="4113720"/>
+            <a:ext cx="5484600" cy="4113000"/>
           </a:xfrm>
           <a:custGeom>
             <a:avLst/>
@@ -567,7 +579,7 @@
         <p:spPr>
           <a:xfrm>
             <a:off x="2143080" y="695160"/>
-            <a:ext cx="2570760" cy="3427920"/>
+            <a:ext cx="2570040" cy="3427200"/>
           </a:xfrm>
           <a:prstGeom prst="rect">
             <a:avLst/>
@@ -583,7 +595,7 @@
         <p:spPr>
           <a:xfrm>
             <a:off x="685800" y="4343400"/>
-            <a:ext cx="5485320" cy="4113720"/>
+            <a:ext cx="5484600" cy="4113000"/>
           </a:xfrm>
           <a:custGeom>
             <a:avLst/>
@@ -658,7 +670,7 @@
         <p:spPr>
           <a:xfrm>
             <a:off x="2143080" y="695160"/>
-            <a:ext cx="2570760" cy="3427920"/>
+            <a:ext cx="2570040" cy="3427200"/>
           </a:xfrm>
           <a:prstGeom prst="rect">
             <a:avLst/>
@@ -674,7 +686,7 @@
         <p:spPr>
           <a:xfrm>
             <a:off x="685800" y="4343400"/>
-            <a:ext cx="5485320" cy="4113720"/>
+            <a:ext cx="5484600" cy="4113000"/>
           </a:xfrm>
           <a:custGeom>
             <a:avLst/>
@@ -749,7 +761,7 @@
         <p:spPr>
           <a:xfrm>
             <a:off x="1440" y="0"/>
-            <a:ext cx="720" cy="360"/>
+            <a:ext cx="0" cy="0"/>
           </a:xfrm>
           <a:prstGeom prst="rect">
             <a:avLst/>
@@ -765,7 +777,7 @@
         <p:spPr>
           <a:xfrm>
             <a:off x="685800" y="4343400"/>
-            <a:ext cx="5485320" cy="4113720"/>
+            <a:ext cx="5484600" cy="4113000"/>
           </a:xfrm>
           <a:custGeom>
             <a:avLst/>
@@ -840,7 +852,7 @@
         <p:spPr>
           <a:xfrm>
             <a:off x="1440" y="0"/>
-            <a:ext cx="720" cy="360"/>
+            <a:ext cx="0" cy="0"/>
           </a:xfrm>
           <a:prstGeom prst="rect">
             <a:avLst/>
@@ -856,7 +868,7 @@
         <p:spPr>
           <a:xfrm>
             <a:off x="685800" y="4343400"/>
-            <a:ext cx="5485320" cy="4113720"/>
+            <a:ext cx="5484600" cy="4113000"/>
           </a:xfrm>
           <a:custGeom>
             <a:avLst/>
@@ -931,7 +943,7 @@
         <p:spPr>
           <a:xfrm>
             <a:off x="1440" y="0"/>
-            <a:ext cx="720" cy="360"/>
+            <a:ext cx="0" cy="0"/>
           </a:xfrm>
           <a:prstGeom prst="rect">
             <a:avLst/>
@@ -947,7 +959,7 @@
         <p:spPr>
           <a:xfrm>
             <a:off x="685800" y="4343400"/>
-            <a:ext cx="5485320" cy="4113720"/>
+            <a:ext cx="5484600" cy="4113000"/>
           </a:xfrm>
           <a:custGeom>
             <a:avLst/>
@@ -1022,7 +1034,7 @@
         <p:spPr>
           <a:xfrm>
             <a:off x="1440" y="0"/>
-            <a:ext cx="720" cy="360"/>
+            <a:ext cx="0" cy="0"/>
           </a:xfrm>
           <a:prstGeom prst="rect">
             <a:avLst/>
@@ -1038,7 +1050,7 @@
         <p:spPr>
           <a:xfrm>
             <a:off x="685800" y="4343400"/>
-            <a:ext cx="5485320" cy="4113720"/>
+            <a:ext cx="5484600" cy="4113000"/>
           </a:xfrm>
           <a:custGeom>
             <a:avLst/>
@@ -1113,7 +1125,7 @@
         <p:spPr>
           <a:xfrm>
             <a:off x="1440" y="0"/>
-            <a:ext cx="720" cy="360"/>
+            <a:ext cx="0" cy="0"/>
           </a:xfrm>
           <a:prstGeom prst="rect">
             <a:avLst/>
@@ -1129,7 +1141,7 @@
         <p:spPr>
           <a:xfrm>
             <a:off x="685800" y="4343400"/>
-            <a:ext cx="5485320" cy="4113720"/>
+            <a:ext cx="5484600" cy="4113000"/>
           </a:xfrm>
           <a:custGeom>
             <a:avLst/>
@@ -1204,7 +1216,7 @@
         <p:spPr>
           <a:xfrm>
             <a:off x="1440" y="0"/>
-            <a:ext cx="720" cy="360"/>
+            <a:ext cx="0" cy="0"/>
           </a:xfrm>
           <a:prstGeom prst="rect">
             <a:avLst/>
@@ -1220,7 +1232,7 @@
         <p:spPr>
           <a:xfrm>
             <a:off x="685800" y="4343400"/>
-            <a:ext cx="5485320" cy="4113720"/>
+            <a:ext cx="5484600" cy="4113000"/>
           </a:xfrm>
           <a:custGeom>
             <a:avLst/>
@@ -1295,7 +1307,7 @@
         <p:spPr>
           <a:xfrm>
             <a:off x="2143080" y="695160"/>
-            <a:ext cx="2570760" cy="3427920"/>
+            <a:ext cx="2570040" cy="3427200"/>
           </a:xfrm>
           <a:prstGeom prst="rect">
             <a:avLst/>
@@ -1311,7 +1323,7 @@
         <p:spPr>
           <a:xfrm>
             <a:off x="685800" y="4343400"/>
-            <a:ext cx="5485320" cy="4113720"/>
+            <a:ext cx="5484600" cy="4113000"/>
           </a:xfrm>
           <a:custGeom>
             <a:avLst/>
@@ -1386,7 +1398,7 @@
         <p:spPr>
           <a:xfrm>
             <a:off x="2143080" y="695160"/>
-            <a:ext cx="2570760" cy="3427920"/>
+            <a:ext cx="2570040" cy="3427200"/>
           </a:xfrm>
           <a:prstGeom prst="rect">
             <a:avLst/>
@@ -1402,7 +1414,7 @@
         <p:spPr>
           <a:xfrm>
             <a:off x="685800" y="4343400"/>
-            <a:ext cx="5485320" cy="4113720"/>
+            <a:ext cx="5484600" cy="4113000"/>
           </a:xfrm>
           <a:custGeom>
             <a:avLst/>
@@ -1477,7 +1489,7 @@
         <p:spPr>
           <a:xfrm>
             <a:off x="2143080" y="695160"/>
-            <a:ext cx="2570760" cy="3427920"/>
+            <a:ext cx="2570040" cy="3427200"/>
           </a:xfrm>
           <a:prstGeom prst="rect">
             <a:avLst/>
@@ -1493,7 +1505,7 @@
         <p:spPr>
           <a:xfrm>
             <a:off x="685800" y="4343400"/>
-            <a:ext cx="5485320" cy="4113720"/>
+            <a:ext cx="5484600" cy="4113000"/>
           </a:xfrm>
           <a:custGeom>
             <a:avLst/>
@@ -1568,7 +1580,7 @@
         <p:spPr>
           <a:xfrm>
             <a:off x="2143080" y="695160"/>
-            <a:ext cx="2570760" cy="3427920"/>
+            <a:ext cx="2570040" cy="3427200"/>
           </a:xfrm>
           <a:prstGeom prst="rect">
             <a:avLst/>
@@ -1584,7 +1596,7 @@
         <p:spPr>
           <a:xfrm>
             <a:off x="685800" y="4343400"/>
-            <a:ext cx="5485320" cy="4113720"/>
+            <a:ext cx="5484600" cy="4113000"/>
           </a:xfrm>
           <a:custGeom>
             <a:avLst/>
@@ -1659,7 +1671,7 @@
         <p:spPr>
           <a:xfrm>
             <a:off x="2143080" y="695160"/>
-            <a:ext cx="2570760" cy="3427920"/>
+            <a:ext cx="2570040" cy="3427200"/>
           </a:xfrm>
           <a:prstGeom prst="rect">
             <a:avLst/>
@@ -1675,7 +1687,7 @@
         <p:spPr>
           <a:xfrm>
             <a:off x="685800" y="4343400"/>
-            <a:ext cx="5485320" cy="4113720"/>
+            <a:ext cx="5484600" cy="4113000"/>
           </a:xfrm>
           <a:custGeom>
             <a:avLst/>
@@ -1750,7 +1762,7 @@
         <p:spPr>
           <a:xfrm>
             <a:off x="2143080" y="695160"/>
-            <a:ext cx="2570760" cy="3427920"/>
+            <a:ext cx="2570040" cy="3427200"/>
           </a:xfrm>
           <a:prstGeom prst="rect">
             <a:avLst/>
@@ -1766,7 +1778,7 @@
         <p:spPr>
           <a:xfrm>
             <a:off x="685800" y="4343400"/>
-            <a:ext cx="5485320" cy="4113720"/>
+            <a:ext cx="5484600" cy="4113000"/>
           </a:xfrm>
           <a:custGeom>
             <a:avLst/>
@@ -1841,7 +1853,7 @@
         <p:spPr>
           <a:xfrm>
             <a:off x="1440" y="0"/>
-            <a:ext cx="720" cy="360"/>
+            <a:ext cx="0" cy="0"/>
           </a:xfrm>
           <a:prstGeom prst="rect">
             <a:avLst/>
@@ -1857,7 +1869,7 @@
         <p:spPr>
           <a:xfrm>
             <a:off x="685800" y="4343400"/>
-            <a:ext cx="5485320" cy="4113720"/>
+            <a:ext cx="5484600" cy="4113000"/>
           </a:xfrm>
           <a:custGeom>
             <a:avLst/>
@@ -1932,7 +1944,7 @@
         <p:spPr>
           <a:xfrm>
             <a:off x="1440" y="0"/>
-            <a:ext cx="720" cy="360"/>
+            <a:ext cx="0" cy="0"/>
           </a:xfrm>
           <a:prstGeom prst="rect">
             <a:avLst/>
@@ -1948,7 +1960,7 @@
         <p:spPr>
           <a:xfrm>
             <a:off x="685800" y="4343400"/>
-            <a:ext cx="5485320" cy="4113720"/>
+            <a:ext cx="5484600" cy="4113000"/>
           </a:xfrm>
           <a:custGeom>
             <a:avLst/>
@@ -2052,7 +2064,9 @@
           </a:prstGeom>
         </p:spPr>
         <p:txBody>
-          <a:bodyPr lIns="0" rIns="0" tIns="0" bIns="0" anchor="ctr"/>
+          <a:bodyPr lIns="0" rIns="0" tIns="0" bIns="0" anchor="ctr">
+            <a:noAutofit/>
+          </a:bodyPr>
           <a:p>
             <a:pPr algn="ctr"/>
             <a:endParaRPr b="0" lang="en-US" sz="4400" spc="-1" strike="noStrike">
@@ -2163,7 +2177,9 @@
           </a:prstGeom>
         </p:spPr>
         <p:txBody>
-          <a:bodyPr lIns="0" rIns="0" tIns="0" bIns="0" anchor="ctr"/>
+          <a:bodyPr lIns="0" rIns="0" tIns="0" bIns="0" anchor="ctr">
+            <a:noAutofit/>
+          </a:bodyPr>
           <a:p>
             <a:pPr algn="ctr"/>
             <a:endParaRPr b="0" lang="en-US" sz="4400" spc="-1" strike="noStrike">
@@ -2334,7 +2350,9 @@
           </a:prstGeom>
         </p:spPr>
         <p:txBody>
-          <a:bodyPr lIns="0" rIns="0" tIns="0" bIns="0" anchor="ctr"/>
+          <a:bodyPr lIns="0" rIns="0" tIns="0" bIns="0" anchor="ctr">
+            <a:noAutofit/>
+          </a:bodyPr>
           <a:p>
             <a:pPr algn="ctr"/>
             <a:endParaRPr b="0" lang="en-US" sz="4400" spc="-1" strike="noStrike">
@@ -2587,7 +2605,9 @@
           </a:prstGeom>
         </p:spPr>
         <p:txBody>
-          <a:bodyPr lIns="0" rIns="0" tIns="0" bIns="0" anchor="ctr"/>
+          <a:bodyPr lIns="0" rIns="0" tIns="0" bIns="0" anchor="ctr">
+            <a:noAutofit/>
+          </a:bodyPr>
           <a:p>
             <a:pPr algn="ctr"/>
             <a:endParaRPr b="0" lang="en-US" sz="4400" spc="-1" strike="noStrike">
@@ -2616,7 +2636,9 @@
           </a:prstGeom>
         </p:spPr>
         <p:txBody>
-          <a:bodyPr lIns="0" rIns="0" tIns="0" bIns="0" anchor="ctr"/>
+          <a:bodyPr lIns="0" rIns="0" tIns="0" bIns="0" anchor="ctr">
+            <a:noAutofit/>
+          </a:bodyPr>
           <a:p>
             <a:pPr algn="ctr"/>
             <a:endParaRPr b="0" lang="en-US" sz="3200" spc="-1" strike="noStrike">
@@ -2667,7 +2689,9 @@
           </a:prstGeom>
         </p:spPr>
         <p:txBody>
-          <a:bodyPr lIns="0" rIns="0" tIns="0" bIns="0" anchor="ctr"/>
+          <a:bodyPr lIns="0" rIns="0" tIns="0" bIns="0" anchor="ctr">
+            <a:noAutofit/>
+          </a:bodyPr>
           <a:p>
             <a:pPr algn="ctr"/>
             <a:endParaRPr b="0" lang="en-US" sz="4400" spc="-1" strike="noStrike">
@@ -2748,7 +2772,9 @@
           </a:prstGeom>
         </p:spPr>
         <p:txBody>
-          <a:bodyPr lIns="0" rIns="0" tIns="0" bIns="0" anchor="ctr"/>
+          <a:bodyPr lIns="0" rIns="0" tIns="0" bIns="0" anchor="ctr">
+            <a:noAutofit/>
+          </a:bodyPr>
           <a:p>
             <a:pPr algn="ctr"/>
             <a:endParaRPr b="0" lang="en-US" sz="4400" spc="-1" strike="noStrike">
@@ -2859,7 +2885,9 @@
           </a:prstGeom>
         </p:spPr>
         <p:txBody>
-          <a:bodyPr lIns="0" rIns="0" tIns="0" bIns="0" anchor="ctr"/>
+          <a:bodyPr lIns="0" rIns="0" tIns="0" bIns="0" anchor="ctr">
+            <a:noAutofit/>
+          </a:bodyPr>
           <a:p>
             <a:pPr algn="ctr"/>
             <a:endParaRPr b="0" lang="en-US" sz="4400" spc="-1" strike="noStrike">
@@ -2910,7 +2938,9 @@
           </a:prstGeom>
         </p:spPr>
         <p:txBody>
-          <a:bodyPr lIns="0" rIns="0" tIns="0" bIns="0" anchor="ctr"/>
+          <a:bodyPr lIns="0" rIns="0" tIns="0" bIns="0" anchor="ctr">
+            <a:noAutofit/>
+          </a:bodyPr>
           <a:p>
             <a:pPr algn="ctr"/>
             <a:endParaRPr b="0" lang="en-US" sz="3200" spc="-1" strike="noStrike">
@@ -2961,7 +2991,9 @@
           </a:prstGeom>
         </p:spPr>
         <p:txBody>
-          <a:bodyPr lIns="0" rIns="0" tIns="0" bIns="0" anchor="ctr"/>
+          <a:bodyPr lIns="0" rIns="0" tIns="0" bIns="0" anchor="ctr">
+            <a:noAutofit/>
+          </a:bodyPr>
           <a:p>
             <a:pPr algn="ctr"/>
             <a:endParaRPr b="0" lang="en-US" sz="4400" spc="-1" strike="noStrike">
@@ -3102,7 +3134,9 @@
           </a:prstGeom>
         </p:spPr>
         <p:txBody>
-          <a:bodyPr lIns="0" rIns="0" tIns="0" bIns="0" anchor="ctr"/>
+          <a:bodyPr lIns="0" rIns="0" tIns="0" bIns="0" anchor="ctr">
+            <a:noAutofit/>
+          </a:bodyPr>
           <a:p>
             <a:pPr algn="ctr"/>
             <a:endParaRPr b="0" lang="en-US" sz="4400" spc="-1" strike="noStrike">
@@ -3131,7 +3165,9 @@
           </a:prstGeom>
         </p:spPr>
         <p:txBody>
-          <a:bodyPr lIns="0" rIns="0" tIns="0" bIns="0" anchor="ctr"/>
+          <a:bodyPr lIns="0" rIns="0" tIns="0" bIns="0" anchor="ctr">
+            <a:noAutofit/>
+          </a:bodyPr>
           <a:p>
             <a:pPr algn="ctr"/>
             <a:endParaRPr b="0" lang="en-US" sz="3200" spc="-1" strike="noStrike">
@@ -3182,7 +3218,9 @@
           </a:prstGeom>
         </p:spPr>
         <p:txBody>
-          <a:bodyPr lIns="0" rIns="0" tIns="0" bIns="0" anchor="ctr"/>
+          <a:bodyPr lIns="0" rIns="0" tIns="0" bIns="0" anchor="ctr">
+            <a:noAutofit/>
+          </a:bodyPr>
           <a:p>
             <a:pPr algn="ctr"/>
             <a:endParaRPr b="0" lang="en-US" sz="4400" spc="-1" strike="noStrike">
@@ -3323,7 +3361,9 @@
           </a:prstGeom>
         </p:spPr>
         <p:txBody>
-          <a:bodyPr lIns="0" rIns="0" tIns="0" bIns="0" anchor="ctr"/>
+          <a:bodyPr lIns="0" rIns="0" tIns="0" bIns="0" anchor="ctr">
+            <a:noAutofit/>
+          </a:bodyPr>
           <a:p>
             <a:pPr algn="ctr"/>
             <a:endParaRPr b="0" lang="en-US" sz="4400" spc="-1" strike="noStrike">
@@ -3464,7 +3504,9 @@
           </a:prstGeom>
         </p:spPr>
         <p:txBody>
-          <a:bodyPr lIns="0" rIns="0" tIns="0" bIns="0" anchor="ctr"/>
+          <a:bodyPr lIns="0" rIns="0" tIns="0" bIns="0" anchor="ctr">
+            <a:noAutofit/>
+          </a:bodyPr>
           <a:p>
             <a:pPr algn="ctr"/>
             <a:endParaRPr b="0" lang="en-US" sz="4400" spc="-1" strike="noStrike">
@@ -3575,7 +3617,9 @@
           </a:prstGeom>
         </p:spPr>
         <p:txBody>
-          <a:bodyPr lIns="0" rIns="0" tIns="0" bIns="0" anchor="ctr"/>
+          <a:bodyPr lIns="0" rIns="0" tIns="0" bIns="0" anchor="ctr">
+            <a:noAutofit/>
+          </a:bodyPr>
           <a:p>
             <a:pPr algn="ctr"/>
             <a:endParaRPr b="0" lang="en-US" sz="4400" spc="-1" strike="noStrike">
@@ -3746,7 +3790,9 @@
           </a:prstGeom>
         </p:spPr>
         <p:txBody>
-          <a:bodyPr lIns="0" rIns="0" tIns="0" bIns="0" anchor="ctr"/>
+          <a:bodyPr lIns="0" rIns="0" tIns="0" bIns="0" anchor="ctr">
+            <a:noAutofit/>
+          </a:bodyPr>
           <a:p>
             <a:pPr algn="ctr"/>
             <a:endParaRPr b="0" lang="en-US" sz="4400" spc="-1" strike="noStrike">
@@ -3977,7 +4023,9 @@
           </a:prstGeom>
         </p:spPr>
         <p:txBody>
-          <a:bodyPr lIns="0" rIns="0" tIns="0" bIns="0" anchor="ctr"/>
+          <a:bodyPr lIns="0" rIns="0" tIns="0" bIns="0" anchor="ctr">
+            <a:noAutofit/>
+          </a:bodyPr>
           <a:p>
             <a:pPr algn="ctr"/>
             <a:endParaRPr b="0" lang="en-US" sz="4400" spc="-1" strike="noStrike">
@@ -4058,7 +4106,9 @@
           </a:prstGeom>
         </p:spPr>
         <p:txBody>
-          <a:bodyPr lIns="0" rIns="0" tIns="0" bIns="0" anchor="ctr"/>
+          <a:bodyPr lIns="0" rIns="0" tIns="0" bIns="0" anchor="ctr">
+            <a:noAutofit/>
+          </a:bodyPr>
           <a:p>
             <a:pPr algn="ctr"/>
             <a:endParaRPr b="0" lang="en-US" sz="4400" spc="-1" strike="noStrike">
@@ -4169,7 +4219,9 @@
           </a:prstGeom>
         </p:spPr>
         <p:txBody>
-          <a:bodyPr lIns="0" rIns="0" tIns="0" bIns="0" anchor="ctr"/>
+          <a:bodyPr lIns="0" rIns="0" tIns="0" bIns="0" anchor="ctr">
+            <a:noAutofit/>
+          </a:bodyPr>
           <a:p>
             <a:pPr algn="ctr"/>
             <a:endParaRPr b="0" lang="en-US" sz="4400" spc="-1" strike="noStrike">
@@ -4220,7 +4272,9 @@
           </a:prstGeom>
         </p:spPr>
         <p:txBody>
-          <a:bodyPr lIns="0" rIns="0" tIns="0" bIns="0" anchor="ctr"/>
+          <a:bodyPr lIns="0" rIns="0" tIns="0" bIns="0" anchor="ctr">
+            <a:noAutofit/>
+          </a:bodyPr>
           <a:p>
             <a:pPr algn="ctr"/>
             <a:endParaRPr b="0" lang="en-US" sz="3200" spc="-1" strike="noStrike">
@@ -4271,7 +4325,9 @@
           </a:prstGeom>
         </p:spPr>
         <p:txBody>
-          <a:bodyPr lIns="0" rIns="0" tIns="0" bIns="0" anchor="ctr"/>
+          <a:bodyPr lIns="0" rIns="0" tIns="0" bIns="0" anchor="ctr">
+            <a:noAutofit/>
+          </a:bodyPr>
           <a:p>
             <a:pPr algn="ctr"/>
             <a:endParaRPr b="0" lang="en-US" sz="4400" spc="-1" strike="noStrike">
@@ -4412,7 +4468,9 @@
           </a:prstGeom>
         </p:spPr>
         <p:txBody>
-          <a:bodyPr lIns="0" rIns="0" tIns="0" bIns="0" anchor="ctr"/>
+          <a:bodyPr lIns="0" rIns="0" tIns="0" bIns="0" anchor="ctr">
+            <a:noAutofit/>
+          </a:bodyPr>
           <a:p>
             <a:pPr algn="ctr"/>
             <a:endParaRPr b="0" lang="en-US" sz="4400" spc="-1" strike="noStrike">
@@ -4553,7 +4611,9 @@
           </a:prstGeom>
         </p:spPr>
         <p:txBody>
-          <a:bodyPr lIns="0" rIns="0" tIns="0" bIns="0" anchor="ctr"/>
+          <a:bodyPr lIns="0" rIns="0" tIns="0" bIns="0" anchor="ctr">
+            <a:noAutofit/>
+          </a:bodyPr>
           <a:p>
             <a:pPr algn="ctr"/>
             <a:endParaRPr b="0" lang="en-US" sz="4400" spc="-1" strike="noStrike">
@@ -4690,9 +4750,9 @@
         <p:grpSpPr>
           <a:xfrm>
             <a:off x="0" y="2438280"/>
-            <a:ext cx="8998560" cy="1042200"/>
+            <a:ext cx="8997840" cy="1041480"/>
             <a:chOff x="0" y="2438280"/>
-            <a:chExt cx="8998560" cy="1042200"/>
+            <a:chExt cx="8997840" cy="1041480"/>
           </a:xfrm>
         </p:grpSpPr>
         <p:grpSp>
@@ -4704,9 +4764,9 @@
           <p:grpSpPr>
             <a:xfrm>
               <a:off x="290520" y="2546280"/>
-              <a:ext cx="700560" cy="464040"/>
+              <a:ext cx="699840" cy="463320"/>
               <a:chOff x="290520" y="2546280"/>
-              <a:chExt cx="700560" cy="464040"/>
+              <a:chExt cx="699840" cy="463320"/>
             </a:xfrm>
           </p:grpSpPr>
           <p:sp>
@@ -4718,7 +4778,7 @@
             <p:spPr>
               <a:xfrm>
                 <a:off x="290520" y="2546280"/>
-                <a:ext cx="427680" cy="464040"/>
+                <a:ext cx="426960" cy="463320"/>
               </a:xfrm>
               <a:prstGeom prst="rect">
                 <a:avLst/>
@@ -4746,7 +4806,7 @@
             <p:spPr>
               <a:xfrm>
                 <a:off x="673200" y="2546280"/>
-                <a:ext cx="317880" cy="464040"/>
+                <a:ext cx="317160" cy="463320"/>
               </a:xfrm>
               <a:prstGeom prst="rect">
                 <a:avLst/>
@@ -4783,9 +4843,9 @@
           <p:grpSpPr>
             <a:xfrm>
               <a:off x="414360" y="2968560"/>
-              <a:ext cx="727200" cy="464040"/>
+              <a:ext cx="726480" cy="463320"/>
               <a:chOff x="414360" y="2968560"/>
-              <a:chExt cx="727200" cy="464040"/>
+              <a:chExt cx="726480" cy="463320"/>
             </a:xfrm>
           </p:grpSpPr>
           <p:sp>
@@ -4797,7 +4857,7 @@
             <p:spPr>
               <a:xfrm>
                 <a:off x="414360" y="2968560"/>
-                <a:ext cx="420480" cy="464040"/>
+                <a:ext cx="419760" cy="463320"/>
               </a:xfrm>
               <a:prstGeom prst="rect">
                 <a:avLst/>
@@ -4825,7 +4885,7 @@
             <p:spPr>
               <a:xfrm>
                 <a:off x="783360" y="2968560"/>
-                <a:ext cx="358200" cy="464040"/>
+                <a:ext cx="357480" cy="463320"/>
               </a:xfrm>
               <a:prstGeom prst="rect">
                 <a:avLst/>
@@ -4862,7 +4922,7 @@
           <p:spPr>
             <a:xfrm>
               <a:off x="0" y="2895480"/>
-              <a:ext cx="549720" cy="411840"/>
+              <a:ext cx="549000" cy="411120"/>
             </a:xfrm>
             <a:prstGeom prst="rect">
               <a:avLst/>
@@ -4898,7 +4958,7 @@
           <p:spPr>
             <a:xfrm>
               <a:off x="635040" y="2438280"/>
-              <a:ext cx="21240" cy="1042200"/>
+              <a:ext cx="20520" cy="1041480"/>
             </a:xfrm>
             <a:prstGeom prst="rect">
               <a:avLst/>
@@ -4925,8 +4985,8 @@
           </p:nvSpPr>
           <p:spPr>
             <a:xfrm flipV="1">
-              <a:off x="316080" y="3078720"/>
-              <a:ext cx="8682480" cy="44640"/>
+              <a:off x="316080" y="3077280"/>
+              <a:ext cx="8681760" cy="43920"/>
             </a:xfrm>
             <a:prstGeom prst="rect">
               <a:avLst/>
@@ -4974,26 +5034,16 @@
           </a:prstGeom>
         </p:spPr>
         <p:txBody>
-          <a:bodyPr lIns="0" rIns="0" tIns="0" bIns="0" anchor="ctr"/>
+          <a:bodyPr lIns="0" rIns="0" tIns="0" bIns="0" anchor="ctr">
+            <a:noAutofit/>
+          </a:bodyPr>
           <a:p>
             <a:pPr algn="ctr"/>
             <a:r>
               <a:rPr b="0" lang="en-US" sz="4400" spc="-1" strike="noStrike">
                 <a:latin typeface="Arial"/>
               </a:rPr>
-              <a:t>Click to edit </a:t>
-            </a:r>
-            <a:r>
-              <a:rPr b="0" lang="en-US" sz="4400" spc="-1" strike="noStrike">
-                <a:latin typeface="Arial"/>
-              </a:rPr>
-              <a:t>the title text </a:t>
-            </a:r>
-            <a:r>
-              <a:rPr b="0" lang="en-US" sz="4400" spc="-1" strike="noStrike">
-                <a:latin typeface="Arial"/>
-              </a:rPr>
-              <a:t>format</a:t>
+              <a:t>Click to edit the title text format</a:t>
             </a:r>
             <a:endParaRPr b="0" lang="en-US" sz="4400" spc="-1" strike="noStrike">
               <a:latin typeface="Arial"/>
@@ -5233,9 +5283,9 @@
         <p:grpSpPr>
           <a:xfrm>
             <a:off x="189000" y="368280"/>
-            <a:ext cx="8215560" cy="1041840"/>
+            <a:ext cx="8214840" cy="1041120"/>
             <a:chOff x="189000" y="368280"/>
-            <a:chExt cx="8215560" cy="1041840"/>
+            <a:chExt cx="8214840" cy="1041120"/>
           </a:xfrm>
         </p:grpSpPr>
         <p:sp>
@@ -5247,7 +5297,7 @@
           <p:spPr>
             <a:xfrm>
               <a:off x="507960" y="368280"/>
-              <a:ext cx="21240" cy="1041840"/>
+              <a:ext cx="20520" cy="1041120"/>
             </a:xfrm>
             <a:prstGeom prst="rect">
               <a:avLst/>
@@ -5275,7 +5325,7 @@
           <p:spPr>
             <a:xfrm>
               <a:off x="189000" y="1158840"/>
-              <a:ext cx="8215560" cy="21240"/>
+              <a:ext cx="8214840" cy="20520"/>
             </a:xfrm>
             <a:prstGeom prst="rect">
               <a:avLst/>
@@ -5323,7 +5373,9 @@
           </a:prstGeom>
         </p:spPr>
         <p:txBody>
-          <a:bodyPr lIns="0" rIns="0" tIns="0" bIns="0" anchor="ctr"/>
+          <a:bodyPr lIns="0" rIns="0" tIns="0" bIns="0" anchor="ctr">
+            <a:noAutofit/>
+          </a:bodyPr>
           <a:p>
             <a:pPr algn="ctr"/>
             <a:r>
@@ -5570,7 +5622,7 @@
         <p:spPr>
           <a:xfrm>
             <a:off x="990720" y="1676160"/>
-            <a:ext cx="7445880" cy="1460880"/>
+            <a:ext cx="7445160" cy="1460160"/>
           </a:xfrm>
           <a:prstGeom prst="rect">
             <a:avLst/>
@@ -5587,7 +5639,9 @@
           <a:fontRef idx="minor"/>
         </p:style>
         <p:txBody>
-          <a:bodyPr lIns="90000" rIns="90000" tIns="46800" bIns="46800" anchor="b"/>
+          <a:bodyPr lIns="90000" rIns="90000" tIns="46800" bIns="46800" anchor="b">
+            <a:noAutofit/>
+          </a:bodyPr>
           <a:p>
             <a:pPr algn="ctr">
               <a:lnSpc>
@@ -5619,7 +5673,7 @@
         <p:spPr>
           <a:xfrm>
             <a:off x="1371600" y="3886200"/>
-            <a:ext cx="6399720" cy="1751400"/>
+            <a:ext cx="6399000" cy="1750680"/>
           </a:xfrm>
           <a:prstGeom prst="rect">
             <a:avLst/>
@@ -5636,7 +5690,9 @@
           <a:fontRef idx="minor"/>
         </p:style>
         <p:txBody>
-          <a:bodyPr lIns="90000" rIns="90000" tIns="46800" bIns="46800"/>
+          <a:bodyPr lIns="90000" rIns="90000" tIns="46800" bIns="46800">
+            <a:noAutofit/>
+          </a:bodyPr>
           <a:p>
             <a:pPr algn="ctr">
               <a:lnSpc>
@@ -5664,33 +5720,14 @@
       </p:sp>
     </p:spTree>
   </p:cSld>
-  <p:timing>
-    <p:tnLst>
-      <p:par>
-        <p:cTn id="1" dur="indefinite" restart="never" nodeType="tmRoot">
-          <p:childTnLst>
-            <p:seq>
-              <p:cTn id="2" dur="indefinite" nodeType="mainSeq"/>
-              <p:prevCondLst>
-                <p:cond delay="0" evt="onPrev">
-                  <p:tgtEl>
-                    <p:sldTgt/>
-                  </p:tgtEl>
-                </p:cond>
-              </p:prevCondLst>
-              <p:nextCondLst>
-                <p:cond delay="0" evt="onNext">
-                  <p:tgtEl>
-                    <p:sldTgt/>
-                  </p:tgtEl>
-                </p:cond>
-              </p:nextCondLst>
-            </p:seq>
-          </p:childTnLst>
-        </p:cTn>
-      </p:par>
-    </p:tnLst>
-  </p:timing>
+  <mc:AlternateContent>
+    <mc:Choice Requires="p14">
+      <p:transition spd="slow" p14:dur="2000"/>
+    </mc:Choice>
+    <mc:Fallback>
+      <p:transition spd="slow"/>
+    </mc:Fallback>
+  </mc:AlternateContent>
 </p:sld>
 </file>
 
@@ -5727,7 +5764,7 @@
         <p:spPr>
           <a:xfrm>
             <a:off x="611280" y="259920"/>
-            <a:ext cx="7920360" cy="864000"/>
+            <a:ext cx="7919640" cy="863280"/>
           </a:xfrm>
           <a:prstGeom prst="rect">
             <a:avLst/>
@@ -5744,7 +5781,9 @@
           <a:fontRef idx="minor"/>
         </p:style>
         <p:txBody>
-          <a:bodyPr lIns="90000" rIns="90000" tIns="46800" bIns="46800" anchor="b"/>
+          <a:bodyPr lIns="90000" rIns="90000" tIns="46800" bIns="46800" anchor="b">
+            <a:noAutofit/>
+          </a:bodyPr>
           <a:p>
             <a:pPr algn="ctr">
               <a:lnSpc>
@@ -5776,7 +5815,7 @@
         <p:spPr>
           <a:xfrm>
             <a:off x="674280" y="1400040"/>
-            <a:ext cx="7920720" cy="4817160"/>
+            <a:ext cx="7920000" cy="4816440"/>
           </a:xfrm>
           <a:prstGeom prst="rect">
             <a:avLst/>
@@ -5797,7 +5836,7 @@
             <a:normAutofit/>
           </a:bodyPr>
           <a:p>
-            <a:pPr marL="333360" indent="-332280">
+            <a:pPr marL="333360" indent="-331560">
               <a:lnSpc>
                 <a:spcPct val="100000"/>
               </a:lnSpc>
@@ -5845,7 +5884,7 @@
             </a:endParaRPr>
           </a:p>
           <a:p>
-            <a:pPr lvl="1" marL="733320" indent="-275040">
+            <a:pPr lvl="1" marL="733320" indent="-274320">
               <a:lnSpc>
                 <a:spcPct val="100000"/>
               </a:lnSpc>
@@ -5874,7 +5913,7 @@
             </a:endParaRPr>
           </a:p>
           <a:p>
-            <a:pPr lvl="1" marL="733320" indent="-275040">
+            <a:pPr lvl="1" marL="733320" indent="-274320">
               <a:lnSpc>
                 <a:spcPct val="100000"/>
               </a:lnSpc>
@@ -5903,7 +5942,7 @@
             </a:endParaRPr>
           </a:p>
           <a:p>
-            <a:pPr marL="333360" indent="-332280">
+            <a:pPr marL="333360" indent="-331560">
               <a:lnSpc>
                 <a:spcPct val="100000"/>
               </a:lnSpc>
@@ -5951,7 +5990,7 @@
             </a:endParaRPr>
           </a:p>
           <a:p>
-            <a:pPr marL="333360" indent="-332280">
+            <a:pPr marL="333360" indent="-331560">
               <a:lnSpc>
                 <a:spcPct val="100000"/>
               </a:lnSpc>
@@ -6019,7 +6058,7 @@
             </a:endParaRPr>
           </a:p>
           <a:p>
-            <a:pPr marL="333360" indent="-332280">
+            <a:pPr marL="333360" indent="-331560">
               <a:lnSpc>
                 <a:spcPct val="100000"/>
               </a:lnSpc>
@@ -6060,13 +6099,16 @@
             </a:endParaRPr>
           </a:p>
           <a:p>
-            <a:pPr marL="212400" indent="-211320">
+            <a:pPr marL="212400" indent="-210600">
               <a:lnSpc>
                 <a:spcPct val="100000"/>
               </a:lnSpc>
               <a:spcBef>
                 <a:spcPts val="1423"/>
               </a:spcBef>
+              <a:tabLst>
+                <a:tab algn="l" pos="0"/>
+              </a:tabLst>
             </a:pPr>
             <a:r>
               <a:rPr b="0" lang="en-US" sz="2400" spc="-1" strike="noStrike">
@@ -6086,33 +6128,14 @@
       </p:sp>
     </p:spTree>
   </p:cSld>
-  <p:timing>
-    <p:tnLst>
-      <p:par>
-        <p:cTn id="19" dur="indefinite" restart="never" nodeType="tmRoot">
-          <p:childTnLst>
-            <p:seq>
-              <p:cTn id="20" dur="indefinite" nodeType="mainSeq"/>
-              <p:prevCondLst>
-                <p:cond delay="0" evt="onPrev">
-                  <p:tgtEl>
-                    <p:sldTgt/>
-                  </p:tgtEl>
-                </p:cond>
-              </p:prevCondLst>
-              <p:nextCondLst>
-                <p:cond delay="0" evt="onNext">
-                  <p:tgtEl>
-                    <p:sldTgt/>
-                  </p:tgtEl>
-                </p:cond>
-              </p:nextCondLst>
-            </p:seq>
-          </p:childTnLst>
-        </p:cTn>
-      </p:par>
-    </p:tnLst>
-  </p:timing>
+  <mc:AlternateContent>
+    <mc:Choice Requires="p14">
+      <p:transition spd="slow" p14:dur="2000"/>
+    </mc:Choice>
+    <mc:Fallback>
+      <p:transition spd="slow"/>
+    </mc:Fallback>
+  </mc:AlternateContent>
 </p:sld>
 </file>
 
@@ -6149,7 +6172,7 @@
         <p:spPr>
           <a:xfrm>
             <a:off x="611280" y="259920"/>
-            <a:ext cx="7920360" cy="864000"/>
+            <a:ext cx="7919640" cy="863280"/>
           </a:xfrm>
           <a:prstGeom prst="rect">
             <a:avLst/>
@@ -6166,7 +6189,9 @@
           <a:fontRef idx="minor"/>
         </p:style>
         <p:txBody>
-          <a:bodyPr lIns="90000" rIns="90000" tIns="46800" bIns="46800" anchor="b"/>
+          <a:bodyPr lIns="90000" rIns="90000" tIns="46800" bIns="46800" anchor="b">
+            <a:noAutofit/>
+          </a:bodyPr>
           <a:p>
             <a:pPr algn="ctr">
               <a:lnSpc>
@@ -6198,7 +6223,7 @@
         <p:spPr>
           <a:xfrm>
             <a:off x="503280" y="1399680"/>
-            <a:ext cx="8090280" cy="5078880"/>
+            <a:ext cx="8089560" cy="5078160"/>
           </a:xfrm>
           <a:prstGeom prst="rect">
             <a:avLst/>
@@ -6242,7 +6267,7 @@
             </a:endParaRPr>
           </a:p>
           <a:p>
-            <a:pPr marL="333360" indent="-332280">
+            <a:pPr marL="333360" indent="-331560">
               <a:lnSpc>
                 <a:spcPct val="100000"/>
               </a:lnSpc>
@@ -6290,7 +6315,7 @@
             </a:endParaRPr>
           </a:p>
           <a:p>
-            <a:pPr lvl="1" marL="733320" indent="-275040">
+            <a:pPr lvl="1" marL="733320" indent="-274320">
               <a:lnSpc>
                 <a:spcPct val="100000"/>
               </a:lnSpc>
@@ -6349,7 +6374,7 @@
             </a:endParaRPr>
           </a:p>
           <a:p>
-            <a:pPr marL="333360" indent="-332280">
+            <a:pPr marL="333360" indent="-331560">
               <a:lnSpc>
                 <a:spcPct val="100000"/>
               </a:lnSpc>
@@ -6429,7 +6454,7 @@
             </a:endParaRPr>
           </a:p>
           <a:p>
-            <a:pPr marL="333360" indent="-332280">
+            <a:pPr marL="333360" indent="-331560">
               <a:lnSpc>
                 <a:spcPct val="100000"/>
               </a:lnSpc>
@@ -6513,33 +6538,14 @@
       </p:sp>
     </p:spTree>
   </p:cSld>
-  <p:timing>
-    <p:tnLst>
-      <p:par>
-        <p:cTn id="21" dur="indefinite" restart="never" nodeType="tmRoot">
-          <p:childTnLst>
-            <p:seq>
-              <p:cTn id="22" dur="indefinite" nodeType="mainSeq"/>
-              <p:prevCondLst>
-                <p:cond delay="0" evt="onPrev">
-                  <p:tgtEl>
-                    <p:sldTgt/>
-                  </p:tgtEl>
-                </p:cond>
-              </p:prevCondLst>
-              <p:nextCondLst>
-                <p:cond delay="0" evt="onNext">
-                  <p:tgtEl>
-                    <p:sldTgt/>
-                  </p:tgtEl>
-                </p:cond>
-              </p:nextCondLst>
-            </p:seq>
-          </p:childTnLst>
-        </p:cTn>
-      </p:par>
-    </p:tnLst>
-  </p:timing>
+  <mc:AlternateContent>
+    <mc:Choice Requires="p14">
+      <p:transition spd="slow" p14:dur="2000"/>
+    </mc:Choice>
+    <mc:Fallback>
+      <p:transition spd="slow"/>
+    </mc:Fallback>
+  </mc:AlternateContent>
 </p:sld>
 </file>
 
@@ -6576,7 +6582,7 @@
         <p:spPr>
           <a:xfrm>
             <a:off x="611280" y="259920"/>
-            <a:ext cx="7920360" cy="864000"/>
+            <a:ext cx="7919640" cy="863280"/>
           </a:xfrm>
           <a:prstGeom prst="rect">
             <a:avLst/>
@@ -6593,7 +6599,9 @@
           <a:fontRef idx="minor"/>
         </p:style>
         <p:txBody>
-          <a:bodyPr lIns="90000" rIns="90000" tIns="46800" bIns="46800" anchor="b"/>
+          <a:bodyPr lIns="90000" rIns="90000" tIns="46800" bIns="46800" anchor="b">
+            <a:noAutofit/>
+          </a:bodyPr>
           <a:p>
             <a:pPr algn="ctr">
               <a:lnSpc>
@@ -6625,7 +6633,7 @@
         <p:spPr>
           <a:xfrm>
             <a:off x="503280" y="1399680"/>
-            <a:ext cx="8090280" cy="5078880"/>
+            <a:ext cx="8089560" cy="5078160"/>
           </a:xfrm>
           <a:prstGeom prst="rect">
             <a:avLst/>
@@ -6861,7 +6869,73 @@
                 <a:latin typeface="Arial"/>
                 <a:ea typeface="DejaVu Sans"/>
               </a:rPr>
-              <a:t>Famous examples: Quicksort algorithm. Knight's tour.</a:t>
+              <a:t>Famous examples: </a:t>
+            </a:r>
+            <a:endParaRPr b="0" lang="en-US" sz="2400" spc="-1" strike="noStrike">
+              <a:latin typeface="Arial"/>
+            </a:endParaRPr>
+          </a:p>
+          <a:p>
+            <a:pPr>
+              <a:lnSpc>
+                <a:spcPct val="100000"/>
+              </a:lnSpc>
+              <a:spcBef>
+                <a:spcPts val="598"/>
+              </a:spcBef>
+            </a:pPr>
+            <a:r>
+              <a:rPr b="0" lang="en-US" sz="2400" spc="-1" strike="noStrike">
+                <a:solidFill>
+                  <a:srgbClr val="000000"/>
+                </a:solidFill>
+                <a:latin typeface="Arial"/>
+                <a:ea typeface="DejaVu Sans"/>
+              </a:rPr>
+              <a:t>	</a:t>
+            </a:r>
+            <a:r>
+              <a:rPr b="0" lang="en-US" sz="2400" spc="-1" strike="noStrike">
+                <a:solidFill>
+                  <a:srgbClr val="000000"/>
+                </a:solidFill>
+                <a:latin typeface="Arial"/>
+                <a:ea typeface="DejaVu Sans"/>
+              </a:rPr>
+              <a:t>Quicksort algorithm </a:t>
+            </a:r>
+            <a:endParaRPr b="0" lang="en-US" sz="2400" spc="-1" strike="noStrike">
+              <a:latin typeface="Arial"/>
+            </a:endParaRPr>
+          </a:p>
+          <a:p>
+            <a:pPr>
+              <a:lnSpc>
+                <a:spcPct val="100000"/>
+              </a:lnSpc>
+              <a:spcBef>
+                <a:spcPts val="598"/>
+              </a:spcBef>
+            </a:pPr>
+            <a:r>
+              <a:rPr b="0" lang="en-US" sz="2400" spc="-1" strike="noStrike">
+                <a:solidFill>
+                  <a:srgbClr val="000000"/>
+                </a:solidFill>
+                <a:latin typeface="Arial"/>
+                <a:ea typeface="DejaVu Sans"/>
+              </a:rPr>
+              <a:t>	</a:t>
+            </a:r>
+            <a:r>
+              <a:rPr b="0" lang="en-US" sz="2400" spc="-1" strike="noStrike">
+                <a:solidFill>
+                  <a:srgbClr val="000000"/>
+                </a:solidFill>
+                <a:latin typeface="Arial"/>
+                <a:ea typeface="DejaVu Sans"/>
+              </a:rPr>
+              <a:t>Knight's tour</a:t>
             </a:r>
             <a:endParaRPr b="0" lang="en-US" sz="2400" spc="-1" strike="noStrike">
               <a:latin typeface="Arial"/>
@@ -6897,33 +6971,14 @@
       </p:sp>
     </p:spTree>
   </p:cSld>
-  <p:timing>
-    <p:tnLst>
-      <p:par>
-        <p:cTn id="23" dur="indefinite" restart="never" nodeType="tmRoot">
-          <p:childTnLst>
-            <p:seq>
-              <p:cTn id="24" dur="indefinite" nodeType="mainSeq"/>
-              <p:prevCondLst>
-                <p:cond delay="0" evt="onPrev">
-                  <p:tgtEl>
-                    <p:sldTgt/>
-                  </p:tgtEl>
-                </p:cond>
-              </p:prevCondLst>
-              <p:nextCondLst>
-                <p:cond delay="0" evt="onNext">
-                  <p:tgtEl>
-                    <p:sldTgt/>
-                  </p:tgtEl>
-                </p:cond>
-              </p:nextCondLst>
-            </p:seq>
-          </p:childTnLst>
-        </p:cTn>
-      </p:par>
-    </p:tnLst>
-  </p:timing>
+  <mc:AlternateContent>
+    <mc:Choice Requires="p14">
+      <p:transition spd="slow" p14:dur="2000"/>
+    </mc:Choice>
+    <mc:Fallback>
+      <p:transition spd="slow"/>
+    </mc:Fallback>
+  </mc:AlternateContent>
 </p:sld>
 </file>
 
@@ -6960,7 +7015,7 @@
         <p:spPr>
           <a:xfrm>
             <a:off x="611280" y="259920"/>
-            <a:ext cx="7920360" cy="864000"/>
+            <a:ext cx="7919640" cy="863280"/>
           </a:xfrm>
           <a:prstGeom prst="rect">
             <a:avLst/>
@@ -6977,7 +7032,9 @@
           <a:fontRef idx="minor"/>
         </p:style>
         <p:txBody>
-          <a:bodyPr lIns="90000" rIns="90000" tIns="46800" bIns="46800" anchor="b"/>
+          <a:bodyPr lIns="90000" rIns="90000" tIns="46800" bIns="46800" anchor="b">
+            <a:noAutofit/>
+          </a:bodyPr>
           <a:p>
             <a:pPr algn="ctr">
               <a:lnSpc>
@@ -7009,7 +7066,7 @@
         <p:spPr>
           <a:xfrm>
             <a:off x="503280" y="1399680"/>
-            <a:ext cx="8090280" cy="5078880"/>
+            <a:ext cx="8089560" cy="5078160"/>
           </a:xfrm>
           <a:prstGeom prst="rect">
             <a:avLst/>
@@ -7082,7 +7139,27 @@
                 <a:latin typeface="Arial"/>
                 <a:ea typeface="DejaVu Sans"/>
               </a:rPr>
-              <a:t>My opinion:  No.</a:t>
+              <a:t>My opinion:  </a:t>
+            </a:r>
+            <a:r>
+              <a:rPr b="1" lang="en-US" sz="2400" spc="-1" strike="noStrike">
+                <a:solidFill>
+                  <a:srgbClr val="000080"/>
+                </a:solidFill>
+                <a:latin typeface="Arial"/>
+                <a:ea typeface="DejaVu Sans"/>
+              </a:rPr>
+              <a:t>No</a:t>
+            </a:r>
+            <a:r>
+              <a:rPr b="0" lang="en-US" sz="2400" spc="-1" strike="noStrike">
+                <a:solidFill>
+                  <a:srgbClr val="000000"/>
+                </a:solidFill>
+                <a:latin typeface="Arial"/>
+                <a:ea typeface="DejaVu Sans"/>
+              </a:rPr>
+              <a:t>.</a:t>
             </a:r>
             <a:endParaRPr b="0" lang="en-US" sz="2400" spc="-1" strike="noStrike">
               <a:latin typeface="Arial"/>
@@ -7118,7 +7195,27 @@
                 <a:latin typeface="Arial"/>
                 <a:ea typeface="DejaVu Sans"/>
               </a:rPr>
-              <a:t>1 + 2 + ... + n ==&gt; looks like iteration (a loop)</a:t>
+              <a:t>1 + 2 + ... + n ==&gt; looks like </a:t>
+            </a:r>
+            <a:r>
+              <a:rPr b="0" i="1" lang="en-US" sz="2400" spc="-1" strike="noStrike">
+                <a:solidFill>
+                  <a:srgbClr val="000080"/>
+                </a:solidFill>
+                <a:latin typeface="Arial"/>
+                <a:ea typeface="DejaVu Sans"/>
+              </a:rPr>
+              <a:t>iteration</a:t>
+            </a:r>
+            <a:r>
+              <a:rPr b="0" lang="en-US" sz="2400" spc="-1" strike="noStrike">
+                <a:solidFill>
+                  <a:srgbClr val="000000"/>
+                </a:solidFill>
+                <a:latin typeface="Arial"/>
+                <a:ea typeface="DejaVu Sans"/>
+              </a:rPr>
+              <a:t> (a loop)</a:t>
             </a:r>
             <a:endParaRPr b="0" lang="en-US" sz="2400" spc="-1" strike="noStrike">
               <a:latin typeface="Arial"/>
@@ -7154,33 +7251,14 @@
       </p:sp>
     </p:spTree>
   </p:cSld>
-  <p:timing>
-    <p:tnLst>
-      <p:par>
-        <p:cTn id="25" dur="indefinite" restart="never" nodeType="tmRoot">
-          <p:childTnLst>
-            <p:seq>
-              <p:cTn id="26" dur="indefinite" nodeType="mainSeq"/>
-              <p:prevCondLst>
-                <p:cond delay="0" evt="onPrev">
-                  <p:tgtEl>
-                    <p:sldTgt/>
-                  </p:tgtEl>
-                </p:cond>
-              </p:prevCondLst>
-              <p:nextCondLst>
-                <p:cond delay="0" evt="onNext">
-                  <p:tgtEl>
-                    <p:sldTgt/>
-                  </p:tgtEl>
-                </p:cond>
-              </p:nextCondLst>
-            </p:seq>
-          </p:childTnLst>
-        </p:cTn>
-      </p:par>
-    </p:tnLst>
-  </p:timing>
+  <mc:AlternateContent>
+    <mc:Choice Requires="p14">
+      <p:transition spd="slow" p14:dur="2000"/>
+    </mc:Choice>
+    <mc:Fallback>
+      <p:transition spd="slow"/>
+    </mc:Fallback>
+  </mc:AlternateContent>
 </p:sld>
 </file>
 
@@ -7217,7 +7295,7 @@
         <p:spPr>
           <a:xfrm>
             <a:off x="611280" y="259920"/>
-            <a:ext cx="7920360" cy="864000"/>
+            <a:ext cx="7919640" cy="863280"/>
           </a:xfrm>
           <a:prstGeom prst="rect">
             <a:avLst/>
@@ -7234,7 +7312,9 @@
           <a:fontRef idx="minor"/>
         </p:style>
         <p:txBody>
-          <a:bodyPr lIns="90000" rIns="90000" tIns="46800" bIns="46800" anchor="ctr"/>
+          <a:bodyPr lIns="90000" rIns="90000" tIns="46800" bIns="46800" anchor="ctr">
+            <a:noAutofit/>
+          </a:bodyPr>
           <a:p>
             <a:pPr algn="ctr">
               <a:lnSpc>
@@ -7266,7 +7346,7 @@
         <p:spPr>
           <a:xfrm>
             <a:off x="501120" y="1439640"/>
-            <a:ext cx="7920720" cy="519840"/>
+            <a:ext cx="7920000" cy="519120"/>
           </a:xfrm>
           <a:prstGeom prst="rect">
             <a:avLst/>
@@ -7287,13 +7367,16 @@
             <a:normAutofit/>
           </a:bodyPr>
           <a:p>
-            <a:pPr marL="341280" indent="-332280">
+            <a:pPr marL="341280" indent="-331560">
               <a:lnSpc>
                 <a:spcPct val="100000"/>
               </a:lnSpc>
               <a:spcBef>
                 <a:spcPts val="598"/>
               </a:spcBef>
+              <a:tabLst>
+                <a:tab algn="l" pos="0"/>
+              </a:tabLst>
             </a:pPr>
             <a:r>
               <a:rPr b="0" lang="en-US" sz="2400" spc="-1" strike="noStrike">
@@ -7320,7 +7403,7 @@
         <p:spPr>
           <a:xfrm>
             <a:off x="456480" y="2014920"/>
-            <a:ext cx="8138160" cy="2099160"/>
+            <a:ext cx="8137440" cy="2098440"/>
           </a:xfrm>
           <a:custGeom>
             <a:avLst/>
@@ -7365,7 +7448,9 @@
           <a:fontRef idx="minor"/>
         </p:style>
         <p:txBody>
-          <a:bodyPr lIns="90000" rIns="90000" tIns="46800" bIns="46800"/>
+          <a:bodyPr lIns="90000" rIns="90000" tIns="46800" bIns="46800">
+            <a:noAutofit/>
+          </a:bodyPr>
           <a:p>
             <a:pPr>
               <a:lnSpc>
@@ -7552,7 +7637,7 @@
         <p:spPr>
           <a:xfrm>
             <a:off x="399600" y="4480560"/>
-            <a:ext cx="7920720" cy="1828440"/>
+            <a:ext cx="7920000" cy="1827720"/>
           </a:xfrm>
           <a:prstGeom prst="rect">
             <a:avLst/>
@@ -7573,13 +7658,16 @@
             <a:normAutofit/>
           </a:bodyPr>
           <a:p>
-            <a:pPr marL="341280" indent="-332280">
+            <a:pPr marL="341280" indent="-331560">
               <a:lnSpc>
                 <a:spcPct val="100000"/>
               </a:lnSpc>
               <a:spcBef>
                 <a:spcPts val="598"/>
               </a:spcBef>
+              <a:tabLst>
+                <a:tab algn="l" pos="0"/>
+              </a:tabLst>
             </a:pPr>
             <a:r>
               <a:rPr b="0" lang="en-US" sz="2400" spc="-1" strike="noStrike">
@@ -7596,13 +7684,16 @@
             </a:endParaRPr>
           </a:p>
           <a:p>
-            <a:pPr marL="341280" indent="-332280">
+            <a:pPr marL="341280" indent="-331560">
               <a:lnSpc>
                 <a:spcPct val="100000"/>
               </a:lnSpc>
               <a:spcBef>
                 <a:spcPts val="598"/>
               </a:spcBef>
+              <a:tabLst>
+                <a:tab algn="l" pos="0"/>
+              </a:tabLst>
             </a:pPr>
             <a:r>
               <a:rPr b="0" lang="en-US" sz="2400" spc="-1" strike="noStrike">
@@ -7642,33 +7733,14 @@
       </p:sp>
     </p:spTree>
   </p:cSld>
-  <p:timing>
-    <p:tnLst>
-      <p:par>
-        <p:cTn id="27" dur="indefinite" restart="never" nodeType="tmRoot">
-          <p:childTnLst>
-            <p:seq>
-              <p:cTn id="28" dur="indefinite" nodeType="mainSeq"/>
-              <p:prevCondLst>
-                <p:cond delay="0" evt="onPrev">
-                  <p:tgtEl>
-                    <p:sldTgt/>
-                  </p:tgtEl>
-                </p:cond>
-              </p:prevCondLst>
-              <p:nextCondLst>
-                <p:cond delay="0" evt="onNext">
-                  <p:tgtEl>
-                    <p:sldTgt/>
-                  </p:tgtEl>
-                </p:cond>
-              </p:nextCondLst>
-            </p:seq>
-          </p:childTnLst>
-        </p:cTn>
-      </p:par>
-    </p:tnLst>
-  </p:timing>
+  <mc:AlternateContent>
+    <mc:Choice Requires="p14">
+      <p:transition spd="slow" p14:dur="2000"/>
+    </mc:Choice>
+    <mc:Fallback>
+      <p:transition spd="slow"/>
+    </mc:Fallback>
+  </mc:AlternateContent>
 </p:sld>
 </file>
 
@@ -7705,7 +7777,7 @@
         <p:spPr>
           <a:xfrm>
             <a:off x="611280" y="259920"/>
-            <a:ext cx="7920360" cy="864000"/>
+            <a:ext cx="7919640" cy="863280"/>
           </a:xfrm>
           <a:prstGeom prst="rect">
             <a:avLst/>
@@ -7722,7 +7794,9 @@
           <a:fontRef idx="minor"/>
         </p:style>
         <p:txBody>
-          <a:bodyPr lIns="90000" rIns="90000" tIns="46800" bIns="46800" anchor="ctr"/>
+          <a:bodyPr lIns="90000" rIns="90000" tIns="46800" bIns="46800" anchor="ctr">
+            <a:noAutofit/>
+          </a:bodyPr>
           <a:p>
             <a:pPr algn="ctr">
               <a:lnSpc>
@@ -7754,7 +7828,7 @@
         <p:spPr>
           <a:xfrm>
             <a:off x="501120" y="1367640"/>
-            <a:ext cx="7920720" cy="1740600"/>
+            <a:ext cx="7920000" cy="1739880"/>
           </a:xfrm>
           <a:prstGeom prst="rect">
             <a:avLst/>
@@ -7775,13 +7849,16 @@
             <a:normAutofit/>
           </a:bodyPr>
           <a:p>
-            <a:pPr marL="341280" indent="-332280">
+            <a:pPr marL="341280" indent="-331560">
               <a:lnSpc>
                 <a:spcPct val="100000"/>
               </a:lnSpc>
               <a:spcBef>
                 <a:spcPts val="598"/>
               </a:spcBef>
+              <a:tabLst>
+                <a:tab algn="l" pos="0"/>
+              </a:tabLst>
             </a:pPr>
             <a:r>
               <a:rPr b="0" lang="en-US" sz="2400" spc="-1" strike="noStrike">
@@ -7798,13 +7875,16 @@
             </a:endParaRPr>
           </a:p>
           <a:p>
-            <a:pPr marL="341280" indent="-332280">
+            <a:pPr marL="341280" indent="-331560">
               <a:lnSpc>
                 <a:spcPct val="100000"/>
               </a:lnSpc>
               <a:spcBef>
                 <a:spcPts val="598"/>
               </a:spcBef>
+              <a:tabLst>
+                <a:tab algn="l" pos="0"/>
+              </a:tabLst>
             </a:pPr>
             <a:r>
               <a:rPr b="0" lang="en-US" sz="2400" spc="-1" strike="noStrike">
@@ -7851,7 +7931,7 @@
         <p:spPr>
           <a:xfrm>
             <a:off x="368640" y="3089520"/>
-            <a:ext cx="8137800" cy="547920"/>
+            <a:ext cx="8137080" cy="547200"/>
           </a:xfrm>
           <a:custGeom>
             <a:avLst/>
@@ -7896,7 +7976,9 @@
           <a:fontRef idx="minor"/>
         </p:style>
         <p:txBody>
-          <a:bodyPr lIns="90000" rIns="90000" tIns="46800" bIns="46800"/>
+          <a:bodyPr lIns="90000" rIns="90000" tIns="46800" bIns="46800">
+            <a:noAutofit/>
+          </a:bodyPr>
           <a:p>
             <a:pPr>
               <a:lnSpc>
@@ -7951,7 +8033,7 @@
         <p:spPr>
           <a:xfrm>
             <a:off x="295200" y="3940200"/>
-            <a:ext cx="8138160" cy="2368440"/>
+            <a:ext cx="8137440" cy="2367720"/>
           </a:xfrm>
           <a:custGeom>
             <a:avLst/>
@@ -7996,7 +8078,9 @@
           <a:fontRef idx="minor"/>
         </p:style>
         <p:txBody>
-          <a:bodyPr lIns="90000" rIns="90000" tIns="46800" bIns="46800"/>
+          <a:bodyPr lIns="90000" rIns="90000" tIns="46800" bIns="46800">
+            <a:noAutofit/>
+          </a:bodyPr>
           <a:p>
             <a:pPr>
               <a:lnSpc>
@@ -8239,33 +8323,14 @@
       </p:sp>
     </p:spTree>
   </p:cSld>
-  <p:timing>
-    <p:tnLst>
-      <p:par>
-        <p:cTn id="29" dur="indefinite" restart="never" nodeType="tmRoot">
-          <p:childTnLst>
-            <p:seq>
-              <p:cTn id="30" dur="indefinite" nodeType="mainSeq"/>
-              <p:prevCondLst>
-                <p:cond delay="0" evt="onPrev">
-                  <p:tgtEl>
-                    <p:sldTgt/>
-                  </p:tgtEl>
-                </p:cond>
-              </p:prevCondLst>
-              <p:nextCondLst>
-                <p:cond delay="0" evt="onNext">
-                  <p:tgtEl>
-                    <p:sldTgt/>
-                  </p:tgtEl>
-                </p:cond>
-              </p:nextCondLst>
-            </p:seq>
-          </p:childTnLst>
-        </p:cTn>
-      </p:par>
-    </p:tnLst>
-  </p:timing>
+  <mc:AlternateContent>
+    <mc:Choice Requires="p14">
+      <p:transition spd="slow" p14:dur="2000"/>
+    </mc:Choice>
+    <mc:Fallback>
+      <p:transition spd="slow"/>
+    </mc:Fallback>
+  </mc:AlternateContent>
 </p:sld>
 </file>
 
@@ -8302,7 +8367,7 @@
         <p:spPr>
           <a:xfrm>
             <a:off x="611280" y="259920"/>
-            <a:ext cx="7920360" cy="864000"/>
+            <a:ext cx="7919640" cy="863280"/>
           </a:xfrm>
           <a:prstGeom prst="rect">
             <a:avLst/>
@@ -8319,7 +8384,9 @@
           <a:fontRef idx="minor"/>
         </p:style>
         <p:txBody>
-          <a:bodyPr lIns="90000" rIns="90000" tIns="46800" bIns="46800" anchor="ctr"/>
+          <a:bodyPr lIns="90000" rIns="90000" tIns="46800" bIns="46800" anchor="ctr">
+            <a:noAutofit/>
+          </a:bodyPr>
           <a:p>
             <a:pPr algn="ctr">
               <a:lnSpc>
@@ -8351,7 +8418,7 @@
         <p:spPr>
           <a:xfrm>
             <a:off x="674280" y="1399680"/>
-            <a:ext cx="7920720" cy="4463280"/>
+            <a:ext cx="7920000" cy="4462560"/>
           </a:xfrm>
           <a:prstGeom prst="rect">
             <a:avLst/>
@@ -8428,33 +8495,14 @@
       </p:sp>
     </p:spTree>
   </p:cSld>
-  <p:timing>
-    <p:tnLst>
-      <p:par>
-        <p:cTn id="31" dur="indefinite" restart="never" nodeType="tmRoot">
-          <p:childTnLst>
-            <p:seq>
-              <p:cTn id="32" dur="indefinite" nodeType="mainSeq"/>
-              <p:prevCondLst>
-                <p:cond delay="0" evt="onPrev">
-                  <p:tgtEl>
-                    <p:sldTgt/>
-                  </p:tgtEl>
-                </p:cond>
-              </p:prevCondLst>
-              <p:nextCondLst>
-                <p:cond delay="0" evt="onNext">
-                  <p:tgtEl>
-                    <p:sldTgt/>
-                  </p:tgtEl>
-                </p:cond>
-              </p:nextCondLst>
-            </p:seq>
-          </p:childTnLst>
-        </p:cTn>
-      </p:par>
-    </p:tnLst>
-  </p:timing>
+  <mc:AlternateContent>
+    <mc:Choice Requires="p14">
+      <p:transition spd="slow" p14:dur="2000"/>
+    </mc:Choice>
+    <mc:Fallback>
+      <p:transition spd="slow"/>
+    </mc:Fallback>
+  </mc:AlternateContent>
 </p:sld>
 </file>
 
@@ -8491,7 +8539,7 @@
         <p:spPr>
           <a:xfrm>
             <a:off x="611280" y="259920"/>
-            <a:ext cx="7920360" cy="864000"/>
+            <a:ext cx="7919640" cy="863280"/>
           </a:xfrm>
           <a:prstGeom prst="rect">
             <a:avLst/>
@@ -8508,7 +8556,9 @@
           <a:fontRef idx="minor"/>
         </p:style>
         <p:txBody>
-          <a:bodyPr lIns="90000" rIns="90000" tIns="46800" bIns="46800" anchor="ctr"/>
+          <a:bodyPr lIns="90000" rIns="90000" tIns="46800" bIns="46800" anchor="ctr">
+            <a:noAutofit/>
+          </a:bodyPr>
           <a:p>
             <a:pPr algn="ctr">
               <a:lnSpc>
@@ -8540,7 +8590,7 @@
         <p:spPr>
           <a:xfrm>
             <a:off x="674280" y="1399680"/>
-            <a:ext cx="7920720" cy="5007600"/>
+            <a:ext cx="7920000" cy="5006880"/>
           </a:xfrm>
           <a:prstGeom prst="rect">
             <a:avLst/>
@@ -8558,10 +8608,10 @@
         </p:style>
         <p:txBody>
           <a:bodyPr lIns="90000" rIns="90000" tIns="46800" bIns="46800">
-            <a:normAutofit/>
+            <a:normAutofit fontScale="94000"/>
           </a:bodyPr>
           <a:p>
-            <a:pPr marL="333360" indent="-332280">
+            <a:pPr marL="333360" indent="-331560">
               <a:lnSpc>
                 <a:spcPct val="100000"/>
               </a:lnSpc>
@@ -8641,20 +8691,23 @@
             </a:endParaRPr>
           </a:p>
           <a:p>
-            <a:pPr marL="341280" indent="-332280">
+            <a:pPr marL="341280" indent="-331560">
               <a:lnSpc>
                 <a:spcPct val="100000"/>
               </a:lnSpc>
               <a:spcBef>
                 <a:spcPts val="598"/>
               </a:spcBef>
+              <a:tabLst>
+                <a:tab algn="l" pos="0"/>
+              </a:tabLst>
             </a:pPr>
             <a:endParaRPr b="0" lang="en-US" sz="2400" spc="-1" strike="noStrike">
               <a:latin typeface="Arial"/>
             </a:endParaRPr>
           </a:p>
           <a:p>
-            <a:pPr marL="333360" indent="-332280">
+            <a:pPr marL="333360" indent="-331560">
               <a:lnSpc>
                 <a:spcPct val="100000"/>
               </a:lnSpc>
@@ -8667,6 +8720,9 @@
               <a:buSzPct val="60000"/>
               <a:buFont typeface="Wingdings" charset="2"/>
               <a:buChar char=""/>
+              <a:tabLst>
+                <a:tab algn="l" pos="0"/>
+              </a:tabLst>
             </a:pPr>
             <a:r>
               <a:rPr b="0" lang="en-US" sz="2400" spc="-1" strike="noStrike">
@@ -8683,7 +8739,7 @@
             </a:endParaRPr>
           </a:p>
           <a:p>
-            <a:pPr lvl="1" marL="733320" indent="-275040">
+            <a:pPr lvl="1" marL="733320" indent="-274320">
               <a:lnSpc>
                 <a:spcPct val="100000"/>
               </a:lnSpc>
@@ -8696,6 +8752,9 @@
               <a:buSzPct val="55000"/>
               <a:buFont typeface="Wingdings" charset="2"/>
               <a:buChar char=""/>
+              <a:tabLst>
+                <a:tab algn="l" pos="0"/>
+              </a:tabLst>
             </a:pPr>
             <a:r>
               <a:rPr b="0" lang="en-US" sz="2400" spc="-1" strike="noStrike">
@@ -8753,7 +8812,7 @@
             </a:endParaRPr>
           </a:p>
           <a:p>
-            <a:pPr lvl="1" marL="733320" indent="-275040">
+            <a:pPr lvl="1" marL="733320" indent="-274320">
               <a:lnSpc>
                 <a:spcPct val="100000"/>
               </a:lnSpc>
@@ -8766,6 +8825,9 @@
               <a:buSzPct val="55000"/>
               <a:buFont typeface="Wingdings" charset="2"/>
               <a:buChar char=""/>
+              <a:tabLst>
+                <a:tab algn="l" pos="0"/>
+              </a:tabLst>
             </a:pPr>
             <a:r>
               <a:rPr b="0" lang="en-US" sz="2400" spc="-1" strike="noStrike">
@@ -8782,7 +8844,7 @@
             </a:endParaRPr>
           </a:p>
           <a:p>
-            <a:pPr lvl="1" marL="733320" indent="-275040">
+            <a:pPr lvl="1" marL="733320" indent="-274320">
               <a:lnSpc>
                 <a:spcPct val="100000"/>
               </a:lnSpc>
@@ -8795,6 +8857,9 @@
               <a:buSzPct val="55000"/>
               <a:buFont typeface="Wingdings" charset="2"/>
               <a:buChar char=""/>
+              <a:tabLst>
+                <a:tab algn="l" pos="0"/>
+              </a:tabLst>
             </a:pPr>
             <a:r>
               <a:rPr b="0" lang="en-US" sz="2400" spc="-1" strike="noStrike">
@@ -8811,20 +8876,23 @@
             </a:endParaRPr>
           </a:p>
           <a:p>
-            <a:pPr marL="341280" indent="-332280">
+            <a:pPr marL="341280" indent="-331560">
               <a:lnSpc>
                 <a:spcPct val="100000"/>
               </a:lnSpc>
               <a:spcBef>
                 <a:spcPts val="598"/>
               </a:spcBef>
+              <a:tabLst>
+                <a:tab algn="l" pos="0"/>
+              </a:tabLst>
             </a:pPr>
             <a:endParaRPr b="0" lang="en-US" sz="2400" spc="-1" strike="noStrike">
               <a:latin typeface="Arial"/>
             </a:endParaRPr>
           </a:p>
           <a:p>
-            <a:pPr marL="333360" indent="-332280">
+            <a:pPr marL="333360" indent="-331560">
               <a:lnSpc>
                 <a:spcPct val="100000"/>
               </a:lnSpc>
@@ -8837,6 +8905,9 @@
               <a:buSzPct val="60000"/>
               <a:buFont typeface="Wingdings" charset="2"/>
               <a:buChar char=""/>
+              <a:tabLst>
+                <a:tab algn="l" pos="0"/>
+              </a:tabLst>
             </a:pPr>
             <a:r>
               <a:rPr b="0" lang="en-US" sz="2400" spc="-1" strike="noStrike">
@@ -8873,7 +8944,7 @@
             </a:endParaRPr>
           </a:p>
           <a:p>
-            <a:pPr lvl="1" marL="733320" indent="-275040">
+            <a:pPr lvl="1" marL="733320" indent="-274320">
               <a:lnSpc>
                 <a:spcPct val="100000"/>
               </a:lnSpc>
@@ -8886,6 +8957,9 @@
               <a:buSzPct val="55000"/>
               <a:buFont typeface="Wingdings" charset="2"/>
               <a:buChar char=""/>
+              <a:tabLst>
+                <a:tab algn="l" pos="0"/>
+              </a:tabLst>
             </a:pPr>
             <a:r>
               <a:rPr b="0" lang="en-US" sz="2400" spc="-1" strike="noStrike">
@@ -8905,33 +8979,14 @@
       </p:sp>
     </p:spTree>
   </p:cSld>
-  <p:timing>
-    <p:tnLst>
-      <p:par>
-        <p:cTn id="33" dur="indefinite" restart="never" nodeType="tmRoot">
-          <p:childTnLst>
-            <p:seq>
-              <p:cTn id="34" dur="indefinite" nodeType="mainSeq"/>
-              <p:prevCondLst>
-                <p:cond delay="0" evt="onPrev">
-                  <p:tgtEl>
-                    <p:sldTgt/>
-                  </p:tgtEl>
-                </p:cond>
-              </p:prevCondLst>
-              <p:nextCondLst>
-                <p:cond delay="0" evt="onNext">
-                  <p:tgtEl>
-                    <p:sldTgt/>
-                  </p:tgtEl>
-                </p:cond>
-              </p:nextCondLst>
-            </p:seq>
-          </p:childTnLst>
-        </p:cTn>
-      </p:par>
-    </p:tnLst>
-  </p:timing>
+  <mc:AlternateContent>
+    <mc:Choice Requires="p14">
+      <p:transition spd="slow" p14:dur="2000"/>
+    </mc:Choice>
+    <mc:Fallback>
+      <p:transition spd="slow"/>
+    </mc:Fallback>
+  </mc:AlternateContent>
 </p:sld>
 </file>
 
@@ -8968,7 +9023,7 @@
         <p:spPr>
           <a:xfrm>
             <a:off x="611280" y="259920"/>
-            <a:ext cx="7920360" cy="864000"/>
+            <a:ext cx="7919640" cy="863280"/>
           </a:xfrm>
           <a:prstGeom prst="rect">
             <a:avLst/>
@@ -8985,7 +9040,9 @@
           <a:fontRef idx="minor"/>
         </p:style>
         <p:txBody>
-          <a:bodyPr lIns="90000" rIns="90000" tIns="46800" bIns="46800" anchor="ctr"/>
+          <a:bodyPr lIns="90000" rIns="90000" tIns="46800" bIns="46800" anchor="ctr">
+            <a:noAutofit/>
+          </a:bodyPr>
           <a:p>
             <a:pPr algn="ctr">
               <a:lnSpc>
@@ -9017,7 +9074,7 @@
         <p:spPr>
           <a:xfrm>
             <a:off x="674280" y="1399680"/>
-            <a:ext cx="7920720" cy="5007600"/>
+            <a:ext cx="7920000" cy="5006880"/>
           </a:xfrm>
           <a:prstGeom prst="rect">
             <a:avLst/>
@@ -9038,7 +9095,7 @@
             <a:normAutofit/>
           </a:bodyPr>
           <a:p>
-            <a:pPr marL="333360" indent="-332280">
+            <a:pPr marL="333360" indent="-331560">
               <a:lnSpc>
                 <a:spcPct val="100000"/>
               </a:lnSpc>
@@ -9067,7 +9124,7 @@
             </a:endParaRPr>
           </a:p>
           <a:p>
-            <a:pPr marL="333360" indent="-332280">
+            <a:pPr marL="333360" indent="-331560">
               <a:lnSpc>
                 <a:spcPct val="100000"/>
               </a:lnSpc>
@@ -9099,33 +9156,14 @@
       </p:sp>
     </p:spTree>
   </p:cSld>
-  <p:timing>
-    <p:tnLst>
-      <p:par>
-        <p:cTn id="35" dur="indefinite" restart="never" nodeType="tmRoot">
-          <p:childTnLst>
-            <p:seq>
-              <p:cTn id="36" dur="indefinite" nodeType="mainSeq"/>
-              <p:prevCondLst>
-                <p:cond delay="0" evt="onPrev">
-                  <p:tgtEl>
-                    <p:sldTgt/>
-                  </p:tgtEl>
-                </p:cond>
-              </p:prevCondLst>
-              <p:nextCondLst>
-                <p:cond delay="0" evt="onNext">
-                  <p:tgtEl>
-                    <p:sldTgt/>
-                  </p:tgtEl>
-                </p:cond>
-              </p:nextCondLst>
-            </p:seq>
-          </p:childTnLst>
-        </p:cTn>
-      </p:par>
-    </p:tnLst>
-  </p:timing>
+  <mc:AlternateContent>
+    <mc:Choice Requires="p14">
+      <p:transition spd="slow" p14:dur="2000"/>
+    </mc:Choice>
+    <mc:Fallback>
+      <p:transition spd="slow"/>
+    </mc:Fallback>
+  </mc:AlternateContent>
 </p:sld>
 </file>
 
@@ -9162,7 +9200,7 @@
         <p:spPr>
           <a:xfrm>
             <a:off x="611280" y="259920"/>
-            <a:ext cx="7920360" cy="864000"/>
+            <a:ext cx="7919640" cy="863280"/>
           </a:xfrm>
           <a:prstGeom prst="rect">
             <a:avLst/>
@@ -9179,7 +9217,9 @@
           <a:fontRef idx="minor"/>
         </p:style>
         <p:txBody>
-          <a:bodyPr lIns="90000" rIns="90000" tIns="46800" bIns="46800" anchor="ctr"/>
+          <a:bodyPr lIns="90000" rIns="90000" tIns="46800" bIns="46800" anchor="ctr">
+            <a:noAutofit/>
+          </a:bodyPr>
           <a:p>
             <a:pPr algn="ctr">
               <a:lnSpc>
@@ -9211,7 +9251,7 @@
         <p:spPr>
           <a:xfrm>
             <a:off x="674280" y="1399680"/>
-            <a:ext cx="7920720" cy="4463280"/>
+            <a:ext cx="7920000" cy="4462560"/>
           </a:xfrm>
           <a:prstGeom prst="rect">
             <a:avLst/>
@@ -9337,7 +9377,18 @@
                 <a:latin typeface="Arial"/>
                 <a:ea typeface="DejaVu Sans"/>
               </a:rPr>
-              <a:t> - programming problems using recursion.  Recursion-1 set is easy, Recursion-2 is more challenging &amp; use backtracking. Only available for Java.</a:t>
+              <a:t> - programming problems using recursion.  Recursion-1 set is easy, Recursion-2 is more challenging &amp; use backtracking. </a:t>
+            </a:r>
+            <a:br/>
+            <a:r>
+              <a:rPr b="0" lang="en-US" sz="2400" spc="-1" strike="noStrike">
+                <a:solidFill>
+                  <a:srgbClr val="000000"/>
+                </a:solidFill>
+                <a:latin typeface="Arial"/>
+                <a:ea typeface="DejaVu Sans"/>
+              </a:rPr>
+              <a:t>Recursion problems only available for Java version.</a:t>
             </a:r>
             <a:endParaRPr b="0" lang="en-US" sz="2400" spc="-1" strike="noStrike">
               <a:latin typeface="Arial"/>
@@ -9403,33 +9454,14 @@
       </p:sp>
     </p:spTree>
   </p:cSld>
-  <p:timing>
-    <p:tnLst>
-      <p:par>
-        <p:cTn id="37" dur="indefinite" restart="never" nodeType="tmRoot">
-          <p:childTnLst>
-            <p:seq>
-              <p:cTn id="38" dur="indefinite" nodeType="mainSeq"/>
-              <p:prevCondLst>
-                <p:cond delay="0" evt="onPrev">
-                  <p:tgtEl>
-                    <p:sldTgt/>
-                  </p:tgtEl>
-                </p:cond>
-              </p:prevCondLst>
-              <p:nextCondLst>
-                <p:cond delay="0" evt="onNext">
-                  <p:tgtEl>
-                    <p:sldTgt/>
-                  </p:tgtEl>
-                </p:cond>
-              </p:nextCondLst>
-            </p:seq>
-          </p:childTnLst>
-        </p:cTn>
-      </p:par>
-    </p:tnLst>
-  </p:timing>
+  <mc:AlternateContent>
+    <mc:Choice Requires="p14">
+      <p:transition spd="slow" p14:dur="2000"/>
+    </mc:Choice>
+    <mc:Fallback>
+      <p:transition spd="slow"/>
+    </mc:Fallback>
+  </mc:AlternateContent>
 </p:sld>
 </file>
 
@@ -9466,7 +9498,7 @@
         <p:spPr>
           <a:xfrm>
             <a:off x="611280" y="259920"/>
-            <a:ext cx="7920360" cy="864000"/>
+            <a:ext cx="7919640" cy="863280"/>
           </a:xfrm>
           <a:prstGeom prst="rect">
             <a:avLst/>
@@ -9483,7 +9515,9 @@
           <a:fontRef idx="minor"/>
         </p:style>
         <p:txBody>
-          <a:bodyPr lIns="90000" rIns="90000" tIns="46800" bIns="46800" anchor="b"/>
+          <a:bodyPr lIns="90000" rIns="90000" tIns="46800" bIns="46800" anchor="b">
+            <a:noAutofit/>
+          </a:bodyPr>
           <a:p>
             <a:pPr algn="ctr">
               <a:lnSpc>
@@ -9515,7 +9549,7 @@
         <p:spPr>
           <a:xfrm>
             <a:off x="611280" y="1371600"/>
-            <a:ext cx="8441280" cy="5028120"/>
+            <a:ext cx="8440560" cy="5027400"/>
           </a:xfrm>
           <a:prstGeom prst="rect">
             <a:avLst/>
@@ -9885,33 +9919,14 @@
       </p:sp>
     </p:spTree>
   </p:cSld>
-  <p:timing>
-    <p:tnLst>
-      <p:par>
-        <p:cTn id="3" dur="indefinite" restart="never" nodeType="tmRoot">
-          <p:childTnLst>
-            <p:seq>
-              <p:cTn id="4" dur="indefinite" nodeType="mainSeq"/>
-              <p:prevCondLst>
-                <p:cond delay="0" evt="onPrev">
-                  <p:tgtEl>
-                    <p:sldTgt/>
-                  </p:tgtEl>
-                </p:cond>
-              </p:prevCondLst>
-              <p:nextCondLst>
-                <p:cond delay="0" evt="onNext">
-                  <p:tgtEl>
-                    <p:sldTgt/>
-                  </p:tgtEl>
-                </p:cond>
-              </p:nextCondLst>
-            </p:seq>
-          </p:childTnLst>
-        </p:cTn>
-      </p:par>
-    </p:tnLst>
-  </p:timing>
+  <mc:AlternateContent>
+    <mc:Choice Requires="p14">
+      <p:transition spd="slow" p14:dur="2000"/>
+    </mc:Choice>
+    <mc:Fallback>
+      <p:transition spd="slow"/>
+    </mc:Fallback>
+  </mc:AlternateContent>
 </p:sld>
 </file>
 
@@ -9948,7 +9963,7 @@
         <p:spPr>
           <a:xfrm>
             <a:off x="611280" y="259920"/>
-            <a:ext cx="7920360" cy="864000"/>
+            <a:ext cx="7919640" cy="863280"/>
           </a:xfrm>
           <a:prstGeom prst="rect">
             <a:avLst/>
@@ -9965,7 +9980,9 @@
           <a:fontRef idx="minor"/>
         </p:style>
         <p:txBody>
-          <a:bodyPr lIns="90000" rIns="90000" tIns="46800" bIns="46800" anchor="b"/>
+          <a:bodyPr lIns="90000" rIns="90000" tIns="46800" bIns="46800" anchor="b">
+            <a:noAutofit/>
+          </a:bodyPr>
           <a:p>
             <a:pPr algn="ctr">
               <a:lnSpc>
@@ -9997,7 +10014,7 @@
         <p:spPr>
           <a:xfrm>
             <a:off x="674280" y="1391760"/>
-            <a:ext cx="7920720" cy="1077120"/>
+            <a:ext cx="7920000" cy="1076400"/>
           </a:xfrm>
           <a:prstGeom prst="rect">
             <a:avLst/>
@@ -10051,7 +10068,7 @@
         <p:spPr>
           <a:xfrm>
             <a:off x="674640" y="2468520"/>
-            <a:ext cx="7679160" cy="1621800"/>
+            <a:ext cx="7678440" cy="1621080"/>
           </a:xfrm>
           <a:custGeom>
             <a:avLst/>
@@ -10094,7 +10111,9 @@
           <a:fontRef idx="minor"/>
         </p:style>
         <p:txBody>
-          <a:bodyPr lIns="90000" rIns="90000" tIns="46800" bIns="46800"/>
+          <a:bodyPr lIns="90000" rIns="90000" tIns="46800" bIns="46800">
+            <a:noAutofit/>
+          </a:bodyPr>
           <a:p>
             <a:pPr>
               <a:lnSpc>
@@ -10228,7 +10247,7 @@
         <p:spPr>
           <a:xfrm>
             <a:off x="582480" y="4754520"/>
-            <a:ext cx="7920720" cy="950040"/>
+            <a:ext cx="7920000" cy="949320"/>
           </a:xfrm>
           <a:prstGeom prst="rect">
             <a:avLst/>
@@ -10245,7 +10264,9 @@
           <a:fontRef idx="minor"/>
         </p:style>
         <p:txBody>
-          <a:bodyPr lIns="90000" rIns="90000" tIns="46800" bIns="46800"/>
+          <a:bodyPr lIns="90000" rIns="90000" tIns="46800" bIns="46800">
+            <a:noAutofit/>
+          </a:bodyPr>
           <a:p>
             <a:pPr>
               <a:lnSpc>
@@ -10284,33 +10305,14 @@
       </p:sp>
     </p:spTree>
   </p:cSld>
-  <p:timing>
-    <p:tnLst>
-      <p:par>
-        <p:cTn id="5" dur="indefinite" restart="never" nodeType="tmRoot">
-          <p:childTnLst>
-            <p:seq>
-              <p:cTn id="6" dur="indefinite" nodeType="mainSeq"/>
-              <p:prevCondLst>
-                <p:cond delay="0" evt="onPrev">
-                  <p:tgtEl>
-                    <p:sldTgt/>
-                  </p:tgtEl>
-                </p:cond>
-              </p:prevCondLst>
-              <p:nextCondLst>
-                <p:cond delay="0" evt="onNext">
-                  <p:tgtEl>
-                    <p:sldTgt/>
-                  </p:tgtEl>
-                </p:cond>
-              </p:nextCondLst>
-            </p:seq>
-          </p:childTnLst>
-        </p:cTn>
-      </p:par>
-    </p:tnLst>
-  </p:timing>
+  <mc:AlternateContent>
+    <mc:Choice Requires="p14">
+      <p:transition spd="slow" p14:dur="2000"/>
+    </mc:Choice>
+    <mc:Fallback>
+      <p:transition spd="slow"/>
+    </mc:Fallback>
+  </mc:AlternateContent>
 </p:sld>
 </file>
 
@@ -10347,7 +10349,7 @@
         <p:spPr>
           <a:xfrm>
             <a:off x="611280" y="259920"/>
-            <a:ext cx="7920360" cy="864000"/>
+            <a:ext cx="7919640" cy="863280"/>
           </a:xfrm>
           <a:prstGeom prst="rect">
             <a:avLst/>
@@ -10364,7 +10366,9 @@
           <a:fontRef idx="minor"/>
         </p:style>
         <p:txBody>
-          <a:bodyPr lIns="90000" rIns="90000" tIns="46800" bIns="46800" anchor="b"/>
+          <a:bodyPr lIns="90000" rIns="90000" tIns="46800" bIns="46800" anchor="b">
+            <a:noAutofit/>
+          </a:bodyPr>
           <a:p>
             <a:pPr algn="ctr">
               <a:lnSpc>
@@ -10396,7 +10400,7 @@
         <p:spPr>
           <a:xfrm>
             <a:off x="552600" y="1492200"/>
-            <a:ext cx="3530880" cy="336240"/>
+            <a:ext cx="3530160" cy="335520"/>
           </a:xfrm>
           <a:custGeom>
             <a:avLst/>
@@ -10439,7 +10443,9 @@
           <a:fontRef idx="minor"/>
         </p:style>
         <p:txBody>
-          <a:bodyPr lIns="90000" rIns="90000" tIns="46800" bIns="46800"/>
+          <a:bodyPr lIns="90000" rIns="90000" tIns="46800" bIns="46800">
+            <a:noAutofit/>
+          </a:bodyPr>
           <a:p>
             <a:pPr>
               <a:lnSpc>
@@ -10474,7 +10480,7 @@
         <p:spPr>
           <a:xfrm>
             <a:off x="1468440" y="2219400"/>
-            <a:ext cx="3531240" cy="873360"/>
+            <a:ext cx="3530520" cy="872640"/>
           </a:xfrm>
           <a:custGeom>
             <a:avLst/>
@@ -10517,7 +10523,9 @@
           <a:fontRef idx="minor"/>
         </p:style>
         <p:txBody>
-          <a:bodyPr lIns="90000" rIns="90000" tIns="46800" bIns="46800"/>
+          <a:bodyPr lIns="90000" rIns="90000" tIns="46800" bIns="46800">
+            <a:noAutofit/>
+          </a:bodyPr>
           <a:p>
             <a:pPr>
               <a:lnSpc>
@@ -10628,7 +10636,7 @@
         <p:spPr>
           <a:xfrm>
             <a:off x="2952720" y="3408480"/>
-            <a:ext cx="3531240" cy="873360"/>
+            <a:ext cx="3530520" cy="872640"/>
           </a:xfrm>
           <a:custGeom>
             <a:avLst/>
@@ -10671,7 +10679,9 @@
           <a:fontRef idx="minor"/>
         </p:style>
         <p:txBody>
-          <a:bodyPr lIns="90000" rIns="90000" tIns="46800" bIns="46800"/>
+          <a:bodyPr lIns="90000" rIns="90000" tIns="46800" bIns="46800">
+            <a:noAutofit/>
+          </a:bodyPr>
           <a:p>
             <a:pPr>
               <a:lnSpc>
@@ -10782,7 +10792,7 @@
         <p:spPr>
           <a:xfrm>
             <a:off x="4013280" y="4530600"/>
-            <a:ext cx="3530880" cy="873360"/>
+            <a:ext cx="3530160" cy="872640"/>
           </a:xfrm>
           <a:custGeom>
             <a:avLst/>
@@ -10825,7 +10835,9 @@
           <a:fontRef idx="minor"/>
         </p:style>
         <p:txBody>
-          <a:bodyPr lIns="90000" rIns="90000" tIns="46800" bIns="46800"/>
+          <a:bodyPr lIns="90000" rIns="90000" tIns="46800" bIns="46800">
+            <a:noAutofit/>
+          </a:bodyPr>
           <a:p>
             <a:pPr>
               <a:lnSpc>
@@ -10936,7 +10948,7 @@
         <p:spPr>
           <a:xfrm>
             <a:off x="4818240" y="5702400"/>
-            <a:ext cx="3530880" cy="873360"/>
+            <a:ext cx="3530160" cy="872640"/>
           </a:xfrm>
           <a:custGeom>
             <a:avLst/>
@@ -10979,7 +10991,9 @@
           <a:fontRef idx="minor"/>
         </p:style>
         <p:txBody>
-          <a:bodyPr lIns="90000" rIns="90000" tIns="46800" bIns="46800"/>
+          <a:bodyPr lIns="90000" rIns="90000" tIns="46800" bIns="46800">
+            <a:noAutofit/>
+          </a:bodyPr>
           <a:p>
             <a:pPr>
               <a:lnSpc>
@@ -11186,7 +11200,7 @@
         <p:spPr>
           <a:xfrm>
             <a:off x="1704960" y="1828800"/>
-            <a:ext cx="886320" cy="367200"/>
+            <a:ext cx="885600" cy="366480"/>
           </a:xfrm>
           <a:custGeom>
             <a:avLst/>
@@ -11226,7 +11240,9 @@
           <a:fontRef idx="minor"/>
         </p:style>
         <p:txBody>
-          <a:bodyPr lIns="90000" rIns="90000" tIns="46800" bIns="46800"/>
+          <a:bodyPr lIns="90000" rIns="90000" tIns="46800" bIns="46800">
+            <a:noAutofit/>
+          </a:bodyPr>
           <a:p>
             <a:pPr algn="r">
               <a:lnSpc>
@@ -11261,7 +11277,7 @@
         <p:spPr>
           <a:xfrm>
             <a:off x="2952720" y="3040200"/>
-            <a:ext cx="886320" cy="367200"/>
+            <a:ext cx="885600" cy="366480"/>
           </a:xfrm>
           <a:custGeom>
             <a:avLst/>
@@ -11301,7 +11317,9 @@
           <a:fontRef idx="minor"/>
         </p:style>
         <p:txBody>
-          <a:bodyPr lIns="90000" rIns="90000" tIns="46800" bIns="46800"/>
+          <a:bodyPr lIns="90000" rIns="90000" tIns="46800" bIns="46800">
+            <a:noAutofit/>
+          </a:bodyPr>
           <a:p>
             <a:pPr algn="r">
               <a:lnSpc>
@@ -11336,7 +11354,7 @@
         <p:spPr>
           <a:xfrm>
             <a:off x="4206960" y="4206960"/>
-            <a:ext cx="886320" cy="367200"/>
+            <a:ext cx="885600" cy="366480"/>
           </a:xfrm>
           <a:custGeom>
             <a:avLst/>
@@ -11376,7 +11394,9 @@
           <a:fontRef idx="minor"/>
         </p:style>
         <p:txBody>
-          <a:bodyPr lIns="90000" rIns="90000" tIns="46800" bIns="46800"/>
+          <a:bodyPr lIns="90000" rIns="90000" tIns="46800" bIns="46800">
+            <a:noAutofit/>
+          </a:bodyPr>
           <a:p>
             <a:pPr algn="r">
               <a:lnSpc>
@@ -11404,33 +11424,14 @@
       </p:sp>
     </p:spTree>
   </p:cSld>
-  <p:timing>
-    <p:tnLst>
-      <p:par>
-        <p:cTn id="7" dur="indefinite" restart="never" nodeType="tmRoot">
-          <p:childTnLst>
-            <p:seq>
-              <p:cTn id="8" dur="indefinite" nodeType="mainSeq"/>
-              <p:prevCondLst>
-                <p:cond delay="0" evt="onPrev">
-                  <p:tgtEl>
-                    <p:sldTgt/>
-                  </p:tgtEl>
-                </p:cond>
-              </p:prevCondLst>
-              <p:nextCondLst>
-                <p:cond delay="0" evt="onNext">
-                  <p:tgtEl>
-                    <p:sldTgt/>
-                  </p:tgtEl>
-                </p:cond>
-              </p:nextCondLst>
-            </p:seq>
-          </p:childTnLst>
-        </p:cTn>
-      </p:par>
-    </p:tnLst>
-  </p:timing>
+  <mc:AlternateContent>
+    <mc:Choice Requires="p14">
+      <p:transition spd="slow" p14:dur="2000"/>
+    </mc:Choice>
+    <mc:Fallback>
+      <p:transition spd="slow"/>
+    </mc:Fallback>
+  </mc:AlternateContent>
 </p:sld>
 </file>
 
@@ -11467,7 +11468,7 @@
         <p:spPr>
           <a:xfrm>
             <a:off x="611280" y="259920"/>
-            <a:ext cx="7920360" cy="864000"/>
+            <a:ext cx="7919640" cy="863280"/>
           </a:xfrm>
           <a:prstGeom prst="rect">
             <a:avLst/>
@@ -11484,7 +11485,9 @@
           <a:fontRef idx="minor"/>
         </p:style>
         <p:txBody>
-          <a:bodyPr lIns="90000" rIns="90000" tIns="46800" bIns="46800" anchor="b"/>
+          <a:bodyPr lIns="90000" rIns="90000" tIns="46800" bIns="46800" anchor="b">
+            <a:noAutofit/>
+          </a:bodyPr>
           <a:p>
             <a:pPr algn="ctr">
               <a:lnSpc>
@@ -11516,7 +11519,7 @@
         <p:spPr>
           <a:xfrm>
             <a:off x="552600" y="1492200"/>
-            <a:ext cx="3530880" cy="336240"/>
+            <a:ext cx="3530160" cy="335520"/>
           </a:xfrm>
           <a:custGeom>
             <a:avLst/>
@@ -11559,7 +11562,9 @@
           <a:fontRef idx="minor"/>
         </p:style>
         <p:txBody>
-          <a:bodyPr lIns="90000" rIns="90000" tIns="46800" bIns="46800"/>
+          <a:bodyPr lIns="90000" rIns="90000" tIns="46800" bIns="46800">
+            <a:noAutofit/>
+          </a:bodyPr>
           <a:p>
             <a:pPr>
               <a:lnSpc>
@@ -11594,7 +11599,7 @@
         <p:spPr>
           <a:xfrm>
             <a:off x="1468440" y="2219400"/>
-            <a:ext cx="3531240" cy="873360"/>
+            <a:ext cx="3530520" cy="872640"/>
           </a:xfrm>
           <a:custGeom>
             <a:avLst/>
@@ -11637,7 +11642,9 @@
           <a:fontRef idx="minor"/>
         </p:style>
         <p:txBody>
-          <a:bodyPr lIns="90000" rIns="90000" tIns="46800" bIns="46800"/>
+          <a:bodyPr lIns="90000" rIns="90000" tIns="46800" bIns="46800">
+            <a:noAutofit/>
+          </a:bodyPr>
           <a:p>
             <a:pPr>
               <a:lnSpc>
@@ -11728,7 +11735,7 @@
         <p:spPr>
           <a:xfrm>
             <a:off x="2952720" y="3408480"/>
-            <a:ext cx="3531240" cy="873360"/>
+            <a:ext cx="3530520" cy="872640"/>
           </a:xfrm>
           <a:custGeom>
             <a:avLst/>
@@ -11771,7 +11778,9 @@
           <a:fontRef idx="minor"/>
         </p:style>
         <p:txBody>
-          <a:bodyPr lIns="90000" rIns="90000" tIns="46800" bIns="46800"/>
+          <a:bodyPr lIns="90000" rIns="90000" tIns="46800" bIns="46800">
+            <a:noAutofit/>
+          </a:bodyPr>
           <a:p>
             <a:pPr>
               <a:lnSpc>
@@ -11862,7 +11871,7 @@
         <p:spPr>
           <a:xfrm>
             <a:off x="4013280" y="4530600"/>
-            <a:ext cx="3530880" cy="873360"/>
+            <a:ext cx="3530160" cy="872640"/>
           </a:xfrm>
           <a:custGeom>
             <a:avLst/>
@@ -11905,7 +11914,9 @@
           <a:fontRef idx="minor"/>
         </p:style>
         <p:txBody>
-          <a:bodyPr lIns="90000" rIns="90000" tIns="46800" bIns="46800"/>
+          <a:bodyPr lIns="90000" rIns="90000" tIns="46800" bIns="46800">
+            <a:noAutofit/>
+          </a:bodyPr>
           <a:p>
             <a:pPr>
               <a:lnSpc>
@@ -11996,7 +12007,7 @@
         <p:spPr>
           <a:xfrm>
             <a:off x="4818240" y="5702400"/>
-            <a:ext cx="3530880" cy="873360"/>
+            <a:ext cx="3530160" cy="872640"/>
           </a:xfrm>
           <a:custGeom>
             <a:avLst/>
@@ -12039,7 +12050,9 @@
           <a:fontRef idx="minor"/>
         </p:style>
         <p:txBody>
-          <a:bodyPr lIns="90000" rIns="90000" tIns="46800" bIns="46800"/>
+          <a:bodyPr lIns="90000" rIns="90000" tIns="46800" bIns="46800">
+            <a:noAutofit/>
+          </a:bodyPr>
           <a:p>
             <a:pPr>
               <a:lnSpc>
@@ -12275,7 +12288,7 @@
         <p:spPr>
           <a:xfrm>
             <a:off x="6897600" y="5402160"/>
-            <a:ext cx="2346840" cy="367200"/>
+            <a:ext cx="2346120" cy="366480"/>
           </a:xfrm>
           <a:custGeom>
             <a:avLst/>
@@ -12315,7 +12328,9 @@
           <a:fontRef idx="minor"/>
         </p:style>
         <p:txBody>
-          <a:bodyPr lIns="90000" rIns="90000" tIns="46800" bIns="46800"/>
+          <a:bodyPr lIns="90000" rIns="90000" tIns="46800" bIns="46800">
+            <a:noAutofit/>
+          </a:bodyPr>
           <a:p>
             <a:pPr>
               <a:lnSpc>
@@ -12379,7 +12394,7 @@
         <p:spPr>
           <a:xfrm>
             <a:off x="6037200" y="4237200"/>
-            <a:ext cx="1857960" cy="367200"/>
+            <a:ext cx="1857240" cy="366480"/>
           </a:xfrm>
           <a:custGeom>
             <a:avLst/>
@@ -12419,7 +12434,9 @@
           <a:fontRef idx="minor"/>
         </p:style>
         <p:txBody>
-          <a:bodyPr lIns="90000" rIns="90000" tIns="46800" bIns="46800"/>
+          <a:bodyPr lIns="90000" rIns="90000" tIns="46800" bIns="46800">
+            <a:noAutofit/>
+          </a:bodyPr>
           <a:p>
             <a:pPr>
               <a:lnSpc>
@@ -12483,7 +12500,7 @@
         <p:spPr>
           <a:xfrm>
             <a:off x="4788000" y="3063960"/>
-            <a:ext cx="1813320" cy="367200"/>
+            <a:ext cx="1812600" cy="366480"/>
           </a:xfrm>
           <a:custGeom>
             <a:avLst/>
@@ -12523,7 +12540,9 @@
           <a:fontRef idx="minor"/>
         </p:style>
         <p:txBody>
-          <a:bodyPr lIns="90000" rIns="90000" tIns="46800" bIns="46800"/>
+          <a:bodyPr lIns="90000" rIns="90000" tIns="46800" bIns="46800">
+            <a:noAutofit/>
+          </a:bodyPr>
           <a:p>
             <a:pPr>
               <a:lnSpc>
@@ -12587,7 +12606,7 @@
         <p:spPr>
           <a:xfrm>
             <a:off x="3362400" y="1866960"/>
-            <a:ext cx="1813320" cy="367200"/>
+            <a:ext cx="1812600" cy="366480"/>
           </a:xfrm>
           <a:custGeom>
             <a:avLst/>
@@ -12627,7 +12646,9 @@
           <a:fontRef idx="minor"/>
         </p:style>
         <p:txBody>
-          <a:bodyPr lIns="90000" rIns="90000" tIns="46800" bIns="46800"/>
+          <a:bodyPr lIns="90000" rIns="90000" tIns="46800" bIns="46800">
+            <a:noAutofit/>
+          </a:bodyPr>
           <a:p>
             <a:pPr>
               <a:lnSpc>
@@ -12662,7 +12683,7 @@
         <p:spPr>
           <a:xfrm>
             <a:off x="1704960" y="1828800"/>
-            <a:ext cx="886320" cy="367200"/>
+            <a:ext cx="885600" cy="366480"/>
           </a:xfrm>
           <a:custGeom>
             <a:avLst/>
@@ -12702,7 +12723,9 @@
           <a:fontRef idx="minor"/>
         </p:style>
         <p:txBody>
-          <a:bodyPr lIns="90000" rIns="90000" tIns="46800" bIns="46800"/>
+          <a:bodyPr lIns="90000" rIns="90000" tIns="46800" bIns="46800">
+            <a:noAutofit/>
+          </a:bodyPr>
           <a:p>
             <a:pPr algn="r">
               <a:lnSpc>
@@ -12737,7 +12760,7 @@
         <p:spPr>
           <a:xfrm>
             <a:off x="2948040" y="3046320"/>
-            <a:ext cx="886320" cy="367200"/>
+            <a:ext cx="885600" cy="366480"/>
           </a:xfrm>
           <a:custGeom>
             <a:avLst/>
@@ -12777,7 +12800,9 @@
           <a:fontRef idx="minor"/>
         </p:style>
         <p:txBody>
-          <a:bodyPr lIns="90000" rIns="90000" tIns="46800" bIns="46800"/>
+          <a:bodyPr lIns="90000" rIns="90000" tIns="46800" bIns="46800">
+            <a:noAutofit/>
+          </a:bodyPr>
           <a:p>
             <a:pPr algn="r">
               <a:lnSpc>
@@ -12812,7 +12837,7 @@
         <p:spPr>
           <a:xfrm>
             <a:off x="3292560" y="1492200"/>
-            <a:ext cx="1813320" cy="367200"/>
+            <a:ext cx="1812600" cy="366480"/>
           </a:xfrm>
           <a:custGeom>
             <a:avLst/>
@@ -12852,7 +12877,9 @@
           <a:fontRef idx="minor"/>
         </p:style>
         <p:txBody>
-          <a:bodyPr lIns="90000" rIns="90000" tIns="46800" bIns="46800"/>
+          <a:bodyPr lIns="90000" rIns="90000" tIns="46800" bIns="46800">
+            <a:noAutofit/>
+          </a:bodyPr>
           <a:p>
             <a:pPr>
               <a:lnSpc>
@@ -12890,33 +12917,14 @@
       </p:sp>
     </p:spTree>
   </p:cSld>
-  <p:timing>
-    <p:tnLst>
-      <p:par>
-        <p:cTn id="9" dur="indefinite" restart="never" nodeType="tmRoot">
-          <p:childTnLst>
-            <p:seq>
-              <p:cTn id="10" dur="indefinite" nodeType="mainSeq"/>
-              <p:prevCondLst>
-                <p:cond delay="0" evt="onPrev">
-                  <p:tgtEl>
-                    <p:sldTgt/>
-                  </p:tgtEl>
-                </p:cond>
-              </p:prevCondLst>
-              <p:nextCondLst>
-                <p:cond delay="0" evt="onNext">
-                  <p:tgtEl>
-                    <p:sldTgt/>
-                  </p:tgtEl>
-                </p:cond>
-              </p:nextCondLst>
-            </p:seq>
-          </p:childTnLst>
-        </p:cTn>
-      </p:par>
-    </p:tnLst>
-  </p:timing>
+  <mc:AlternateContent>
+    <mc:Choice Requires="p14">
+      <p:transition spd="slow" p14:dur="2000"/>
+    </mc:Choice>
+    <mc:Fallback>
+      <p:transition spd="slow"/>
+    </mc:Fallback>
+  </mc:AlternateContent>
 </p:sld>
 </file>
 
@@ -12953,7 +12961,7 @@
         <p:spPr>
           <a:xfrm>
             <a:off x="611280" y="259920"/>
-            <a:ext cx="7920360" cy="864000"/>
+            <a:ext cx="7919640" cy="863280"/>
           </a:xfrm>
           <a:prstGeom prst="rect">
             <a:avLst/>
@@ -12970,7 +12978,9 @@
           <a:fontRef idx="minor"/>
         </p:style>
         <p:txBody>
-          <a:bodyPr lIns="90000" rIns="90000" tIns="46800" bIns="46800" anchor="b"/>
+          <a:bodyPr lIns="90000" rIns="90000" tIns="46800" bIns="46800" anchor="b">
+            <a:noAutofit/>
+          </a:bodyPr>
           <a:p>
             <a:pPr algn="ctr">
               <a:lnSpc>
@@ -13002,7 +13012,7 @@
         <p:spPr>
           <a:xfrm>
             <a:off x="674280" y="1391760"/>
-            <a:ext cx="7920720" cy="1208880"/>
+            <a:ext cx="7920000" cy="1208160"/>
           </a:xfrm>
           <a:prstGeom prst="rect">
             <a:avLst/>
@@ -13159,7 +13169,7 @@
         <p:spPr>
           <a:xfrm>
             <a:off x="558720" y="2771640"/>
-            <a:ext cx="5018760" cy="1407600"/>
+            <a:ext cx="5018040" cy="1406880"/>
           </a:xfrm>
           <a:custGeom>
             <a:avLst/>
@@ -13202,7 +13212,9 @@
           <a:fontRef idx="minor"/>
         </p:style>
         <p:txBody>
-          <a:bodyPr lIns="90000" rIns="90000" tIns="46800" bIns="46800"/>
+          <a:bodyPr lIns="90000" rIns="90000" tIns="46800" bIns="46800">
+            <a:noAutofit/>
+          </a:bodyPr>
           <a:p>
             <a:pPr>
               <a:lnSpc>
@@ -13332,7 +13344,7 @@
         <p:spPr>
           <a:xfrm>
             <a:off x="6073920" y="2795760"/>
-            <a:ext cx="2298960" cy="1464480"/>
+            <a:ext cx="2298240" cy="1463760"/>
           </a:xfrm>
           <a:custGeom>
             <a:avLst/>
@@ -13372,7 +13384,9 @@
           <a:fontRef idx="minor"/>
         </p:style>
         <p:txBody>
-          <a:bodyPr lIns="90000" rIns="90000" tIns="46800" bIns="46800"/>
+          <a:bodyPr lIns="90000" rIns="90000" tIns="46800" bIns="46800">
+            <a:noAutofit/>
+          </a:bodyPr>
           <a:p>
             <a:pPr>
               <a:lnSpc>
@@ -13427,7 +13441,7 @@
         <p:spPr>
           <a:xfrm>
             <a:off x="558720" y="4857840"/>
-            <a:ext cx="5018760" cy="1407600"/>
+            <a:ext cx="5018040" cy="1406880"/>
           </a:xfrm>
           <a:custGeom>
             <a:avLst/>
@@ -13470,7 +13484,9 @@
           <a:fontRef idx="minor"/>
         </p:style>
         <p:txBody>
-          <a:bodyPr lIns="90000" rIns="90000" tIns="46800" bIns="46800"/>
+          <a:bodyPr lIns="90000" rIns="90000" tIns="46800" bIns="46800">
+            <a:noAutofit/>
+          </a:bodyPr>
           <a:p>
             <a:pPr>
               <a:lnSpc>
@@ -13620,7 +13636,7 @@
         <p:spPr>
           <a:xfrm>
             <a:off x="6073920" y="4881600"/>
-            <a:ext cx="2429280" cy="641520"/>
+            <a:ext cx="2428560" cy="640800"/>
           </a:xfrm>
           <a:custGeom>
             <a:avLst/>
@@ -13660,7 +13676,9 @@
           <a:fontRef idx="minor"/>
         </p:style>
         <p:txBody>
-          <a:bodyPr lIns="90000" rIns="90000" tIns="46800" bIns="46800"/>
+          <a:bodyPr lIns="90000" rIns="90000" tIns="46800" bIns="46800">
+            <a:noAutofit/>
+          </a:bodyPr>
           <a:p>
             <a:pPr>
               <a:lnSpc>
@@ -13708,7 +13726,7 @@
         <p:spPr>
           <a:xfrm>
             <a:off x="558720" y="4368960"/>
-            <a:ext cx="2299320" cy="458640"/>
+            <a:ext cx="2298600" cy="457920"/>
           </a:xfrm>
           <a:custGeom>
             <a:avLst/>
@@ -13748,7 +13766,9 @@
           <a:fontRef idx="minor"/>
         </p:style>
         <p:txBody>
-          <a:bodyPr lIns="90000" rIns="90000" tIns="46800" bIns="46800"/>
+          <a:bodyPr lIns="90000" rIns="90000" tIns="46800" bIns="46800">
+            <a:noAutofit/>
+          </a:bodyPr>
           <a:p>
             <a:pPr>
               <a:lnSpc>
@@ -13786,33 +13806,14 @@
       </p:sp>
     </p:spTree>
   </p:cSld>
-  <p:timing>
-    <p:tnLst>
-      <p:par>
-        <p:cTn id="11" dur="indefinite" restart="never" nodeType="tmRoot">
-          <p:childTnLst>
-            <p:seq>
-              <p:cTn id="12" dur="indefinite" nodeType="mainSeq"/>
-              <p:prevCondLst>
-                <p:cond delay="0" evt="onPrev">
-                  <p:tgtEl>
-                    <p:sldTgt/>
-                  </p:tgtEl>
-                </p:cond>
-              </p:prevCondLst>
-              <p:nextCondLst>
-                <p:cond delay="0" evt="onNext">
-                  <p:tgtEl>
-                    <p:sldTgt/>
-                  </p:tgtEl>
-                </p:cond>
-              </p:nextCondLst>
-            </p:seq>
-          </p:childTnLst>
-        </p:cTn>
-      </p:par>
-    </p:tnLst>
-  </p:timing>
+  <mc:AlternateContent>
+    <mc:Choice Requires="p14">
+      <p:transition spd="slow" p14:dur="2000"/>
+    </mc:Choice>
+    <mc:Fallback>
+      <p:transition spd="slow"/>
+    </mc:Fallback>
+  </mc:AlternateContent>
 </p:sld>
 </file>
 
@@ -13849,7 +13850,7 @@
         <p:spPr>
           <a:xfrm>
             <a:off x="611280" y="259920"/>
-            <a:ext cx="7920360" cy="864000"/>
+            <a:ext cx="7919640" cy="863280"/>
           </a:xfrm>
           <a:prstGeom prst="rect">
             <a:avLst/>
@@ -13866,7 +13867,9 @@
           <a:fontRef idx="minor"/>
         </p:style>
         <p:txBody>
-          <a:bodyPr lIns="90000" rIns="90000" tIns="46800" bIns="46800" anchor="b"/>
+          <a:bodyPr lIns="90000" rIns="90000" tIns="46800" bIns="46800" anchor="b">
+            <a:noAutofit/>
+          </a:bodyPr>
           <a:p>
             <a:pPr algn="ctr">
               <a:lnSpc>
@@ -13898,7 +13901,7 @@
         <p:spPr>
           <a:xfrm>
             <a:off x="674280" y="1463760"/>
-            <a:ext cx="7920720" cy="2284920"/>
+            <a:ext cx="7920000" cy="2284200"/>
           </a:xfrm>
           <a:prstGeom prst="rect">
             <a:avLst/>
@@ -14124,33 +14127,14 @@
       </p:sp>
     </p:spTree>
   </p:cSld>
-  <p:timing>
-    <p:tnLst>
-      <p:par>
-        <p:cTn id="13" dur="indefinite" restart="never" nodeType="tmRoot">
-          <p:childTnLst>
-            <p:seq>
-              <p:cTn id="14" dur="indefinite" nodeType="mainSeq"/>
-              <p:prevCondLst>
-                <p:cond delay="0" evt="onPrev">
-                  <p:tgtEl>
-                    <p:sldTgt/>
-                  </p:tgtEl>
-                </p:cond>
-              </p:prevCondLst>
-              <p:nextCondLst>
-                <p:cond delay="0" evt="onNext">
-                  <p:tgtEl>
-                    <p:sldTgt/>
-                  </p:tgtEl>
-                </p:cond>
-              </p:nextCondLst>
-            </p:seq>
-          </p:childTnLst>
-        </p:cTn>
-      </p:par>
-    </p:tnLst>
-  </p:timing>
+  <mc:AlternateContent>
+    <mc:Choice Requires="p14">
+      <p:transition spd="slow" p14:dur="2000"/>
+    </mc:Choice>
+    <mc:Fallback>
+      <p:transition spd="slow"/>
+    </mc:Fallback>
+  </mc:AlternateContent>
 </p:sld>
 </file>
 
@@ -14187,7 +14171,7 @@
         <p:spPr>
           <a:xfrm>
             <a:off x="611280" y="259920"/>
-            <a:ext cx="7920360" cy="864000"/>
+            <a:ext cx="7919640" cy="863280"/>
           </a:xfrm>
           <a:prstGeom prst="rect">
             <a:avLst/>
@@ -14204,7 +14188,9 @@
           <a:fontRef idx="minor"/>
         </p:style>
         <p:txBody>
-          <a:bodyPr lIns="90000" rIns="90000" tIns="46800" bIns="46800" anchor="ctr"/>
+          <a:bodyPr lIns="90000" rIns="90000" tIns="46800" bIns="46800" anchor="ctr">
+            <a:noAutofit/>
+          </a:bodyPr>
           <a:p>
             <a:pPr algn="ctr">
               <a:lnSpc>
@@ -14236,7 +14222,7 @@
         <p:spPr>
           <a:xfrm>
             <a:off x="674280" y="1400040"/>
-            <a:ext cx="7920720" cy="2988360"/>
+            <a:ext cx="7920000" cy="2987640"/>
           </a:xfrm>
           <a:prstGeom prst="rect">
             <a:avLst/>
@@ -14342,33 +14328,14 @@
       </p:sp>
     </p:spTree>
   </p:cSld>
-  <p:timing>
-    <p:tnLst>
-      <p:par>
-        <p:cTn id="15" dur="indefinite" restart="never" nodeType="tmRoot">
-          <p:childTnLst>
-            <p:seq>
-              <p:cTn id="16" dur="indefinite" nodeType="mainSeq"/>
-              <p:prevCondLst>
-                <p:cond delay="0" evt="onPrev">
-                  <p:tgtEl>
-                    <p:sldTgt/>
-                  </p:tgtEl>
-                </p:cond>
-              </p:prevCondLst>
-              <p:nextCondLst>
-                <p:cond delay="0" evt="onNext">
-                  <p:tgtEl>
-                    <p:sldTgt/>
-                  </p:tgtEl>
-                </p:cond>
-              </p:nextCondLst>
-            </p:seq>
-          </p:childTnLst>
-        </p:cTn>
-      </p:par>
-    </p:tnLst>
-  </p:timing>
+  <mc:AlternateContent>
+    <mc:Choice Requires="p14">
+      <p:transition spd="slow" p14:dur="2000"/>
+    </mc:Choice>
+    <mc:Fallback>
+      <p:transition spd="slow"/>
+    </mc:Fallback>
+  </mc:AlternateContent>
 </p:sld>
 </file>
 
@@ -14405,7 +14372,7 @@
         <p:spPr>
           <a:xfrm>
             <a:off x="611280" y="259920"/>
-            <a:ext cx="7920360" cy="864000"/>
+            <a:ext cx="7919640" cy="863280"/>
           </a:xfrm>
           <a:prstGeom prst="rect">
             <a:avLst/>
@@ -14422,7 +14389,9 @@
           <a:fontRef idx="minor"/>
         </p:style>
         <p:txBody>
-          <a:bodyPr lIns="90000" rIns="90000" tIns="46800" bIns="46800" anchor="ctr"/>
+          <a:bodyPr lIns="90000" rIns="90000" tIns="46800" bIns="46800" anchor="ctr">
+            <a:noAutofit/>
+          </a:bodyPr>
           <a:p>
             <a:pPr algn="ctr">
               <a:lnSpc>
@@ -14454,7 +14423,7 @@
         <p:spPr>
           <a:xfrm>
             <a:off x="674280" y="1400040"/>
-            <a:ext cx="7920720" cy="702360"/>
+            <a:ext cx="7920000" cy="701640"/>
           </a:xfrm>
           <a:prstGeom prst="rect">
             <a:avLst/>
@@ -14521,7 +14490,7 @@
         <p:spPr>
           <a:xfrm>
             <a:off x="639720" y="2011320"/>
-            <a:ext cx="7679160" cy="3971520"/>
+            <a:ext cx="7678440" cy="3970800"/>
           </a:xfrm>
           <a:custGeom>
             <a:avLst/>
@@ -14564,7 +14533,9 @@
           <a:fontRef idx="minor"/>
         </p:style>
         <p:txBody>
-          <a:bodyPr lIns="90000" rIns="90000" tIns="46800" bIns="46800"/>
+          <a:bodyPr lIns="90000" rIns="90000" tIns="46800" bIns="46800">
+            <a:noAutofit/>
+          </a:bodyPr>
           <a:p>
             <a:pPr>
               <a:lnSpc>
@@ -14803,33 +14774,14 @@
       </p:sp>
     </p:spTree>
   </p:cSld>
-  <p:timing>
-    <p:tnLst>
-      <p:par>
-        <p:cTn id="17" dur="indefinite" restart="never" nodeType="tmRoot">
-          <p:childTnLst>
-            <p:seq>
-              <p:cTn id="18" dur="indefinite" nodeType="mainSeq"/>
-              <p:prevCondLst>
-                <p:cond delay="0" evt="onPrev">
-                  <p:tgtEl>
-                    <p:sldTgt/>
-                  </p:tgtEl>
-                </p:cond>
-              </p:prevCondLst>
-              <p:nextCondLst>
-                <p:cond delay="0" evt="onNext">
-                  <p:tgtEl>
-                    <p:sldTgt/>
-                  </p:tgtEl>
-                </p:cond>
-              </p:nextCondLst>
-            </p:seq>
-          </p:childTnLst>
-        </p:cTn>
-      </p:par>
-    </p:tnLst>
-  </p:timing>
+  <mc:AlternateContent>
+    <mc:Choice Requires="p14">
+      <p:transition spd="slow" p14:dur="2000"/>
+    </mc:Choice>
+    <mc:Fallback>
+      <p:transition spd="slow"/>
+    </mc:Fallback>
+  </mc:AlternateContent>
 </p:sld>
 </file>
 
@@ -14947,18 +14899,21 @@
             </a:schemeClr>
           </a:solidFill>
           <a:prstDash val="solid"/>
+          <a:miter/>
         </a:ln>
         <a:ln w="25400" cap="flat" cmpd="sng" algn="ctr">
           <a:solidFill>
             <a:schemeClr val="phClr"/>
           </a:solidFill>
           <a:prstDash val="solid"/>
+          <a:miter/>
         </a:ln>
         <a:ln w="38100" cap="flat" cmpd="sng" algn="ctr">
           <a:solidFill>
             <a:schemeClr val="phClr"/>
           </a:solidFill>
           <a:prstDash val="solid"/>
+          <a:miter/>
         </a:ln>
       </a:lnStyleLst>
       <a:effectStyleLst>
@@ -15170,18 +15125,21 @@
             </a:schemeClr>
           </a:solidFill>
           <a:prstDash val="solid"/>
+          <a:miter/>
         </a:ln>
         <a:ln w="25400" cap="flat" cmpd="sng" algn="ctr">
           <a:solidFill>
             <a:schemeClr val="phClr"/>
           </a:solidFill>
           <a:prstDash val="solid"/>
+          <a:miter/>
         </a:ln>
         <a:ln w="38100" cap="flat" cmpd="sng" algn="ctr">
           <a:solidFill>
             <a:schemeClr val="phClr"/>
           </a:solidFill>
           <a:prstDash val="solid"/>
+          <a:miter/>
         </a:ln>
       </a:lnStyleLst>
       <a:effectStyleLst>
@@ -15393,18 +15351,21 @@
             </a:schemeClr>
           </a:solidFill>
           <a:prstDash val="solid"/>
+          <a:miter/>
         </a:ln>
         <a:ln w="25400" cap="flat" cmpd="sng" algn="ctr">
           <a:solidFill>
             <a:schemeClr val="phClr"/>
           </a:solidFill>
           <a:prstDash val="solid"/>
+          <a:miter/>
         </a:ln>
         <a:ln w="38100" cap="flat" cmpd="sng" algn="ctr">
           <a:solidFill>
             <a:schemeClr val="phClr"/>
           </a:solidFill>
           <a:prstDash val="solid"/>
+          <a:miter/>
         </a:ln>
       </a:lnStyleLst>
       <a:effectStyleLst>
